--- a/Slides/EF/4 - Code First.pptx
+++ b/Slides/EF/4 - Code First.pptx
@@ -5,14 +5,37 @@
     <p:sldMasterId id="2147483660" r:id="rId1"/>
   </p:sldMasterIdLst>
   <p:sldIdLst>
-    <p:sldId id="256" r:id="rId2"/>
-    <p:sldId id="259" r:id="rId3"/>
-    <p:sldId id="260" r:id="rId4"/>
-    <p:sldId id="261" r:id="rId5"/>
-    <p:sldId id="262" r:id="rId6"/>
-    <p:sldId id="263" r:id="rId7"/>
-    <p:sldId id="257" r:id="rId8"/>
-    <p:sldId id="258" r:id="rId9"/>
+    <p:sldId id="264" r:id="rId2"/>
+    <p:sldId id="265" r:id="rId3"/>
+    <p:sldId id="266" r:id="rId4"/>
+    <p:sldId id="267" r:id="rId5"/>
+    <p:sldId id="268" r:id="rId6"/>
+    <p:sldId id="269" r:id="rId7"/>
+    <p:sldId id="259" r:id="rId8"/>
+    <p:sldId id="270" r:id="rId9"/>
+    <p:sldId id="271" r:id="rId10"/>
+    <p:sldId id="272" r:id="rId11"/>
+    <p:sldId id="273" r:id="rId12"/>
+    <p:sldId id="274" r:id="rId13"/>
+    <p:sldId id="275" r:id="rId14"/>
+    <p:sldId id="276" r:id="rId15"/>
+    <p:sldId id="277" r:id="rId16"/>
+    <p:sldId id="278" r:id="rId17"/>
+    <p:sldId id="279" r:id="rId18"/>
+    <p:sldId id="280" r:id="rId19"/>
+    <p:sldId id="281" r:id="rId20"/>
+    <p:sldId id="282" r:id="rId21"/>
+    <p:sldId id="283" r:id="rId22"/>
+    <p:sldId id="284" r:id="rId23"/>
+    <p:sldId id="285" r:id="rId24"/>
+    <p:sldId id="286" r:id="rId25"/>
+    <p:sldId id="287" r:id="rId26"/>
+    <p:sldId id="288" r:id="rId27"/>
+    <p:sldId id="289" r:id="rId28"/>
+    <p:sldId id="290" r:id="rId29"/>
+    <p:sldId id="291" r:id="rId30"/>
+    <p:sldId id="258" r:id="rId31"/>
+    <p:sldId id="257" r:id="rId32"/>
   </p:sldIdLst>
   <p:sldSz cx="9144000" cy="6858000" type="screen4x3"/>
   <p:notesSz cx="6858000" cy="9144000"/>
@@ -250,7 +273,7 @@
           <a:p>
             <a:fld id="{51647FD5-68CD-4470-B86E-1BC2872C8822}" type="datetimeFigureOut">
               <a:rPr lang="en-US" smtClean="0"/>
-              <a:t>1/21/2015</a:t>
+              <a:t>2/1/2015</a:t>
             </a:fld>
             <a:endParaRPr lang="en-US"/>
           </a:p>
@@ -420,7 +443,7 @@
           <a:p>
             <a:fld id="{51647FD5-68CD-4470-B86E-1BC2872C8822}" type="datetimeFigureOut">
               <a:rPr lang="en-US" smtClean="0"/>
-              <a:t>1/21/2015</a:t>
+              <a:t>2/1/2015</a:t>
             </a:fld>
             <a:endParaRPr lang="en-US"/>
           </a:p>
@@ -600,7 +623,7 @@
           <a:p>
             <a:fld id="{51647FD5-68CD-4470-B86E-1BC2872C8822}" type="datetimeFigureOut">
               <a:rPr lang="en-US" smtClean="0"/>
-              <a:t>1/21/2015</a:t>
+              <a:t>2/1/2015</a:t>
             </a:fld>
             <a:endParaRPr lang="en-US"/>
           </a:p>
@@ -770,7 +793,7 @@
           <a:p>
             <a:fld id="{51647FD5-68CD-4470-B86E-1BC2872C8822}" type="datetimeFigureOut">
               <a:rPr lang="en-US" smtClean="0"/>
-              <a:t>1/21/2015</a:t>
+              <a:t>2/1/2015</a:t>
             </a:fld>
             <a:endParaRPr lang="en-US"/>
           </a:p>
@@ -1014,7 +1037,7 @@
           <a:p>
             <a:fld id="{51647FD5-68CD-4470-B86E-1BC2872C8822}" type="datetimeFigureOut">
               <a:rPr lang="en-US" smtClean="0"/>
-              <a:t>1/21/2015</a:t>
+              <a:t>2/1/2015</a:t>
             </a:fld>
             <a:endParaRPr lang="en-US"/>
           </a:p>
@@ -1246,7 +1269,7 @@
           <a:p>
             <a:fld id="{51647FD5-68CD-4470-B86E-1BC2872C8822}" type="datetimeFigureOut">
               <a:rPr lang="en-US" smtClean="0"/>
-              <a:t>1/21/2015</a:t>
+              <a:t>2/1/2015</a:t>
             </a:fld>
             <a:endParaRPr lang="en-US"/>
           </a:p>
@@ -1613,7 +1636,7 @@
           <a:p>
             <a:fld id="{51647FD5-68CD-4470-B86E-1BC2872C8822}" type="datetimeFigureOut">
               <a:rPr lang="en-US" smtClean="0"/>
-              <a:t>1/21/2015</a:t>
+              <a:t>2/1/2015</a:t>
             </a:fld>
             <a:endParaRPr lang="en-US"/>
           </a:p>
@@ -1731,7 +1754,7 @@
           <a:p>
             <a:fld id="{51647FD5-68CD-4470-B86E-1BC2872C8822}" type="datetimeFigureOut">
               <a:rPr lang="en-US" smtClean="0"/>
-              <a:t>1/21/2015</a:t>
+              <a:t>2/1/2015</a:t>
             </a:fld>
             <a:endParaRPr lang="en-US"/>
           </a:p>
@@ -1826,7 +1849,7 @@
           <a:p>
             <a:fld id="{51647FD5-68CD-4470-B86E-1BC2872C8822}" type="datetimeFigureOut">
               <a:rPr lang="en-US" smtClean="0"/>
-              <a:t>1/21/2015</a:t>
+              <a:t>2/1/2015</a:t>
             </a:fld>
             <a:endParaRPr lang="en-US"/>
           </a:p>
@@ -2103,7 +2126,7 @@
           <a:p>
             <a:fld id="{51647FD5-68CD-4470-B86E-1BC2872C8822}" type="datetimeFigureOut">
               <a:rPr lang="en-US" smtClean="0"/>
-              <a:t>1/21/2015</a:t>
+              <a:t>2/1/2015</a:t>
             </a:fld>
             <a:endParaRPr lang="en-US"/>
           </a:p>
@@ -2360,7 +2383,7 @@
           <a:p>
             <a:fld id="{51647FD5-68CD-4470-B86E-1BC2872C8822}" type="datetimeFigureOut">
               <a:rPr lang="en-US" smtClean="0"/>
-              <a:t>1/21/2015</a:t>
+              <a:t>2/1/2015</a:t>
             </a:fld>
             <a:endParaRPr lang="en-US"/>
           </a:p>
@@ -2573,7 +2596,7 @@
           <a:p>
             <a:fld id="{51647FD5-68CD-4470-B86E-1BC2872C8822}" type="datetimeFigureOut">
               <a:rPr lang="en-US" smtClean="0"/>
-              <a:t>1/21/2015</a:t>
+              <a:t>2/1/2015</a:t>
             </a:fld>
             <a:endParaRPr lang="en-US"/>
           </a:p>
@@ -2995,49 +3018,1996 @@
           <a:p>
             <a:r>
               <a:rPr lang="en-US" dirty="0" smtClean="0"/>
-              <a:t>3</a:t>
-            </a:r>
-            <a:r>
-              <a:rPr lang="en-US" smtClean="0"/>
+              <a:t>Entity Framework</a:t>
+            </a:r>
+            <a:endParaRPr lang="en-US" dirty="0"/>
+          </a:p>
+        </p:txBody>
+      </p:sp>
+      <p:sp>
+        <p:nvSpPr>
+          <p:cNvPr id="3" name="Subtitle 2"/>
+          <p:cNvSpPr>
+            <a:spLocks noGrp="1"/>
+          </p:cNvSpPr>
+          <p:nvPr>
+            <p:ph type="subTitle" idx="1"/>
+          </p:nvPr>
+        </p:nvSpPr>
+        <p:spPr/>
+        <p:txBody>
+          <a:bodyPr/>
+          <a:lstStyle/>
+          <a:p>
+            <a:r>
+              <a:rPr lang="en-US" dirty="0"/>
+              <a:t>4</a:t>
+            </a:r>
+            <a:r>
+              <a:rPr lang="en-US" dirty="0" smtClean="0"/>
               <a:t> </a:t>
             </a:r>
             <a:r>
               <a:rPr lang="en-US" dirty="0" smtClean="0"/>
-              <a:t>– EF Model First</a:t>
+              <a:t>– </a:t>
+            </a:r>
+            <a:r>
+              <a:rPr lang="en-US" dirty="0" smtClean="0"/>
+              <a:t>Code First</a:t>
             </a:r>
             <a:endParaRPr lang="en-US" dirty="0"/>
           </a:p>
         </p:txBody>
       </p:sp>
-      <p:sp>
-        <p:nvSpPr>
-          <p:cNvPr id="3" name="Subtitle 2"/>
-          <p:cNvSpPr>
-            <a:spLocks noGrp="1"/>
-          </p:cNvSpPr>
-          <p:nvPr>
-            <p:ph type="subTitle" idx="1"/>
-          </p:nvPr>
-        </p:nvSpPr>
-        <p:spPr/>
-        <p:txBody>
-          <a:bodyPr/>
-          <a:lstStyle/>
-          <a:p>
-            <a:endParaRPr lang="en-US"/>
-          </a:p>
-        </p:txBody>
-      </p:sp>
+      <p:pic>
+        <p:nvPicPr>
+          <p:cNvPr id="4" name="Picture 3"/>
+          <p:cNvPicPr>
+            <a:picLocks noChangeAspect="1"/>
+          </p:cNvPicPr>
+          <p:nvPr/>
+        </p:nvPicPr>
+        <p:blipFill>
+          <a:blip r:embed="rId2"/>
+          <a:stretch>
+            <a:fillRect/>
+          </a:stretch>
+        </p:blipFill>
+        <p:spPr>
+          <a:xfrm>
+            <a:off x="7315200" y="5029200"/>
+            <a:ext cx="1828800" cy="1828800"/>
+          </a:xfrm>
+          <a:prstGeom prst="rect">
+            <a:avLst/>
+          </a:prstGeom>
+        </p:spPr>
+      </p:pic>
     </p:spTree>
     <p:extLst>
       <p:ext uri="{BB962C8B-B14F-4D97-AF65-F5344CB8AC3E}">
-        <p14:creationId xmlns:p14="http://schemas.microsoft.com/office/powerpoint/2010/main" val="2301950144"/>
+        <p14:creationId xmlns:p14="http://schemas.microsoft.com/office/powerpoint/2010/main" val="2311046251"/>
       </p:ext>
     </p:extLst>
   </p:cSld>
   <p:clrMapOvr>
     <a:masterClrMapping/>
   </p:clrMapOvr>
+</p:sld>
+</file>
+
+<file path=ppt/slides/slide10.xml><?xml version="1.0" encoding="utf-8"?>
+<p:sld xmlns:a="http://schemas.openxmlformats.org/drawingml/2006/main" xmlns:r="http://schemas.openxmlformats.org/officeDocument/2006/relationships" xmlns:p="http://schemas.openxmlformats.org/presentationml/2006/main">
+  <p:cSld>
+    <p:spTree>
+      <p:nvGrpSpPr>
+        <p:cNvPr id="1" name=""/>
+        <p:cNvGrpSpPr/>
+        <p:nvPr/>
+      </p:nvGrpSpPr>
+      <p:grpSpPr>
+        <a:xfrm>
+          <a:off x="0" y="0"/>
+          <a:ext cx="0" cy="0"/>
+          <a:chOff x="0" y="0"/>
+          <a:chExt cx="0" cy="0"/>
+        </a:xfrm>
+      </p:grpSpPr>
+      <p:sp>
+        <p:nvSpPr>
+          <p:cNvPr id="2" name="Title 1"/>
+          <p:cNvSpPr>
+            <a:spLocks noGrp="1"/>
+          </p:cNvSpPr>
+          <p:nvPr>
+            <p:ph type="title"/>
+          </p:nvPr>
+        </p:nvSpPr>
+        <p:spPr/>
+        <p:txBody>
+          <a:bodyPr>
+            <a:normAutofit/>
+          </a:bodyPr>
+          <a:lstStyle/>
+          <a:p>
+            <a:r>
+              <a:rPr lang="en-US" b="1" dirty="0"/>
+              <a:t>Database Initialization </a:t>
+            </a:r>
+            <a:r>
+              <a:rPr lang="en-US" b="1" dirty="0" smtClean="0"/>
+              <a:t>Strategies</a:t>
+            </a:r>
+            <a:endParaRPr lang="en-US" dirty="0"/>
+          </a:p>
+        </p:txBody>
+      </p:sp>
+      <p:sp>
+        <p:nvSpPr>
+          <p:cNvPr id="3" name="Content Placeholder 2"/>
+          <p:cNvSpPr>
+            <a:spLocks noGrp="1"/>
+          </p:cNvSpPr>
+          <p:nvPr>
+            <p:ph idx="1"/>
+          </p:nvPr>
+        </p:nvSpPr>
+        <p:spPr/>
+        <p:txBody>
+          <a:bodyPr>
+            <a:normAutofit/>
+          </a:bodyPr>
+          <a:lstStyle/>
+          <a:p>
+            <a:r>
+              <a:rPr lang="en-US" dirty="0" err="1" smtClean="0"/>
+              <a:t>CreateDatabaseIfNotExists</a:t>
+            </a:r>
+            <a:r>
+              <a:rPr lang="en-US" dirty="0" smtClean="0"/>
+              <a:t>:</a:t>
+            </a:r>
+          </a:p>
+          <a:p>
+            <a:pPr lvl="1"/>
+            <a:r>
+              <a:rPr lang="en-US" dirty="0" smtClean="0"/>
+              <a:t>Default</a:t>
+            </a:r>
+            <a:r>
+              <a:rPr lang="en-US" dirty="0"/>
+              <a:t> </a:t>
+            </a:r>
+            <a:r>
+              <a:rPr lang="en-US" dirty="0" smtClean="0"/>
+              <a:t>initializer</a:t>
+            </a:r>
+          </a:p>
+          <a:p>
+            <a:pPr lvl="1"/>
+            <a:r>
+              <a:rPr lang="en-US" dirty="0" smtClean="0"/>
+              <a:t>Create </a:t>
+            </a:r>
+            <a:r>
+              <a:rPr lang="en-US" dirty="0"/>
+              <a:t>the database if not </a:t>
+            </a:r>
+            <a:r>
+              <a:rPr lang="en-US" dirty="0" smtClean="0"/>
+              <a:t>exists</a:t>
+            </a:r>
+          </a:p>
+          <a:p>
+            <a:r>
+              <a:rPr lang="en-US" dirty="0" err="1" smtClean="0"/>
+              <a:t>DropCreateDatabaseIfModelChanges</a:t>
+            </a:r>
+            <a:r>
+              <a:rPr lang="en-US" dirty="0" smtClean="0"/>
+              <a:t>:</a:t>
+            </a:r>
+          </a:p>
+          <a:p>
+            <a:pPr lvl="1"/>
+            <a:r>
+              <a:rPr lang="en-US" dirty="0"/>
+              <a:t>C</a:t>
+            </a:r>
+            <a:r>
+              <a:rPr lang="en-US" dirty="0" smtClean="0"/>
+              <a:t>reates </a:t>
+            </a:r>
+            <a:r>
+              <a:rPr lang="en-US" dirty="0"/>
+              <a:t>new database if your model classes </a:t>
+            </a:r>
+            <a:r>
+              <a:rPr lang="en-US" dirty="0" smtClean="0"/>
+              <a:t>have </a:t>
+            </a:r>
+            <a:r>
+              <a:rPr lang="en-US" dirty="0"/>
+              <a:t>been </a:t>
+            </a:r>
+            <a:r>
+              <a:rPr lang="en-US" dirty="0" smtClean="0"/>
+              <a:t>changed</a:t>
+            </a:r>
+          </a:p>
+          <a:p>
+            <a:r>
+              <a:rPr lang="en-US" dirty="0" err="1" smtClean="0"/>
+              <a:t>DropCreateDatabaseAlways</a:t>
+            </a:r>
+            <a:r>
+              <a:rPr lang="en-US" dirty="0" smtClean="0"/>
+              <a:t>:</a:t>
+            </a:r>
+          </a:p>
+          <a:p>
+            <a:pPr lvl="1"/>
+            <a:r>
+              <a:rPr lang="en-US" dirty="0" smtClean="0"/>
+              <a:t>Drops and Creates an </a:t>
+            </a:r>
+            <a:r>
+              <a:rPr lang="en-US" dirty="0"/>
+              <a:t>existing database every </a:t>
+            </a:r>
+            <a:r>
+              <a:rPr lang="en-US" dirty="0" smtClean="0"/>
+              <a:t>time</a:t>
+            </a:r>
+          </a:p>
+          <a:p>
+            <a:r>
+              <a:rPr lang="en-US" dirty="0" smtClean="0"/>
+              <a:t>Custom DB Initializer</a:t>
+            </a:r>
+          </a:p>
+          <a:p>
+            <a:pPr lvl="1"/>
+            <a:r>
+              <a:rPr lang="en-US" dirty="0" smtClean="0"/>
+              <a:t>Create your own custom initializer</a:t>
+            </a:r>
+          </a:p>
+          <a:p>
+            <a:pPr marL="0" indent="0">
+              <a:buNone/>
+            </a:pPr>
+            <a:endParaRPr lang="en-US" dirty="0"/>
+          </a:p>
+        </p:txBody>
+      </p:sp>
+      <p:sp>
+        <p:nvSpPr>
+          <p:cNvPr id="4" name="Footer Placeholder 3"/>
+          <p:cNvSpPr>
+            <a:spLocks noGrp="1"/>
+          </p:cNvSpPr>
+          <p:nvPr>
+            <p:ph type="ftr" sz="quarter" idx="11"/>
+          </p:nvPr>
+        </p:nvSpPr>
+        <p:spPr/>
+        <p:txBody>
+          <a:bodyPr/>
+          <a:lstStyle/>
+          <a:p>
+            <a:r>
+              <a:rPr lang="en-US" smtClean="0"/>
+              <a:t>Syed Awn Ali</a:t>
+            </a:r>
+            <a:endParaRPr lang="en-US"/>
+          </a:p>
+        </p:txBody>
+      </p:sp>
+    </p:spTree>
+    <p:extLst>
+      <p:ext uri="{BB962C8B-B14F-4D97-AF65-F5344CB8AC3E}">
+        <p14:creationId xmlns:p14="http://schemas.microsoft.com/office/powerpoint/2010/main" val="1570834327"/>
+      </p:ext>
+    </p:extLst>
+  </p:cSld>
+  <p:clrMapOvr>
+    <a:masterClrMapping/>
+  </p:clrMapOvr>
+  <p:timing>
+    <p:tnLst>
+      <p:par>
+        <p:cTn id="1" dur="indefinite" restart="never" nodeType="tmRoot"/>
+      </p:par>
+    </p:tnLst>
+  </p:timing>
+</p:sld>
+</file>
+
+<file path=ppt/slides/slide11.xml><?xml version="1.0" encoding="utf-8"?>
+<p:sld xmlns:a="http://schemas.openxmlformats.org/drawingml/2006/main" xmlns:r="http://schemas.openxmlformats.org/officeDocument/2006/relationships" xmlns:p="http://schemas.openxmlformats.org/presentationml/2006/main">
+  <p:cSld>
+    <p:spTree>
+      <p:nvGrpSpPr>
+        <p:cNvPr id="1" name=""/>
+        <p:cNvGrpSpPr/>
+        <p:nvPr/>
+      </p:nvGrpSpPr>
+      <p:grpSpPr>
+        <a:xfrm>
+          <a:off x="0" y="0"/>
+          <a:ext cx="0" cy="0"/>
+          <a:chOff x="0" y="0"/>
+          <a:chExt cx="0" cy="0"/>
+        </a:xfrm>
+      </p:grpSpPr>
+      <p:sp>
+        <p:nvSpPr>
+          <p:cNvPr id="2" name="Title 1"/>
+          <p:cNvSpPr>
+            <a:spLocks noGrp="1"/>
+          </p:cNvSpPr>
+          <p:nvPr>
+            <p:ph type="title"/>
+          </p:nvPr>
+        </p:nvSpPr>
+        <p:spPr/>
+        <p:txBody>
+          <a:bodyPr/>
+          <a:lstStyle/>
+          <a:p>
+            <a:r>
+              <a:rPr lang="en-US" b="1" dirty="0"/>
+              <a:t>Turn off DB Initializer</a:t>
+            </a:r>
+          </a:p>
+        </p:txBody>
+      </p:sp>
+      <p:sp>
+        <p:nvSpPr>
+          <p:cNvPr id="3" name="Content Placeholder 2"/>
+          <p:cNvSpPr>
+            <a:spLocks noGrp="1"/>
+          </p:cNvSpPr>
+          <p:nvPr>
+            <p:ph idx="1"/>
+          </p:nvPr>
+        </p:nvSpPr>
+        <p:spPr/>
+        <p:txBody>
+          <a:bodyPr/>
+          <a:lstStyle/>
+          <a:p>
+            <a:r>
+              <a:rPr lang="en-US" dirty="0" smtClean="0"/>
+              <a:t>Production </a:t>
+            </a:r>
+            <a:r>
+              <a:rPr lang="en-US" dirty="0"/>
+              <a:t>environment you don’t want to lose existing </a:t>
+            </a:r>
+            <a:r>
+              <a:rPr lang="en-US" dirty="0" smtClean="0"/>
+              <a:t>data</a:t>
+            </a:r>
+          </a:p>
+          <a:p>
+            <a:endParaRPr lang="en-US" dirty="0" smtClean="0"/>
+          </a:p>
+          <a:p>
+            <a:endParaRPr lang="en-US" dirty="0"/>
+          </a:p>
+          <a:p>
+            <a:endParaRPr lang="en-US" dirty="0" smtClean="0"/>
+          </a:p>
+          <a:p>
+            <a:endParaRPr lang="en-US" dirty="0"/>
+          </a:p>
+        </p:txBody>
+      </p:sp>
+      <p:pic>
+        <p:nvPicPr>
+          <p:cNvPr id="4098" name="Picture 2"/>
+          <p:cNvPicPr>
+            <a:picLocks noChangeAspect="1" noChangeArrowheads="1"/>
+          </p:cNvPicPr>
+          <p:nvPr/>
+        </p:nvPicPr>
+        <p:blipFill>
+          <a:blip r:embed="rId2">
+            <a:extLst>
+              <a:ext uri="{28A0092B-C50C-407E-A947-70E740481C1C}">
+                <a14:useLocalDpi xmlns:a14="http://schemas.microsoft.com/office/drawing/2010/main" val="0"/>
+              </a:ext>
+            </a:extLst>
+          </a:blip>
+          <a:srcRect/>
+          <a:stretch>
+            <a:fillRect/>
+          </a:stretch>
+        </p:blipFill>
+        <p:spPr bwMode="auto">
+          <a:xfrm>
+            <a:off x="1712335" y="2819400"/>
+            <a:ext cx="5705475" cy="1552575"/>
+          </a:xfrm>
+          <a:prstGeom prst="rect">
+            <a:avLst/>
+          </a:prstGeom>
+          <a:noFill/>
+          <a:ln>
+            <a:noFill/>
+          </a:ln>
+          <a:effectLst/>
+          <a:extLst>
+            <a:ext uri="{909E8E84-426E-40DD-AFC4-6F175D3DCCD1}">
+              <a14:hiddenFill xmlns:a14="http://schemas.microsoft.com/office/drawing/2010/main">
+                <a:solidFill>
+                  <a:schemeClr val="accent1"/>
+                </a:solidFill>
+              </a14:hiddenFill>
+            </a:ext>
+            <a:ext uri="{91240B29-F687-4F45-9708-019B960494DF}">
+              <a14:hiddenLine xmlns:a14="http://schemas.microsoft.com/office/drawing/2010/main" w="9525">
+                <a:solidFill>
+                  <a:schemeClr val="tx1"/>
+                </a:solidFill>
+                <a:miter lim="800000"/>
+                <a:headEnd/>
+                <a:tailEnd/>
+              </a14:hiddenLine>
+            </a:ext>
+            <a:ext uri="{AF507438-7753-43E0-B8FC-AC1667EBCBE1}">
+              <a14:hiddenEffects xmlns:a14="http://schemas.microsoft.com/office/drawing/2010/main">
+                <a:effectLst>
+                  <a:outerShdw dist="35921" dir="2700000" algn="ctr" rotWithShape="0">
+                    <a:schemeClr val="bg2"/>
+                  </a:outerShdw>
+                </a:effectLst>
+              </a14:hiddenEffects>
+            </a:ext>
+          </a:extLst>
+        </p:spPr>
+      </p:pic>
+      <p:pic>
+        <p:nvPicPr>
+          <p:cNvPr id="4099" name="Picture 3"/>
+          <p:cNvPicPr>
+            <a:picLocks noChangeAspect="1" noChangeArrowheads="1"/>
+          </p:cNvPicPr>
+          <p:nvPr/>
+        </p:nvPicPr>
+        <p:blipFill>
+          <a:blip r:embed="rId3">
+            <a:extLst>
+              <a:ext uri="{28A0092B-C50C-407E-A947-70E740481C1C}">
+                <a14:useLocalDpi xmlns:a14="http://schemas.microsoft.com/office/drawing/2010/main" val="0"/>
+              </a:ext>
+            </a:extLst>
+          </a:blip>
+          <a:srcRect/>
+          <a:stretch>
+            <a:fillRect/>
+          </a:stretch>
+        </p:blipFill>
+        <p:spPr bwMode="auto">
+          <a:xfrm>
+            <a:off x="1355148" y="4953000"/>
+            <a:ext cx="6419850" cy="1190625"/>
+          </a:xfrm>
+          <a:prstGeom prst="rect">
+            <a:avLst/>
+          </a:prstGeom>
+          <a:noFill/>
+          <a:ln>
+            <a:noFill/>
+          </a:ln>
+          <a:effectLst/>
+          <a:extLst>
+            <a:ext uri="{909E8E84-426E-40DD-AFC4-6F175D3DCCD1}">
+              <a14:hiddenFill xmlns:a14="http://schemas.microsoft.com/office/drawing/2010/main">
+                <a:solidFill>
+                  <a:schemeClr val="accent1"/>
+                </a:solidFill>
+              </a14:hiddenFill>
+            </a:ext>
+            <a:ext uri="{91240B29-F687-4F45-9708-019B960494DF}">
+              <a14:hiddenLine xmlns:a14="http://schemas.microsoft.com/office/drawing/2010/main" w="9525">
+                <a:solidFill>
+                  <a:schemeClr val="tx1"/>
+                </a:solidFill>
+                <a:miter lim="800000"/>
+                <a:headEnd/>
+                <a:tailEnd/>
+              </a14:hiddenLine>
+            </a:ext>
+            <a:ext uri="{AF507438-7753-43E0-B8FC-AC1667EBCBE1}">
+              <a14:hiddenEffects xmlns:a14="http://schemas.microsoft.com/office/drawing/2010/main">
+                <a:effectLst>
+                  <a:outerShdw dist="35921" dir="2700000" algn="ctr" rotWithShape="0">
+                    <a:schemeClr val="bg2"/>
+                  </a:outerShdw>
+                </a:effectLst>
+              </a14:hiddenEffects>
+            </a:ext>
+          </a:extLst>
+        </p:spPr>
+      </p:pic>
+      <p:sp>
+        <p:nvSpPr>
+          <p:cNvPr id="4" name="Footer Placeholder 3"/>
+          <p:cNvSpPr>
+            <a:spLocks noGrp="1"/>
+          </p:cNvSpPr>
+          <p:nvPr>
+            <p:ph type="ftr" sz="quarter" idx="11"/>
+          </p:nvPr>
+        </p:nvSpPr>
+        <p:spPr/>
+        <p:txBody>
+          <a:bodyPr/>
+          <a:lstStyle/>
+          <a:p>
+            <a:r>
+              <a:rPr lang="en-US" smtClean="0"/>
+              <a:t>Syed Awn Ali</a:t>
+            </a:r>
+            <a:endParaRPr lang="en-US"/>
+          </a:p>
+        </p:txBody>
+      </p:sp>
+    </p:spTree>
+    <p:extLst>
+      <p:ext uri="{BB962C8B-B14F-4D97-AF65-F5344CB8AC3E}">
+        <p14:creationId xmlns:p14="http://schemas.microsoft.com/office/powerpoint/2010/main" val="3410590305"/>
+      </p:ext>
+    </p:extLst>
+  </p:cSld>
+  <p:clrMapOvr>
+    <a:masterClrMapping/>
+  </p:clrMapOvr>
+  <p:timing>
+    <p:tnLst>
+      <p:par>
+        <p:cTn id="1" dur="indefinite" restart="never" nodeType="tmRoot"/>
+      </p:par>
+    </p:tnLst>
+  </p:timing>
+</p:sld>
+</file>
+
+<file path=ppt/slides/slide12.xml><?xml version="1.0" encoding="utf-8"?>
+<p:sld xmlns:a="http://schemas.openxmlformats.org/drawingml/2006/main" xmlns:r="http://schemas.openxmlformats.org/officeDocument/2006/relationships" xmlns:p="http://schemas.openxmlformats.org/presentationml/2006/main">
+  <p:cSld>
+    <p:spTree>
+      <p:nvGrpSpPr>
+        <p:cNvPr id="1" name=""/>
+        <p:cNvGrpSpPr/>
+        <p:nvPr/>
+      </p:nvGrpSpPr>
+      <p:grpSpPr>
+        <a:xfrm>
+          <a:off x="0" y="0"/>
+          <a:ext cx="0" cy="0"/>
+          <a:chOff x="0" y="0"/>
+          <a:chExt cx="0" cy="0"/>
+        </a:xfrm>
+      </p:grpSpPr>
+      <p:sp>
+        <p:nvSpPr>
+          <p:cNvPr id="2" name="Title 1"/>
+          <p:cNvSpPr>
+            <a:spLocks noGrp="1"/>
+          </p:cNvSpPr>
+          <p:nvPr>
+            <p:ph type="title"/>
+          </p:nvPr>
+        </p:nvSpPr>
+        <p:spPr/>
+        <p:txBody>
+          <a:bodyPr>
+            <a:normAutofit/>
+          </a:bodyPr>
+          <a:lstStyle/>
+          <a:p>
+            <a:r>
+              <a:rPr lang="en-US" b="1" dirty="0"/>
+              <a:t>Seed </a:t>
+            </a:r>
+            <a:r>
+              <a:rPr lang="en-US" b="1" dirty="0" smtClean="0"/>
+              <a:t>Database</a:t>
+            </a:r>
+            <a:endParaRPr lang="en-US" dirty="0"/>
+          </a:p>
+        </p:txBody>
+      </p:sp>
+      <p:sp>
+        <p:nvSpPr>
+          <p:cNvPr id="3" name="Content Placeholder 2"/>
+          <p:cNvSpPr>
+            <a:spLocks noGrp="1"/>
+          </p:cNvSpPr>
+          <p:nvPr>
+            <p:ph idx="1"/>
+          </p:nvPr>
+        </p:nvSpPr>
+        <p:spPr/>
+        <p:txBody>
+          <a:bodyPr/>
+          <a:lstStyle/>
+          <a:p>
+            <a:r>
+              <a:rPr lang="en-US" dirty="0" smtClean="0"/>
+              <a:t>Provide </a:t>
+            </a:r>
+            <a:r>
+              <a:rPr lang="en-US" dirty="0"/>
+              <a:t>some test data for </a:t>
+            </a:r>
+            <a:r>
+              <a:rPr lang="en-US" dirty="0" smtClean="0"/>
+              <a:t>your application</a:t>
+            </a:r>
+          </a:p>
+          <a:p>
+            <a:endParaRPr lang="en-US" dirty="0"/>
+          </a:p>
+        </p:txBody>
+      </p:sp>
+      <p:pic>
+        <p:nvPicPr>
+          <p:cNvPr id="5122" name="Picture 2"/>
+          <p:cNvPicPr>
+            <a:picLocks noChangeAspect="1" noChangeArrowheads="1"/>
+          </p:cNvPicPr>
+          <p:nvPr/>
+        </p:nvPicPr>
+        <p:blipFill>
+          <a:blip r:embed="rId2">
+            <a:extLst>
+              <a:ext uri="{28A0092B-C50C-407E-A947-70E740481C1C}">
+                <a14:useLocalDpi xmlns:a14="http://schemas.microsoft.com/office/drawing/2010/main" val="0"/>
+              </a:ext>
+            </a:extLst>
+          </a:blip>
+          <a:srcRect/>
+          <a:stretch>
+            <a:fillRect/>
+          </a:stretch>
+        </p:blipFill>
+        <p:spPr bwMode="auto">
+          <a:xfrm>
+            <a:off x="1166813" y="2590800"/>
+            <a:ext cx="6810375" cy="2581275"/>
+          </a:xfrm>
+          <a:prstGeom prst="rect">
+            <a:avLst/>
+          </a:prstGeom>
+          <a:noFill/>
+          <a:ln>
+            <a:noFill/>
+          </a:ln>
+          <a:effectLst/>
+          <a:extLst>
+            <a:ext uri="{909E8E84-426E-40DD-AFC4-6F175D3DCCD1}">
+              <a14:hiddenFill xmlns:a14="http://schemas.microsoft.com/office/drawing/2010/main">
+                <a:solidFill>
+                  <a:schemeClr val="accent1"/>
+                </a:solidFill>
+              </a14:hiddenFill>
+            </a:ext>
+            <a:ext uri="{91240B29-F687-4F45-9708-019B960494DF}">
+              <a14:hiddenLine xmlns:a14="http://schemas.microsoft.com/office/drawing/2010/main" w="9525">
+                <a:solidFill>
+                  <a:schemeClr val="tx1"/>
+                </a:solidFill>
+                <a:miter lim="800000"/>
+                <a:headEnd/>
+                <a:tailEnd/>
+              </a14:hiddenLine>
+            </a:ext>
+            <a:ext uri="{AF507438-7753-43E0-B8FC-AC1667EBCBE1}">
+              <a14:hiddenEffects xmlns:a14="http://schemas.microsoft.com/office/drawing/2010/main">
+                <a:effectLst>
+                  <a:outerShdw dist="35921" dir="2700000" algn="ctr" rotWithShape="0">
+                    <a:schemeClr val="bg2"/>
+                  </a:outerShdw>
+                </a:effectLst>
+              </a14:hiddenEffects>
+            </a:ext>
+          </a:extLst>
+        </p:spPr>
+      </p:pic>
+      <p:sp>
+        <p:nvSpPr>
+          <p:cNvPr id="4" name="Footer Placeholder 3"/>
+          <p:cNvSpPr>
+            <a:spLocks noGrp="1"/>
+          </p:cNvSpPr>
+          <p:nvPr>
+            <p:ph type="ftr" sz="quarter" idx="11"/>
+          </p:nvPr>
+        </p:nvSpPr>
+        <p:spPr/>
+        <p:txBody>
+          <a:bodyPr/>
+          <a:lstStyle/>
+          <a:p>
+            <a:r>
+              <a:rPr lang="en-US" smtClean="0"/>
+              <a:t>Syed Awn Ali</a:t>
+            </a:r>
+            <a:endParaRPr lang="en-US"/>
+          </a:p>
+        </p:txBody>
+      </p:sp>
+    </p:spTree>
+    <p:extLst>
+      <p:ext uri="{BB962C8B-B14F-4D97-AF65-F5344CB8AC3E}">
+        <p14:creationId xmlns:p14="http://schemas.microsoft.com/office/powerpoint/2010/main" val="1298035668"/>
+      </p:ext>
+    </p:extLst>
+  </p:cSld>
+  <p:clrMapOvr>
+    <a:masterClrMapping/>
+  </p:clrMapOvr>
+  <p:timing>
+    <p:tnLst>
+      <p:par>
+        <p:cTn id="1" dur="indefinite" restart="never" nodeType="tmRoot"/>
+      </p:par>
+    </p:tnLst>
+  </p:timing>
+</p:sld>
+</file>
+
+<file path=ppt/slides/slide13.xml><?xml version="1.0" encoding="utf-8"?>
+<p:sld xmlns:a="http://schemas.openxmlformats.org/drawingml/2006/main" xmlns:r="http://schemas.openxmlformats.org/officeDocument/2006/relationships" xmlns:p="http://schemas.openxmlformats.org/presentationml/2006/main">
+  <p:cSld>
+    <p:spTree>
+      <p:nvGrpSpPr>
+        <p:cNvPr id="1" name=""/>
+        <p:cNvGrpSpPr/>
+        <p:nvPr/>
+      </p:nvGrpSpPr>
+      <p:grpSpPr>
+        <a:xfrm>
+          <a:off x="0" y="0"/>
+          <a:ext cx="0" cy="0"/>
+          <a:chOff x="0" y="0"/>
+          <a:chExt cx="0" cy="0"/>
+        </a:xfrm>
+      </p:grpSpPr>
+      <p:sp>
+        <p:nvSpPr>
+          <p:cNvPr id="2" name="Title 1"/>
+          <p:cNvSpPr>
+            <a:spLocks noGrp="1"/>
+          </p:cNvSpPr>
+          <p:nvPr>
+            <p:ph type="title"/>
+          </p:nvPr>
+        </p:nvSpPr>
+        <p:spPr/>
+        <p:txBody>
+          <a:bodyPr>
+            <a:normAutofit/>
+          </a:bodyPr>
+          <a:lstStyle/>
+          <a:p>
+            <a:r>
+              <a:rPr lang="en-US" b="1" dirty="0"/>
+              <a:t>Configure Domain </a:t>
+            </a:r>
+            <a:r>
+              <a:rPr lang="en-US" b="1" dirty="0" smtClean="0"/>
+              <a:t>Classes</a:t>
+            </a:r>
+            <a:endParaRPr lang="en-US" dirty="0"/>
+          </a:p>
+        </p:txBody>
+      </p:sp>
+      <p:sp>
+        <p:nvSpPr>
+          <p:cNvPr id="3" name="Content Placeholder 2"/>
+          <p:cNvSpPr>
+            <a:spLocks noGrp="1"/>
+          </p:cNvSpPr>
+          <p:nvPr>
+            <p:ph idx="1"/>
+          </p:nvPr>
+        </p:nvSpPr>
+        <p:spPr/>
+        <p:txBody>
+          <a:bodyPr/>
+          <a:lstStyle/>
+          <a:p>
+            <a:r>
+              <a:rPr lang="en-US" dirty="0"/>
+              <a:t>There are two ways by which you can configure your domain classes</a:t>
+            </a:r>
+            <a:r>
+              <a:rPr lang="en-US" dirty="0" smtClean="0"/>
+              <a:t>:</a:t>
+            </a:r>
+          </a:p>
+          <a:p>
+            <a:pPr lvl="1"/>
+            <a:r>
+              <a:rPr lang="en-US" dirty="0" err="1"/>
+              <a:t>DataAnnotation</a:t>
+            </a:r>
+            <a:endParaRPr lang="en-US" dirty="0"/>
+          </a:p>
+          <a:p>
+            <a:pPr lvl="1"/>
+            <a:r>
+              <a:rPr lang="en-US" dirty="0"/>
+              <a:t>Fluent API</a:t>
+            </a:r>
+          </a:p>
+          <a:p>
+            <a:pPr lvl="1"/>
+            <a:endParaRPr lang="en-US" dirty="0"/>
+          </a:p>
+        </p:txBody>
+      </p:sp>
+      <p:sp>
+        <p:nvSpPr>
+          <p:cNvPr id="4" name="Footer Placeholder 3"/>
+          <p:cNvSpPr>
+            <a:spLocks noGrp="1"/>
+          </p:cNvSpPr>
+          <p:nvPr>
+            <p:ph type="ftr" sz="quarter" idx="11"/>
+          </p:nvPr>
+        </p:nvSpPr>
+        <p:spPr/>
+        <p:txBody>
+          <a:bodyPr/>
+          <a:lstStyle/>
+          <a:p>
+            <a:r>
+              <a:rPr lang="en-US" smtClean="0"/>
+              <a:t>Syed Awn Ali</a:t>
+            </a:r>
+            <a:endParaRPr lang="en-US"/>
+          </a:p>
+        </p:txBody>
+      </p:sp>
+    </p:spTree>
+    <p:extLst>
+      <p:ext uri="{BB962C8B-B14F-4D97-AF65-F5344CB8AC3E}">
+        <p14:creationId xmlns:p14="http://schemas.microsoft.com/office/powerpoint/2010/main" val="3645755842"/>
+      </p:ext>
+    </p:extLst>
+  </p:cSld>
+  <p:clrMapOvr>
+    <a:masterClrMapping/>
+  </p:clrMapOvr>
+  <p:timing>
+    <p:tnLst>
+      <p:par>
+        <p:cTn id="1" dur="indefinite" restart="never" nodeType="tmRoot"/>
+      </p:par>
+    </p:tnLst>
+  </p:timing>
+</p:sld>
+</file>
+
+<file path=ppt/slides/slide14.xml><?xml version="1.0" encoding="utf-8"?>
+<p:sld xmlns:a="http://schemas.openxmlformats.org/drawingml/2006/main" xmlns:r="http://schemas.openxmlformats.org/officeDocument/2006/relationships" xmlns:p="http://schemas.openxmlformats.org/presentationml/2006/main">
+  <p:cSld>
+    <p:spTree>
+      <p:nvGrpSpPr>
+        <p:cNvPr id="1" name=""/>
+        <p:cNvGrpSpPr/>
+        <p:nvPr/>
+      </p:nvGrpSpPr>
+      <p:grpSpPr>
+        <a:xfrm>
+          <a:off x="0" y="0"/>
+          <a:ext cx="0" cy="0"/>
+          <a:chOff x="0" y="0"/>
+          <a:chExt cx="0" cy="0"/>
+        </a:xfrm>
+      </p:grpSpPr>
+      <p:sp>
+        <p:nvSpPr>
+          <p:cNvPr id="2" name="Title 1"/>
+          <p:cNvSpPr>
+            <a:spLocks noGrp="1"/>
+          </p:cNvSpPr>
+          <p:nvPr>
+            <p:ph type="title"/>
+          </p:nvPr>
+        </p:nvSpPr>
+        <p:spPr/>
+        <p:txBody>
+          <a:bodyPr/>
+          <a:lstStyle/>
+          <a:p>
+            <a:r>
+              <a:rPr lang="en-US" dirty="0" err="1" smtClean="0"/>
+              <a:t>DataAnnotation</a:t>
+            </a:r>
+            <a:endParaRPr lang="en-US" dirty="0"/>
+          </a:p>
+        </p:txBody>
+      </p:sp>
+      <p:sp>
+        <p:nvSpPr>
+          <p:cNvPr id="3" name="Content Placeholder 2"/>
+          <p:cNvSpPr>
+            <a:spLocks noGrp="1"/>
+          </p:cNvSpPr>
+          <p:nvPr>
+            <p:ph idx="1"/>
+          </p:nvPr>
+        </p:nvSpPr>
+        <p:spPr/>
+        <p:txBody>
+          <a:bodyPr/>
+          <a:lstStyle/>
+          <a:p>
+            <a:r>
+              <a:rPr lang="en-US" dirty="0" smtClean="0"/>
+              <a:t>Attribute </a:t>
+            </a:r>
+            <a:r>
+              <a:rPr lang="en-US" dirty="0"/>
+              <a:t>based </a:t>
+            </a:r>
+            <a:r>
+              <a:rPr lang="en-US" dirty="0" smtClean="0"/>
+              <a:t>configuration</a:t>
+            </a:r>
+          </a:p>
+          <a:p>
+            <a:r>
+              <a:rPr lang="en-US" dirty="0" err="1"/>
+              <a:t>System.ComponentModel.DataAnnotations</a:t>
+            </a:r>
+            <a:r>
+              <a:rPr lang="en-US" dirty="0"/>
+              <a:t> </a:t>
+            </a:r>
+            <a:r>
+              <a:rPr lang="en-US" dirty="0" smtClean="0"/>
+              <a:t>namespace</a:t>
+            </a:r>
+          </a:p>
+          <a:p>
+            <a:r>
+              <a:rPr lang="en-US" dirty="0"/>
+              <a:t>P</a:t>
+            </a:r>
+            <a:r>
+              <a:rPr lang="en-US" dirty="0" smtClean="0"/>
+              <a:t>rovides </a:t>
+            </a:r>
+            <a:r>
+              <a:rPr lang="en-US" dirty="0"/>
+              <a:t>only subset of Fluent </a:t>
+            </a:r>
+            <a:r>
+              <a:rPr lang="en-US" dirty="0" smtClean="0"/>
+              <a:t>API</a:t>
+            </a:r>
+            <a:endParaRPr lang="en-US" dirty="0"/>
+          </a:p>
+          <a:p>
+            <a:r>
+              <a:rPr lang="en-US" dirty="0"/>
+              <a:t>D</a:t>
+            </a:r>
+            <a:r>
+              <a:rPr lang="en-US" dirty="0" smtClean="0"/>
+              <a:t>on’t </a:t>
+            </a:r>
+            <a:r>
+              <a:rPr lang="en-US" dirty="0"/>
+              <a:t>find some attributes in </a:t>
+            </a:r>
+            <a:r>
+              <a:rPr lang="en-US" dirty="0" err="1"/>
+              <a:t>DataAnnotation</a:t>
+            </a:r>
+            <a:r>
+              <a:rPr lang="en-US" dirty="0"/>
+              <a:t> then you have to use Fluent API</a:t>
+            </a:r>
+          </a:p>
+        </p:txBody>
+      </p:sp>
+      <p:sp>
+        <p:nvSpPr>
+          <p:cNvPr id="4" name="Footer Placeholder 3"/>
+          <p:cNvSpPr>
+            <a:spLocks noGrp="1"/>
+          </p:cNvSpPr>
+          <p:nvPr>
+            <p:ph type="ftr" sz="quarter" idx="11"/>
+          </p:nvPr>
+        </p:nvSpPr>
+        <p:spPr/>
+        <p:txBody>
+          <a:bodyPr/>
+          <a:lstStyle/>
+          <a:p>
+            <a:r>
+              <a:rPr lang="en-US" smtClean="0"/>
+              <a:t>Syed Awn Ali</a:t>
+            </a:r>
+            <a:endParaRPr lang="en-US"/>
+          </a:p>
+        </p:txBody>
+      </p:sp>
+    </p:spTree>
+    <p:extLst>
+      <p:ext uri="{BB962C8B-B14F-4D97-AF65-F5344CB8AC3E}">
+        <p14:creationId xmlns:p14="http://schemas.microsoft.com/office/powerpoint/2010/main" val="508525164"/>
+      </p:ext>
+    </p:extLst>
+  </p:cSld>
+  <p:clrMapOvr>
+    <a:masterClrMapping/>
+  </p:clrMapOvr>
+  <p:timing>
+    <p:tnLst>
+      <p:par>
+        <p:cTn id="1" dur="indefinite" restart="never" nodeType="tmRoot"/>
+      </p:par>
+    </p:tnLst>
+  </p:timing>
+</p:sld>
+</file>
+
+<file path=ppt/slides/slide15.xml><?xml version="1.0" encoding="utf-8"?>
+<p:sld xmlns:a="http://schemas.openxmlformats.org/drawingml/2006/main" xmlns:r="http://schemas.openxmlformats.org/officeDocument/2006/relationships" xmlns:p="http://schemas.openxmlformats.org/presentationml/2006/main">
+  <p:cSld>
+    <p:spTree>
+      <p:nvGrpSpPr>
+        <p:cNvPr id="1" name=""/>
+        <p:cNvGrpSpPr/>
+        <p:nvPr/>
+      </p:nvGrpSpPr>
+      <p:grpSpPr>
+        <a:xfrm>
+          <a:off x="0" y="0"/>
+          <a:ext cx="0" cy="0"/>
+          <a:chOff x="0" y="0"/>
+          <a:chExt cx="0" cy="0"/>
+        </a:xfrm>
+      </p:grpSpPr>
+      <p:sp>
+        <p:nvSpPr>
+          <p:cNvPr id="2" name="Title 1"/>
+          <p:cNvSpPr>
+            <a:spLocks noGrp="1"/>
+          </p:cNvSpPr>
+          <p:nvPr>
+            <p:ph type="title"/>
+          </p:nvPr>
+        </p:nvSpPr>
+        <p:spPr/>
+        <p:txBody>
+          <a:bodyPr/>
+          <a:lstStyle/>
+          <a:p>
+            <a:r>
+              <a:rPr lang="en-US" dirty="0" err="1" smtClean="0"/>
+              <a:t>DataAnnotation</a:t>
+            </a:r>
+            <a:endParaRPr lang="en-US" dirty="0"/>
+          </a:p>
+        </p:txBody>
+      </p:sp>
+      <p:sp>
+        <p:nvSpPr>
+          <p:cNvPr id="3" name="Content Placeholder 2"/>
+          <p:cNvSpPr>
+            <a:spLocks noGrp="1"/>
+          </p:cNvSpPr>
+          <p:nvPr>
+            <p:ph idx="1"/>
+          </p:nvPr>
+        </p:nvSpPr>
+        <p:spPr/>
+        <p:txBody>
+          <a:bodyPr/>
+          <a:lstStyle/>
+          <a:p>
+            <a:r>
+              <a:rPr lang="en-US" dirty="0" smtClean="0"/>
+              <a:t>Example Code:</a:t>
+            </a:r>
+          </a:p>
+          <a:p>
+            <a:endParaRPr lang="en-US" dirty="0"/>
+          </a:p>
+        </p:txBody>
+      </p:sp>
+      <p:pic>
+        <p:nvPicPr>
+          <p:cNvPr id="7170" name="Picture 2"/>
+          <p:cNvPicPr>
+            <a:picLocks noChangeAspect="1" noChangeArrowheads="1"/>
+          </p:cNvPicPr>
+          <p:nvPr/>
+        </p:nvPicPr>
+        <p:blipFill>
+          <a:blip r:embed="rId2">
+            <a:extLst>
+              <a:ext uri="{28A0092B-C50C-407E-A947-70E740481C1C}">
+                <a14:useLocalDpi xmlns:a14="http://schemas.microsoft.com/office/drawing/2010/main" val="0"/>
+              </a:ext>
+            </a:extLst>
+          </a:blip>
+          <a:srcRect/>
+          <a:stretch>
+            <a:fillRect/>
+          </a:stretch>
+        </p:blipFill>
+        <p:spPr bwMode="auto">
+          <a:xfrm>
+            <a:off x="2667000" y="2286000"/>
+            <a:ext cx="4000500" cy="3228975"/>
+          </a:xfrm>
+          <a:prstGeom prst="rect">
+            <a:avLst/>
+          </a:prstGeom>
+          <a:noFill/>
+          <a:ln>
+            <a:noFill/>
+          </a:ln>
+          <a:effectLst/>
+          <a:extLst>
+            <a:ext uri="{909E8E84-426E-40DD-AFC4-6F175D3DCCD1}">
+              <a14:hiddenFill xmlns:a14="http://schemas.microsoft.com/office/drawing/2010/main">
+                <a:solidFill>
+                  <a:schemeClr val="accent1"/>
+                </a:solidFill>
+              </a14:hiddenFill>
+            </a:ext>
+            <a:ext uri="{91240B29-F687-4F45-9708-019B960494DF}">
+              <a14:hiddenLine xmlns:a14="http://schemas.microsoft.com/office/drawing/2010/main" w="9525">
+                <a:solidFill>
+                  <a:schemeClr val="tx1"/>
+                </a:solidFill>
+                <a:miter lim="800000"/>
+                <a:headEnd/>
+                <a:tailEnd/>
+              </a14:hiddenLine>
+            </a:ext>
+            <a:ext uri="{AF507438-7753-43E0-B8FC-AC1667EBCBE1}">
+              <a14:hiddenEffects xmlns:a14="http://schemas.microsoft.com/office/drawing/2010/main">
+                <a:effectLst>
+                  <a:outerShdw dist="35921" dir="2700000" algn="ctr" rotWithShape="0">
+                    <a:schemeClr val="bg2"/>
+                  </a:outerShdw>
+                </a:effectLst>
+              </a14:hiddenEffects>
+            </a:ext>
+          </a:extLst>
+        </p:spPr>
+      </p:pic>
+      <p:sp>
+        <p:nvSpPr>
+          <p:cNvPr id="4" name="Footer Placeholder 3"/>
+          <p:cNvSpPr>
+            <a:spLocks noGrp="1"/>
+          </p:cNvSpPr>
+          <p:nvPr>
+            <p:ph type="ftr" sz="quarter" idx="11"/>
+          </p:nvPr>
+        </p:nvSpPr>
+        <p:spPr/>
+        <p:txBody>
+          <a:bodyPr/>
+          <a:lstStyle/>
+          <a:p>
+            <a:r>
+              <a:rPr lang="en-US" smtClean="0"/>
+              <a:t>Syed Awn Ali</a:t>
+            </a:r>
+            <a:endParaRPr lang="en-US"/>
+          </a:p>
+        </p:txBody>
+      </p:sp>
+    </p:spTree>
+    <p:extLst>
+      <p:ext uri="{BB962C8B-B14F-4D97-AF65-F5344CB8AC3E}">
+        <p14:creationId xmlns:p14="http://schemas.microsoft.com/office/powerpoint/2010/main" val="3012836657"/>
+      </p:ext>
+    </p:extLst>
+  </p:cSld>
+  <p:clrMapOvr>
+    <a:masterClrMapping/>
+  </p:clrMapOvr>
+  <p:timing>
+    <p:tnLst>
+      <p:par>
+        <p:cTn id="1" dur="indefinite" restart="never" nodeType="tmRoot"/>
+      </p:par>
+    </p:tnLst>
+  </p:timing>
+</p:sld>
+</file>
+
+<file path=ppt/slides/slide16.xml><?xml version="1.0" encoding="utf-8"?>
+<p:sld xmlns:a="http://schemas.openxmlformats.org/drawingml/2006/main" xmlns:r="http://schemas.openxmlformats.org/officeDocument/2006/relationships" xmlns:p="http://schemas.openxmlformats.org/presentationml/2006/main">
+  <p:cSld>
+    <p:spTree>
+      <p:nvGrpSpPr>
+        <p:cNvPr id="1" name=""/>
+        <p:cNvGrpSpPr/>
+        <p:nvPr/>
+      </p:nvGrpSpPr>
+      <p:grpSpPr>
+        <a:xfrm>
+          <a:off x="0" y="0"/>
+          <a:ext cx="0" cy="0"/>
+          <a:chOff x="0" y="0"/>
+          <a:chExt cx="0" cy="0"/>
+        </a:xfrm>
+      </p:grpSpPr>
+      <p:sp>
+        <p:nvSpPr>
+          <p:cNvPr id="2" name="Title 1"/>
+          <p:cNvSpPr>
+            <a:spLocks noGrp="1"/>
+          </p:cNvSpPr>
+          <p:nvPr>
+            <p:ph type="title"/>
+          </p:nvPr>
+        </p:nvSpPr>
+        <p:spPr/>
+        <p:txBody>
+          <a:bodyPr/>
+          <a:lstStyle/>
+          <a:p>
+            <a:r>
+              <a:rPr lang="en-US" dirty="0" err="1"/>
+              <a:t>DataAnnotation</a:t>
+            </a:r>
+            <a:endParaRPr lang="en-US" dirty="0"/>
+          </a:p>
+        </p:txBody>
+      </p:sp>
+      <p:sp>
+        <p:nvSpPr>
+          <p:cNvPr id="3" name="Content Placeholder 2"/>
+          <p:cNvSpPr>
+            <a:spLocks noGrp="1"/>
+          </p:cNvSpPr>
+          <p:nvPr>
+            <p:ph idx="1"/>
+          </p:nvPr>
+        </p:nvSpPr>
+        <p:spPr/>
+        <p:txBody>
+          <a:bodyPr/>
+          <a:lstStyle/>
+          <a:p>
+            <a:r>
+              <a:rPr lang="en-US" b="1" dirty="0" smtClean="0"/>
+              <a:t>Validation </a:t>
+            </a:r>
+            <a:r>
+              <a:rPr lang="en-US" b="1" dirty="0"/>
+              <a:t>Attributes</a:t>
+            </a:r>
+            <a:r>
+              <a:rPr lang="en-US" b="1" dirty="0" smtClean="0"/>
+              <a:t>:</a:t>
+            </a:r>
+          </a:p>
+          <a:p>
+            <a:endParaRPr lang="en-US" dirty="0"/>
+          </a:p>
+        </p:txBody>
+      </p:sp>
+      <p:pic>
+        <p:nvPicPr>
+          <p:cNvPr id="8194" name="Picture 2"/>
+          <p:cNvPicPr>
+            <a:picLocks noChangeAspect="1" noChangeArrowheads="1"/>
+          </p:cNvPicPr>
+          <p:nvPr/>
+        </p:nvPicPr>
+        <p:blipFill>
+          <a:blip r:embed="rId2">
+            <a:extLst>
+              <a:ext uri="{28A0092B-C50C-407E-A947-70E740481C1C}">
+                <a14:useLocalDpi xmlns:a14="http://schemas.microsoft.com/office/drawing/2010/main" val="0"/>
+              </a:ext>
+            </a:extLst>
+          </a:blip>
+          <a:srcRect/>
+          <a:stretch>
+            <a:fillRect/>
+          </a:stretch>
+        </p:blipFill>
+        <p:spPr bwMode="auto">
+          <a:xfrm>
+            <a:off x="381000" y="2514600"/>
+            <a:ext cx="8495515" cy="1547813"/>
+          </a:xfrm>
+          <a:prstGeom prst="rect">
+            <a:avLst/>
+          </a:prstGeom>
+          <a:noFill/>
+          <a:ln>
+            <a:noFill/>
+          </a:ln>
+          <a:effectLst/>
+          <a:extLst>
+            <a:ext uri="{909E8E84-426E-40DD-AFC4-6F175D3DCCD1}">
+              <a14:hiddenFill xmlns:a14="http://schemas.microsoft.com/office/drawing/2010/main">
+                <a:solidFill>
+                  <a:schemeClr val="accent1"/>
+                </a:solidFill>
+              </a14:hiddenFill>
+            </a:ext>
+            <a:ext uri="{91240B29-F687-4F45-9708-019B960494DF}">
+              <a14:hiddenLine xmlns:a14="http://schemas.microsoft.com/office/drawing/2010/main" w="9525">
+                <a:solidFill>
+                  <a:schemeClr val="tx1"/>
+                </a:solidFill>
+                <a:miter lim="800000"/>
+                <a:headEnd/>
+                <a:tailEnd/>
+              </a14:hiddenLine>
+            </a:ext>
+            <a:ext uri="{AF507438-7753-43E0-B8FC-AC1667EBCBE1}">
+              <a14:hiddenEffects xmlns:a14="http://schemas.microsoft.com/office/drawing/2010/main">
+                <a:effectLst>
+                  <a:outerShdw dist="35921" dir="2700000" algn="ctr" rotWithShape="0">
+                    <a:schemeClr val="bg2"/>
+                  </a:outerShdw>
+                </a:effectLst>
+              </a14:hiddenEffects>
+            </a:ext>
+          </a:extLst>
+        </p:spPr>
+      </p:pic>
+      <p:sp>
+        <p:nvSpPr>
+          <p:cNvPr id="4" name="Footer Placeholder 3"/>
+          <p:cNvSpPr>
+            <a:spLocks noGrp="1"/>
+          </p:cNvSpPr>
+          <p:nvPr>
+            <p:ph type="ftr" sz="quarter" idx="11"/>
+          </p:nvPr>
+        </p:nvSpPr>
+        <p:spPr/>
+        <p:txBody>
+          <a:bodyPr/>
+          <a:lstStyle/>
+          <a:p>
+            <a:r>
+              <a:rPr lang="en-US" smtClean="0"/>
+              <a:t>Syed Awn Ali</a:t>
+            </a:r>
+            <a:endParaRPr lang="en-US"/>
+          </a:p>
+        </p:txBody>
+      </p:sp>
+    </p:spTree>
+    <p:extLst>
+      <p:ext uri="{BB962C8B-B14F-4D97-AF65-F5344CB8AC3E}">
+        <p14:creationId xmlns:p14="http://schemas.microsoft.com/office/powerpoint/2010/main" val="1266444989"/>
+      </p:ext>
+    </p:extLst>
+  </p:cSld>
+  <p:clrMapOvr>
+    <a:masterClrMapping/>
+  </p:clrMapOvr>
+  <p:timing>
+    <p:tnLst>
+      <p:par>
+        <p:cTn id="1" dur="indefinite" restart="never" nodeType="tmRoot"/>
+      </p:par>
+    </p:tnLst>
+  </p:timing>
+</p:sld>
+</file>
+
+<file path=ppt/slides/slide17.xml><?xml version="1.0" encoding="utf-8"?>
+<p:sld xmlns:a="http://schemas.openxmlformats.org/drawingml/2006/main" xmlns:r="http://schemas.openxmlformats.org/officeDocument/2006/relationships" xmlns:p="http://schemas.openxmlformats.org/presentationml/2006/main">
+  <p:cSld>
+    <p:spTree>
+      <p:nvGrpSpPr>
+        <p:cNvPr id="1" name=""/>
+        <p:cNvGrpSpPr/>
+        <p:nvPr/>
+      </p:nvGrpSpPr>
+      <p:grpSpPr>
+        <a:xfrm>
+          <a:off x="0" y="0"/>
+          <a:ext cx="0" cy="0"/>
+          <a:chOff x="0" y="0"/>
+          <a:chExt cx="0" cy="0"/>
+        </a:xfrm>
+      </p:grpSpPr>
+      <p:sp>
+        <p:nvSpPr>
+          <p:cNvPr id="2" name="Title 1"/>
+          <p:cNvSpPr>
+            <a:spLocks noGrp="1"/>
+          </p:cNvSpPr>
+          <p:nvPr>
+            <p:ph type="title"/>
+          </p:nvPr>
+        </p:nvSpPr>
+        <p:spPr/>
+        <p:txBody>
+          <a:bodyPr/>
+          <a:lstStyle/>
+          <a:p>
+            <a:r>
+              <a:rPr lang="en-US" dirty="0" err="1"/>
+              <a:t>DataAnnotation</a:t>
+            </a:r>
+            <a:endParaRPr lang="en-US" dirty="0"/>
+          </a:p>
+        </p:txBody>
+      </p:sp>
+      <p:sp>
+        <p:nvSpPr>
+          <p:cNvPr id="3" name="Content Placeholder 2"/>
+          <p:cNvSpPr>
+            <a:spLocks noGrp="1"/>
+          </p:cNvSpPr>
+          <p:nvPr>
+            <p:ph idx="1"/>
+          </p:nvPr>
+        </p:nvSpPr>
+        <p:spPr/>
+        <p:txBody>
+          <a:bodyPr/>
+          <a:lstStyle/>
+          <a:p>
+            <a:r>
+              <a:rPr lang="en-US" b="1" dirty="0"/>
+              <a:t>Database Schema related </a:t>
+            </a:r>
+            <a:r>
+              <a:rPr lang="en-US" b="1" dirty="0" smtClean="0"/>
+              <a:t>Attributes:</a:t>
+            </a:r>
+          </a:p>
+          <a:p>
+            <a:endParaRPr lang="en-US" dirty="0"/>
+          </a:p>
+        </p:txBody>
+      </p:sp>
+      <p:pic>
+        <p:nvPicPr>
+          <p:cNvPr id="9218" name="Picture 2"/>
+          <p:cNvPicPr>
+            <a:picLocks noChangeAspect="1" noChangeArrowheads="1"/>
+          </p:cNvPicPr>
+          <p:nvPr/>
+        </p:nvPicPr>
+        <p:blipFill>
+          <a:blip r:embed="rId2">
+            <a:extLst>
+              <a:ext uri="{28A0092B-C50C-407E-A947-70E740481C1C}">
+                <a14:useLocalDpi xmlns:a14="http://schemas.microsoft.com/office/drawing/2010/main" val="0"/>
+              </a:ext>
+            </a:extLst>
+          </a:blip>
+          <a:srcRect/>
+          <a:stretch>
+            <a:fillRect/>
+          </a:stretch>
+        </p:blipFill>
+        <p:spPr bwMode="auto">
+          <a:xfrm>
+            <a:off x="609600" y="2099828"/>
+            <a:ext cx="7902913" cy="3061293"/>
+          </a:xfrm>
+          <a:prstGeom prst="rect">
+            <a:avLst/>
+          </a:prstGeom>
+          <a:noFill/>
+          <a:ln>
+            <a:noFill/>
+          </a:ln>
+          <a:effectLst/>
+          <a:extLst>
+            <a:ext uri="{909E8E84-426E-40DD-AFC4-6F175D3DCCD1}">
+              <a14:hiddenFill xmlns:a14="http://schemas.microsoft.com/office/drawing/2010/main">
+                <a:solidFill>
+                  <a:schemeClr val="accent1"/>
+                </a:solidFill>
+              </a14:hiddenFill>
+            </a:ext>
+            <a:ext uri="{91240B29-F687-4F45-9708-019B960494DF}">
+              <a14:hiddenLine xmlns:a14="http://schemas.microsoft.com/office/drawing/2010/main" w="9525">
+                <a:solidFill>
+                  <a:schemeClr val="tx1"/>
+                </a:solidFill>
+                <a:miter lim="800000"/>
+                <a:headEnd/>
+                <a:tailEnd/>
+              </a14:hiddenLine>
+            </a:ext>
+            <a:ext uri="{AF507438-7753-43E0-B8FC-AC1667EBCBE1}">
+              <a14:hiddenEffects xmlns:a14="http://schemas.microsoft.com/office/drawing/2010/main">
+                <a:effectLst>
+                  <a:outerShdw dist="35921" dir="2700000" algn="ctr" rotWithShape="0">
+                    <a:schemeClr val="bg2"/>
+                  </a:outerShdw>
+                </a:effectLst>
+              </a14:hiddenEffects>
+            </a:ext>
+          </a:extLst>
+        </p:spPr>
+      </p:pic>
+      <p:sp>
+        <p:nvSpPr>
+          <p:cNvPr id="4" name="Footer Placeholder 3"/>
+          <p:cNvSpPr>
+            <a:spLocks noGrp="1"/>
+          </p:cNvSpPr>
+          <p:nvPr>
+            <p:ph type="ftr" sz="quarter" idx="11"/>
+          </p:nvPr>
+        </p:nvSpPr>
+        <p:spPr/>
+        <p:txBody>
+          <a:bodyPr/>
+          <a:lstStyle/>
+          <a:p>
+            <a:r>
+              <a:rPr lang="en-US" smtClean="0"/>
+              <a:t>Syed Awn Ali</a:t>
+            </a:r>
+            <a:endParaRPr lang="en-US"/>
+          </a:p>
+        </p:txBody>
+      </p:sp>
+    </p:spTree>
+    <p:extLst>
+      <p:ext uri="{BB962C8B-B14F-4D97-AF65-F5344CB8AC3E}">
+        <p14:creationId xmlns:p14="http://schemas.microsoft.com/office/powerpoint/2010/main" val="2328276376"/>
+      </p:ext>
+    </p:extLst>
+  </p:cSld>
+  <p:clrMapOvr>
+    <a:masterClrMapping/>
+  </p:clrMapOvr>
+  <p:timing>
+    <p:tnLst>
+      <p:par>
+        <p:cTn id="1" dur="indefinite" restart="never" nodeType="tmRoot"/>
+      </p:par>
+    </p:tnLst>
+  </p:timing>
+</p:sld>
+</file>
+
+<file path=ppt/slides/slide18.xml><?xml version="1.0" encoding="utf-8"?>
+<p:sld xmlns:a="http://schemas.openxmlformats.org/drawingml/2006/main" xmlns:r="http://schemas.openxmlformats.org/officeDocument/2006/relationships" xmlns:p="http://schemas.openxmlformats.org/presentationml/2006/main">
+  <p:cSld>
+    <p:spTree>
+      <p:nvGrpSpPr>
+        <p:cNvPr id="1" name=""/>
+        <p:cNvGrpSpPr/>
+        <p:nvPr/>
+      </p:nvGrpSpPr>
+      <p:grpSpPr>
+        <a:xfrm>
+          <a:off x="0" y="0"/>
+          <a:ext cx="0" cy="0"/>
+          <a:chOff x="0" y="0"/>
+          <a:chExt cx="0" cy="0"/>
+        </a:xfrm>
+      </p:grpSpPr>
+      <p:sp>
+        <p:nvSpPr>
+          <p:cNvPr id="2" name="Title 1"/>
+          <p:cNvSpPr>
+            <a:spLocks noGrp="1"/>
+          </p:cNvSpPr>
+          <p:nvPr>
+            <p:ph type="title"/>
+          </p:nvPr>
+        </p:nvSpPr>
+        <p:spPr>
+          <a:xfrm>
+            <a:off x="381000" y="0"/>
+            <a:ext cx="8534400" cy="758952"/>
+          </a:xfrm>
+        </p:spPr>
+        <p:txBody>
+          <a:bodyPr>
+            <a:normAutofit/>
+          </a:bodyPr>
+          <a:lstStyle/>
+          <a:p>
+            <a:r>
+              <a:rPr lang="en-US" dirty="0" err="1"/>
+              <a:t>DataAnnotation</a:t>
+            </a:r>
+            <a:endParaRPr lang="en-US" dirty="0"/>
+          </a:p>
+        </p:txBody>
+      </p:sp>
+      <p:pic>
+        <p:nvPicPr>
+          <p:cNvPr id="10242" name="Picture 2"/>
+          <p:cNvPicPr>
+            <a:picLocks noChangeAspect="1" noChangeArrowheads="1"/>
+          </p:cNvPicPr>
+          <p:nvPr/>
+        </p:nvPicPr>
+        <p:blipFill>
+          <a:blip r:embed="rId2">
+            <a:extLst>
+              <a:ext uri="{28A0092B-C50C-407E-A947-70E740481C1C}">
+                <a14:useLocalDpi xmlns:a14="http://schemas.microsoft.com/office/drawing/2010/main" val="0"/>
+              </a:ext>
+            </a:extLst>
+          </a:blip>
+          <a:srcRect/>
+          <a:stretch>
+            <a:fillRect/>
+          </a:stretch>
+        </p:blipFill>
+        <p:spPr bwMode="auto">
+          <a:xfrm>
+            <a:off x="838200" y="1219200"/>
+            <a:ext cx="6486525" cy="3467100"/>
+          </a:xfrm>
+          <a:prstGeom prst="rect">
+            <a:avLst/>
+          </a:prstGeom>
+          <a:noFill/>
+          <a:ln>
+            <a:noFill/>
+          </a:ln>
+          <a:effectLst/>
+          <a:extLst>
+            <a:ext uri="{909E8E84-426E-40DD-AFC4-6F175D3DCCD1}">
+              <a14:hiddenFill xmlns:a14="http://schemas.microsoft.com/office/drawing/2010/main">
+                <a:solidFill>
+                  <a:schemeClr val="accent1"/>
+                </a:solidFill>
+              </a14:hiddenFill>
+            </a:ext>
+            <a:ext uri="{91240B29-F687-4F45-9708-019B960494DF}">
+              <a14:hiddenLine xmlns:a14="http://schemas.microsoft.com/office/drawing/2010/main" w="9525">
+                <a:solidFill>
+                  <a:schemeClr val="tx1"/>
+                </a:solidFill>
+                <a:miter lim="800000"/>
+                <a:headEnd/>
+                <a:tailEnd/>
+              </a14:hiddenLine>
+            </a:ext>
+            <a:ext uri="{AF507438-7753-43E0-B8FC-AC1667EBCBE1}">
+              <a14:hiddenEffects xmlns:a14="http://schemas.microsoft.com/office/drawing/2010/main">
+                <a:effectLst>
+                  <a:outerShdw dist="35921" dir="2700000" algn="ctr" rotWithShape="0">
+                    <a:schemeClr val="bg2"/>
+                  </a:outerShdw>
+                </a:effectLst>
+              </a14:hiddenEffects>
+            </a:ext>
+          </a:extLst>
+        </p:spPr>
+      </p:pic>
+      <p:pic>
+        <p:nvPicPr>
+          <p:cNvPr id="10244" name="Picture 4"/>
+          <p:cNvPicPr>
+            <a:picLocks noChangeAspect="1" noChangeArrowheads="1"/>
+          </p:cNvPicPr>
+          <p:nvPr/>
+        </p:nvPicPr>
+        <p:blipFill>
+          <a:blip r:embed="rId3">
+            <a:extLst>
+              <a:ext uri="{28A0092B-C50C-407E-A947-70E740481C1C}">
+                <a14:useLocalDpi xmlns:a14="http://schemas.microsoft.com/office/drawing/2010/main" val="0"/>
+              </a:ext>
+            </a:extLst>
+          </a:blip>
+          <a:srcRect/>
+          <a:stretch>
+            <a:fillRect/>
+          </a:stretch>
+        </p:blipFill>
+        <p:spPr bwMode="auto">
+          <a:xfrm>
+            <a:off x="838199" y="4672445"/>
+            <a:ext cx="6486525" cy="2057400"/>
+          </a:xfrm>
+          <a:prstGeom prst="rect">
+            <a:avLst/>
+          </a:prstGeom>
+          <a:noFill/>
+          <a:ln>
+            <a:noFill/>
+          </a:ln>
+          <a:effectLst/>
+          <a:extLst>
+            <a:ext uri="{909E8E84-426E-40DD-AFC4-6F175D3DCCD1}">
+              <a14:hiddenFill xmlns:a14="http://schemas.microsoft.com/office/drawing/2010/main">
+                <a:solidFill>
+                  <a:schemeClr val="accent1"/>
+                </a:solidFill>
+              </a14:hiddenFill>
+            </a:ext>
+            <a:ext uri="{91240B29-F687-4F45-9708-019B960494DF}">
+              <a14:hiddenLine xmlns:a14="http://schemas.microsoft.com/office/drawing/2010/main" w="9525">
+                <a:solidFill>
+                  <a:schemeClr val="tx1"/>
+                </a:solidFill>
+                <a:miter lim="800000"/>
+                <a:headEnd/>
+                <a:tailEnd/>
+              </a14:hiddenLine>
+            </a:ext>
+            <a:ext uri="{AF507438-7753-43E0-B8FC-AC1667EBCBE1}">
+              <a14:hiddenEffects xmlns:a14="http://schemas.microsoft.com/office/drawing/2010/main">
+                <a:effectLst>
+                  <a:outerShdw dist="35921" dir="2700000" algn="ctr" rotWithShape="0">
+                    <a:schemeClr val="bg2"/>
+                  </a:outerShdw>
+                </a:effectLst>
+              </a14:hiddenEffects>
+            </a:ext>
+          </a:extLst>
+        </p:spPr>
+      </p:pic>
+      <p:sp>
+        <p:nvSpPr>
+          <p:cNvPr id="4" name="Footer Placeholder 3"/>
+          <p:cNvSpPr>
+            <a:spLocks noGrp="1"/>
+          </p:cNvSpPr>
+          <p:nvPr>
+            <p:ph type="ftr" sz="quarter" idx="11"/>
+          </p:nvPr>
+        </p:nvSpPr>
+        <p:spPr/>
+        <p:txBody>
+          <a:bodyPr/>
+          <a:lstStyle/>
+          <a:p>
+            <a:r>
+              <a:rPr lang="en-US" smtClean="0"/>
+              <a:t>Syed Awn Ali</a:t>
+            </a:r>
+            <a:endParaRPr lang="en-US"/>
+          </a:p>
+        </p:txBody>
+      </p:sp>
+    </p:spTree>
+    <p:extLst>
+      <p:ext uri="{BB962C8B-B14F-4D97-AF65-F5344CB8AC3E}">
+        <p14:creationId xmlns:p14="http://schemas.microsoft.com/office/powerpoint/2010/main" val="4189550904"/>
+      </p:ext>
+    </p:extLst>
+  </p:cSld>
+  <p:clrMapOvr>
+    <a:masterClrMapping/>
+  </p:clrMapOvr>
+  <p:timing>
+    <p:tnLst>
+      <p:par>
+        <p:cTn id="1" dur="indefinite" restart="never" nodeType="tmRoot"/>
+      </p:par>
+    </p:tnLst>
+  </p:timing>
+</p:sld>
+</file>
+
+<file path=ppt/slides/slide19.xml><?xml version="1.0" encoding="utf-8"?>
+<p:sld xmlns:a="http://schemas.openxmlformats.org/drawingml/2006/main" xmlns:r="http://schemas.openxmlformats.org/officeDocument/2006/relationships" xmlns:p="http://schemas.openxmlformats.org/presentationml/2006/main">
+  <p:cSld>
+    <p:spTree>
+      <p:nvGrpSpPr>
+        <p:cNvPr id="1" name=""/>
+        <p:cNvGrpSpPr/>
+        <p:nvPr/>
+      </p:nvGrpSpPr>
+      <p:grpSpPr>
+        <a:xfrm>
+          <a:off x="0" y="0"/>
+          <a:ext cx="0" cy="0"/>
+          <a:chOff x="0" y="0"/>
+          <a:chExt cx="0" cy="0"/>
+        </a:xfrm>
+      </p:grpSpPr>
+      <p:sp>
+        <p:nvSpPr>
+          <p:cNvPr id="2" name="Title 1"/>
+          <p:cNvSpPr>
+            <a:spLocks noGrp="1"/>
+          </p:cNvSpPr>
+          <p:nvPr>
+            <p:ph type="title"/>
+          </p:nvPr>
+        </p:nvSpPr>
+        <p:spPr/>
+        <p:txBody>
+          <a:bodyPr>
+            <a:normAutofit/>
+          </a:bodyPr>
+          <a:lstStyle/>
+          <a:p>
+            <a:r>
+              <a:rPr lang="en-US" b="1" dirty="0"/>
+              <a:t>Fluent </a:t>
+            </a:r>
+            <a:r>
+              <a:rPr lang="en-US" b="1" dirty="0" smtClean="0"/>
+              <a:t>API</a:t>
+            </a:r>
+            <a:endParaRPr lang="en-US" dirty="0"/>
+          </a:p>
+        </p:txBody>
+      </p:sp>
+      <p:sp>
+        <p:nvSpPr>
+          <p:cNvPr id="3" name="Content Placeholder 2"/>
+          <p:cNvSpPr>
+            <a:spLocks noGrp="1"/>
+          </p:cNvSpPr>
+          <p:nvPr>
+            <p:ph idx="1"/>
+          </p:nvPr>
+        </p:nvSpPr>
+        <p:spPr/>
+        <p:txBody>
+          <a:bodyPr/>
+          <a:lstStyle/>
+          <a:p>
+            <a:r>
+              <a:rPr lang="en-US" dirty="0" smtClean="0"/>
+              <a:t>Don’t </a:t>
+            </a:r>
+            <a:r>
+              <a:rPr lang="en-US" dirty="0"/>
+              <a:t>find some attributes in </a:t>
+            </a:r>
+            <a:r>
+              <a:rPr lang="en-US" dirty="0" err="1"/>
+              <a:t>DataAnnotation</a:t>
+            </a:r>
+            <a:r>
+              <a:rPr lang="en-US" dirty="0"/>
+              <a:t> then you have to use Fluent </a:t>
+            </a:r>
+            <a:r>
+              <a:rPr lang="en-US" dirty="0" smtClean="0"/>
+              <a:t>API</a:t>
+            </a:r>
+          </a:p>
+          <a:p>
+            <a:r>
+              <a:rPr lang="en-US" dirty="0" smtClean="0"/>
+              <a:t>Example:</a:t>
+            </a:r>
+            <a:endParaRPr lang="en-US" dirty="0"/>
+          </a:p>
+          <a:p>
+            <a:endParaRPr lang="en-US" dirty="0"/>
+          </a:p>
+        </p:txBody>
+      </p:sp>
+      <p:pic>
+        <p:nvPicPr>
+          <p:cNvPr id="11266" name="Picture 2"/>
+          <p:cNvPicPr>
+            <a:picLocks noChangeAspect="1" noChangeArrowheads="1"/>
+          </p:cNvPicPr>
+          <p:nvPr/>
+        </p:nvPicPr>
+        <p:blipFill>
+          <a:blip r:embed="rId2">
+            <a:extLst>
+              <a:ext uri="{28A0092B-C50C-407E-A947-70E740481C1C}">
+                <a14:useLocalDpi xmlns:a14="http://schemas.microsoft.com/office/drawing/2010/main" val="0"/>
+              </a:ext>
+            </a:extLst>
+          </a:blip>
+          <a:srcRect/>
+          <a:stretch>
+            <a:fillRect/>
+          </a:stretch>
+        </p:blipFill>
+        <p:spPr bwMode="auto">
+          <a:xfrm>
+            <a:off x="1066800" y="3124200"/>
+            <a:ext cx="6572250" cy="2552700"/>
+          </a:xfrm>
+          <a:prstGeom prst="rect">
+            <a:avLst/>
+          </a:prstGeom>
+          <a:noFill/>
+          <a:ln>
+            <a:noFill/>
+          </a:ln>
+          <a:effectLst/>
+          <a:extLst>
+            <a:ext uri="{909E8E84-426E-40DD-AFC4-6F175D3DCCD1}">
+              <a14:hiddenFill xmlns:a14="http://schemas.microsoft.com/office/drawing/2010/main">
+                <a:solidFill>
+                  <a:schemeClr val="accent1"/>
+                </a:solidFill>
+              </a14:hiddenFill>
+            </a:ext>
+            <a:ext uri="{91240B29-F687-4F45-9708-019B960494DF}">
+              <a14:hiddenLine xmlns:a14="http://schemas.microsoft.com/office/drawing/2010/main" w="9525">
+                <a:solidFill>
+                  <a:schemeClr val="tx1"/>
+                </a:solidFill>
+                <a:miter lim="800000"/>
+                <a:headEnd/>
+                <a:tailEnd/>
+              </a14:hiddenLine>
+            </a:ext>
+            <a:ext uri="{AF507438-7753-43E0-B8FC-AC1667EBCBE1}">
+              <a14:hiddenEffects xmlns:a14="http://schemas.microsoft.com/office/drawing/2010/main">
+                <a:effectLst>
+                  <a:outerShdw dist="35921" dir="2700000" algn="ctr" rotWithShape="0">
+                    <a:schemeClr val="bg2"/>
+                  </a:outerShdw>
+                </a:effectLst>
+              </a14:hiddenEffects>
+            </a:ext>
+          </a:extLst>
+        </p:spPr>
+      </p:pic>
+      <p:sp>
+        <p:nvSpPr>
+          <p:cNvPr id="4" name="Footer Placeholder 3"/>
+          <p:cNvSpPr>
+            <a:spLocks noGrp="1"/>
+          </p:cNvSpPr>
+          <p:nvPr>
+            <p:ph type="ftr" sz="quarter" idx="11"/>
+          </p:nvPr>
+        </p:nvSpPr>
+        <p:spPr/>
+        <p:txBody>
+          <a:bodyPr/>
+          <a:lstStyle/>
+          <a:p>
+            <a:r>
+              <a:rPr lang="en-US" smtClean="0"/>
+              <a:t>Syed Awn Ali</a:t>
+            </a:r>
+            <a:endParaRPr lang="en-US"/>
+          </a:p>
+        </p:txBody>
+      </p:sp>
+    </p:spTree>
+    <p:extLst>
+      <p:ext uri="{BB962C8B-B14F-4D97-AF65-F5344CB8AC3E}">
+        <p14:creationId xmlns:p14="http://schemas.microsoft.com/office/powerpoint/2010/main" val="3139669960"/>
+      </p:ext>
+    </p:extLst>
+  </p:cSld>
+  <p:clrMapOvr>
+    <a:masterClrMapping/>
+  </p:clrMapOvr>
+  <p:timing>
+    <p:tnLst>
+      <p:par>
+        <p:cTn id="1" dur="indefinite" restart="never" nodeType="tmRoot"/>
+      </p:par>
+    </p:tnLst>
+  </p:timing>
 </p:sld>
 </file>
 
@@ -3073,101 +5043,2345 @@
           <a:bodyPr/>
           <a:lstStyle/>
           <a:p>
-            <a:r>
-              <a:rPr lang="en-US" dirty="0" smtClean="0"/>
-              <a:t>Modeling issues</a:t>
+            <a:endParaRPr lang="en-US"/>
+          </a:p>
+        </p:txBody>
+      </p:sp>
+      <p:sp>
+        <p:nvSpPr>
+          <p:cNvPr id="3" name="Content Placeholder 2"/>
+          <p:cNvSpPr>
+            <a:spLocks noGrp="1"/>
+          </p:cNvSpPr>
+          <p:nvPr>
+            <p:ph idx="1"/>
+          </p:nvPr>
+        </p:nvSpPr>
+        <p:spPr/>
+        <p:txBody>
+          <a:bodyPr/>
+          <a:lstStyle/>
+          <a:p>
+            <a:r>
+              <a:rPr lang="en-US" dirty="0"/>
+              <a:t>Starts from Entity Framework 4.1</a:t>
+            </a:r>
+          </a:p>
+          <a:p>
+            <a:r>
+              <a:rPr lang="en-US" dirty="0"/>
+              <a:t>Features</a:t>
+            </a:r>
+          </a:p>
+          <a:p>
+            <a:pPr lvl="1"/>
+            <a:r>
+              <a:rPr lang="en-GB" dirty="0"/>
+              <a:t>Useful in Domain Driven Design</a:t>
             </a:r>
             <a:endParaRPr lang="en-US" dirty="0"/>
           </a:p>
-        </p:txBody>
-      </p:sp>
-      <p:sp>
-        <p:nvSpPr>
-          <p:cNvPr id="3" name="Content Placeholder 2"/>
-          <p:cNvSpPr>
-            <a:spLocks noGrp="1"/>
-          </p:cNvSpPr>
-          <p:nvPr>
-            <p:ph idx="1"/>
-          </p:nvPr>
-        </p:nvSpPr>
-        <p:spPr/>
-        <p:txBody>
-          <a:bodyPr/>
-          <a:lstStyle/>
-          <a:p>
-            <a:r>
-              <a:rPr lang="en-US" dirty="0" smtClean="0"/>
-              <a:t>Relationships</a:t>
-            </a:r>
-          </a:p>
-          <a:p>
-            <a:r>
-              <a:rPr lang="en-US" dirty="0" smtClean="0"/>
-              <a:t>Splitting</a:t>
-            </a:r>
-          </a:p>
-          <a:p>
-            <a:r>
-              <a:rPr lang="en-US" dirty="0" smtClean="0"/>
-              <a:t>Inheritance</a:t>
-            </a:r>
-          </a:p>
           <a:p>
             <a:pPr lvl="1"/>
             <a:r>
               <a:rPr lang="en-US" dirty="0"/>
-              <a:t>Sub-type </a:t>
-            </a:r>
-            <a:r>
-              <a:rPr lang="en-US" dirty="0" smtClean="0"/>
-              <a:t>per-table with filter</a:t>
+              <a:t>One-to-one, one-to-many and many-to-many relationship</a:t>
             </a:r>
           </a:p>
           <a:p>
             <a:pPr lvl="1"/>
             <a:r>
-              <a:rPr lang="en-US" dirty="0" smtClean="0"/>
-              <a:t>Table per type</a:t>
-            </a:r>
+              <a:rPr lang="en-US" dirty="0" err="1"/>
+              <a:t>DataAnnotation</a:t>
+            </a:r>
+            <a:endParaRPr lang="en-US" dirty="0"/>
           </a:p>
           <a:p>
             <a:pPr lvl="1"/>
             <a:r>
-              <a:rPr lang="en-US" dirty="0" smtClean="0"/>
-              <a:t>Table per hierarchy</a:t>
-            </a:r>
+              <a:rPr lang="en-US" dirty="0"/>
+              <a:t>Fluent API</a:t>
+            </a:r>
+          </a:p>
+          <a:p>
+            <a:r>
+              <a:rPr lang="en-US" dirty="0"/>
+              <a:t>Prerequisites:</a:t>
+            </a:r>
+          </a:p>
+          <a:p>
+            <a:pPr lvl="1"/>
+            <a:r>
+              <a:rPr lang="en-US" dirty="0" err="1"/>
+              <a:t>.Net</a:t>
+            </a:r>
+            <a:r>
+              <a:rPr lang="en-US" dirty="0"/>
+              <a:t> Framework3.5, C#, Visual Studio 2010 and MS SQL Server</a:t>
+            </a:r>
+          </a:p>
+          <a:p>
             <a:endParaRPr lang="en-US" dirty="0"/>
-          </a:p>
-          <a:p>
-            <a:pPr lvl="1"/>
-            <a:endParaRPr lang="en-US" dirty="0" smtClean="0"/>
-          </a:p>
-          <a:p>
-            <a:r>
-              <a:rPr lang="en-US" dirty="0" err="1" smtClean="0"/>
-              <a:t>Enums</a:t>
-            </a:r>
-            <a:endParaRPr lang="en-US" dirty="0" smtClean="0"/>
-          </a:p>
-          <a:p>
-            <a:r>
-              <a:rPr lang="en-US" dirty="0" smtClean="0"/>
-              <a:t>Keys / identity</a:t>
-            </a:r>
           </a:p>
         </p:txBody>
       </p:sp>
     </p:spTree>
     <p:extLst>
       <p:ext uri="{BB962C8B-B14F-4D97-AF65-F5344CB8AC3E}">
-        <p14:creationId xmlns:p14="http://schemas.microsoft.com/office/powerpoint/2010/main" val="2204391058"/>
+        <p14:creationId xmlns:p14="http://schemas.microsoft.com/office/powerpoint/2010/main" val="4164969449"/>
       </p:ext>
     </p:extLst>
   </p:cSld>
   <p:clrMapOvr>
     <a:masterClrMapping/>
   </p:clrMapOvr>
+</p:sld>
+</file>
+
+<file path=ppt/slides/slide20.xml><?xml version="1.0" encoding="utf-8"?>
+<p:sld xmlns:a="http://schemas.openxmlformats.org/drawingml/2006/main" xmlns:r="http://schemas.openxmlformats.org/officeDocument/2006/relationships" xmlns:p="http://schemas.openxmlformats.org/presentationml/2006/main">
+  <p:cSld>
+    <p:spTree>
+      <p:nvGrpSpPr>
+        <p:cNvPr id="1" name=""/>
+        <p:cNvGrpSpPr/>
+        <p:nvPr/>
+      </p:nvGrpSpPr>
+      <p:grpSpPr>
+        <a:xfrm>
+          <a:off x="0" y="0"/>
+          <a:ext cx="0" cy="0"/>
+          <a:chOff x="0" y="0"/>
+          <a:chExt cx="0" cy="0"/>
+        </a:xfrm>
+      </p:grpSpPr>
+      <p:sp>
+        <p:nvSpPr>
+          <p:cNvPr id="2" name="Title 1"/>
+          <p:cNvSpPr>
+            <a:spLocks noGrp="1"/>
+          </p:cNvSpPr>
+          <p:nvPr>
+            <p:ph type="title"/>
+          </p:nvPr>
+        </p:nvSpPr>
+        <p:spPr/>
+        <p:txBody>
+          <a:bodyPr/>
+          <a:lstStyle/>
+          <a:p>
+            <a:r>
+              <a:rPr lang="en-US" dirty="0" smtClean="0"/>
+              <a:t>Fluent API</a:t>
+            </a:r>
+            <a:endParaRPr lang="en-US" dirty="0"/>
+          </a:p>
+        </p:txBody>
+      </p:sp>
+      <p:sp>
+        <p:nvSpPr>
+          <p:cNvPr id="3" name="Content Placeholder 2"/>
+          <p:cNvSpPr>
+            <a:spLocks noGrp="1"/>
+          </p:cNvSpPr>
+          <p:nvPr>
+            <p:ph idx="1"/>
+          </p:nvPr>
+        </p:nvSpPr>
+        <p:spPr/>
+        <p:txBody>
+          <a:bodyPr/>
+          <a:lstStyle/>
+          <a:p>
+            <a:r>
+              <a:rPr lang="en-US" dirty="0" err="1"/>
+              <a:t>EntityTypeConfiguration</a:t>
+            </a:r>
+            <a:r>
+              <a:rPr lang="en-US" dirty="0"/>
+              <a:t> </a:t>
+            </a:r>
+            <a:r>
+              <a:rPr lang="en-US" dirty="0" smtClean="0"/>
+              <a:t>Class:</a:t>
+            </a:r>
+          </a:p>
+          <a:p>
+            <a:r>
+              <a:rPr lang="en-US" dirty="0" smtClean="0"/>
+              <a:t>Class </a:t>
+            </a:r>
+            <a:r>
+              <a:rPr lang="en-US" dirty="0"/>
+              <a:t>that allows configuration to be performed for an entity type in a </a:t>
+            </a:r>
+            <a:r>
+              <a:rPr lang="en-US" dirty="0" smtClean="0"/>
+              <a:t>model</a:t>
+            </a:r>
+          </a:p>
+          <a:p>
+            <a:r>
+              <a:rPr lang="en-US" dirty="0"/>
+              <a:t>O</a:t>
+            </a:r>
+            <a:r>
+              <a:rPr lang="en-US" dirty="0" smtClean="0"/>
+              <a:t>btained </a:t>
+            </a:r>
+            <a:r>
+              <a:rPr lang="en-US" dirty="0"/>
+              <a:t>by calling Entity method of </a:t>
+            </a:r>
+            <a:r>
+              <a:rPr lang="en-US" dirty="0" err="1"/>
+              <a:t>DbModelBuilder</a:t>
+            </a:r>
+            <a:r>
+              <a:rPr lang="en-US" dirty="0"/>
+              <a:t> class</a:t>
+            </a:r>
+          </a:p>
+          <a:p>
+            <a:endParaRPr lang="en-US" dirty="0"/>
+          </a:p>
+        </p:txBody>
+      </p:sp>
+      <p:pic>
+        <p:nvPicPr>
+          <p:cNvPr id="12290" name="Picture 2"/>
+          <p:cNvPicPr>
+            <a:picLocks noChangeAspect="1" noChangeArrowheads="1"/>
+          </p:cNvPicPr>
+          <p:nvPr/>
+        </p:nvPicPr>
+        <p:blipFill>
+          <a:blip r:embed="rId2">
+            <a:extLst>
+              <a:ext uri="{28A0092B-C50C-407E-A947-70E740481C1C}">
+                <a14:useLocalDpi xmlns:a14="http://schemas.microsoft.com/office/drawing/2010/main" val="0"/>
+              </a:ext>
+            </a:extLst>
+          </a:blip>
+          <a:srcRect/>
+          <a:stretch>
+            <a:fillRect/>
+          </a:stretch>
+        </p:blipFill>
+        <p:spPr bwMode="auto">
+          <a:xfrm>
+            <a:off x="4724400" y="4061346"/>
+            <a:ext cx="4152900" cy="1933575"/>
+          </a:xfrm>
+          <a:prstGeom prst="rect">
+            <a:avLst/>
+          </a:prstGeom>
+          <a:noFill/>
+          <a:ln>
+            <a:noFill/>
+          </a:ln>
+          <a:effectLst/>
+          <a:extLst>
+            <a:ext uri="{909E8E84-426E-40DD-AFC4-6F175D3DCCD1}">
+              <a14:hiddenFill xmlns:a14="http://schemas.microsoft.com/office/drawing/2010/main">
+                <a:solidFill>
+                  <a:schemeClr val="accent1"/>
+                </a:solidFill>
+              </a14:hiddenFill>
+            </a:ext>
+            <a:ext uri="{91240B29-F687-4F45-9708-019B960494DF}">
+              <a14:hiddenLine xmlns:a14="http://schemas.microsoft.com/office/drawing/2010/main" w="9525">
+                <a:solidFill>
+                  <a:schemeClr val="tx1"/>
+                </a:solidFill>
+                <a:miter lim="800000"/>
+                <a:headEnd/>
+                <a:tailEnd/>
+              </a14:hiddenLine>
+            </a:ext>
+            <a:ext uri="{AF507438-7753-43E0-B8FC-AC1667EBCBE1}">
+              <a14:hiddenEffects xmlns:a14="http://schemas.microsoft.com/office/drawing/2010/main">
+                <a:effectLst>
+                  <a:outerShdw dist="35921" dir="2700000" algn="ctr" rotWithShape="0">
+                    <a:schemeClr val="bg2"/>
+                  </a:outerShdw>
+                </a:effectLst>
+              </a14:hiddenEffects>
+            </a:ext>
+          </a:extLst>
+        </p:spPr>
+      </p:pic>
+      <p:sp>
+        <p:nvSpPr>
+          <p:cNvPr id="4" name="Footer Placeholder 3"/>
+          <p:cNvSpPr>
+            <a:spLocks noGrp="1"/>
+          </p:cNvSpPr>
+          <p:nvPr>
+            <p:ph type="ftr" sz="quarter" idx="11"/>
+          </p:nvPr>
+        </p:nvSpPr>
+        <p:spPr/>
+        <p:txBody>
+          <a:bodyPr/>
+          <a:lstStyle/>
+          <a:p>
+            <a:r>
+              <a:rPr lang="en-US" smtClean="0"/>
+              <a:t>Syed Awn Ali</a:t>
+            </a:r>
+            <a:endParaRPr lang="en-US"/>
+          </a:p>
+        </p:txBody>
+      </p:sp>
+    </p:spTree>
+    <p:extLst>
+      <p:ext uri="{BB962C8B-B14F-4D97-AF65-F5344CB8AC3E}">
+        <p14:creationId xmlns:p14="http://schemas.microsoft.com/office/powerpoint/2010/main" val="845361134"/>
+      </p:ext>
+    </p:extLst>
+  </p:cSld>
+  <p:clrMapOvr>
+    <a:masterClrMapping/>
+  </p:clrMapOvr>
+  <p:timing>
+    <p:tnLst>
+      <p:par>
+        <p:cTn id="1" dur="indefinite" restart="never" nodeType="tmRoot"/>
+      </p:par>
+    </p:tnLst>
+  </p:timing>
+</p:sld>
+</file>
+
+<file path=ppt/slides/slide21.xml><?xml version="1.0" encoding="utf-8"?>
+<p:sld xmlns:a="http://schemas.openxmlformats.org/drawingml/2006/main" xmlns:r="http://schemas.openxmlformats.org/officeDocument/2006/relationships" xmlns:p="http://schemas.openxmlformats.org/presentationml/2006/main">
+  <p:cSld>
+    <p:spTree>
+      <p:nvGrpSpPr>
+        <p:cNvPr id="1" name=""/>
+        <p:cNvGrpSpPr/>
+        <p:nvPr/>
+      </p:nvGrpSpPr>
+      <p:grpSpPr>
+        <a:xfrm>
+          <a:off x="0" y="0"/>
+          <a:ext cx="0" cy="0"/>
+          <a:chOff x="0" y="0"/>
+          <a:chExt cx="0" cy="0"/>
+        </a:xfrm>
+      </p:grpSpPr>
+      <p:sp>
+        <p:nvSpPr>
+          <p:cNvPr id="2" name="Title 1"/>
+          <p:cNvSpPr>
+            <a:spLocks noGrp="1"/>
+          </p:cNvSpPr>
+          <p:nvPr>
+            <p:ph type="title"/>
+          </p:nvPr>
+        </p:nvSpPr>
+        <p:spPr/>
+        <p:txBody>
+          <a:bodyPr/>
+          <a:lstStyle/>
+          <a:p>
+            <a:r>
+              <a:rPr lang="en-US" dirty="0" err="1" smtClean="0"/>
+              <a:t>EntityTypeConfiguration</a:t>
+            </a:r>
+            <a:r>
+              <a:rPr lang="en-US" dirty="0" smtClean="0"/>
+              <a:t> Class</a:t>
+            </a:r>
+            <a:endParaRPr lang="en-US" dirty="0"/>
+          </a:p>
+        </p:txBody>
+      </p:sp>
+      <p:sp>
+        <p:nvSpPr>
+          <p:cNvPr id="3" name="Content Placeholder 2"/>
+          <p:cNvSpPr>
+            <a:spLocks noGrp="1"/>
+          </p:cNvSpPr>
+          <p:nvPr>
+            <p:ph idx="1"/>
+          </p:nvPr>
+        </p:nvSpPr>
+        <p:spPr/>
+        <p:txBody>
+          <a:bodyPr/>
+          <a:lstStyle/>
+          <a:p>
+            <a:r>
+              <a:rPr lang="en-US" dirty="0" err="1"/>
+              <a:t>EntityTypeConfiguration</a:t>
+            </a:r>
+            <a:r>
+              <a:rPr lang="en-US" dirty="0"/>
+              <a:t> has following important methods</a:t>
+            </a:r>
+          </a:p>
+        </p:txBody>
+      </p:sp>
+      <p:pic>
+        <p:nvPicPr>
+          <p:cNvPr id="13314" name="Picture 2"/>
+          <p:cNvPicPr>
+            <a:picLocks noChangeAspect="1" noChangeArrowheads="1"/>
+          </p:cNvPicPr>
+          <p:nvPr/>
+        </p:nvPicPr>
+        <p:blipFill>
+          <a:blip r:embed="rId2">
+            <a:extLst>
+              <a:ext uri="{28A0092B-C50C-407E-A947-70E740481C1C}">
+                <a14:useLocalDpi xmlns:a14="http://schemas.microsoft.com/office/drawing/2010/main" val="0"/>
+              </a:ext>
+            </a:extLst>
+          </a:blip>
+          <a:srcRect/>
+          <a:stretch>
+            <a:fillRect/>
+          </a:stretch>
+        </p:blipFill>
+        <p:spPr bwMode="auto">
+          <a:xfrm>
+            <a:off x="1125249" y="2819400"/>
+            <a:ext cx="6962775" cy="3038475"/>
+          </a:xfrm>
+          <a:prstGeom prst="rect">
+            <a:avLst/>
+          </a:prstGeom>
+          <a:noFill/>
+          <a:ln>
+            <a:noFill/>
+          </a:ln>
+          <a:effectLst/>
+          <a:extLst>
+            <a:ext uri="{909E8E84-426E-40DD-AFC4-6F175D3DCCD1}">
+              <a14:hiddenFill xmlns:a14="http://schemas.microsoft.com/office/drawing/2010/main">
+                <a:solidFill>
+                  <a:schemeClr val="accent1"/>
+                </a:solidFill>
+              </a14:hiddenFill>
+            </a:ext>
+            <a:ext uri="{91240B29-F687-4F45-9708-019B960494DF}">
+              <a14:hiddenLine xmlns:a14="http://schemas.microsoft.com/office/drawing/2010/main" w="9525">
+                <a:solidFill>
+                  <a:schemeClr val="tx1"/>
+                </a:solidFill>
+                <a:miter lim="800000"/>
+                <a:headEnd/>
+                <a:tailEnd/>
+              </a14:hiddenLine>
+            </a:ext>
+            <a:ext uri="{AF507438-7753-43E0-B8FC-AC1667EBCBE1}">
+              <a14:hiddenEffects xmlns:a14="http://schemas.microsoft.com/office/drawing/2010/main">
+                <a:effectLst>
+                  <a:outerShdw dist="35921" dir="2700000" algn="ctr" rotWithShape="0">
+                    <a:schemeClr val="bg2"/>
+                  </a:outerShdw>
+                </a:effectLst>
+              </a14:hiddenEffects>
+            </a:ext>
+          </a:extLst>
+        </p:spPr>
+      </p:pic>
+      <p:sp>
+        <p:nvSpPr>
+          <p:cNvPr id="4" name="Footer Placeholder 3"/>
+          <p:cNvSpPr>
+            <a:spLocks noGrp="1"/>
+          </p:cNvSpPr>
+          <p:nvPr>
+            <p:ph type="ftr" sz="quarter" idx="11"/>
+          </p:nvPr>
+        </p:nvSpPr>
+        <p:spPr/>
+        <p:txBody>
+          <a:bodyPr/>
+          <a:lstStyle/>
+          <a:p>
+            <a:r>
+              <a:rPr lang="en-US" smtClean="0"/>
+              <a:t>Syed Awn Ali</a:t>
+            </a:r>
+            <a:endParaRPr lang="en-US"/>
+          </a:p>
+        </p:txBody>
+      </p:sp>
+    </p:spTree>
+    <p:extLst>
+      <p:ext uri="{BB962C8B-B14F-4D97-AF65-F5344CB8AC3E}">
+        <p14:creationId xmlns:p14="http://schemas.microsoft.com/office/powerpoint/2010/main" val="822567890"/>
+      </p:ext>
+    </p:extLst>
+  </p:cSld>
+  <p:clrMapOvr>
+    <a:masterClrMapping/>
+  </p:clrMapOvr>
+  <p:timing>
+    <p:tnLst>
+      <p:par>
+        <p:cTn id="1" dur="indefinite" restart="never" nodeType="tmRoot"/>
+      </p:par>
+    </p:tnLst>
+  </p:timing>
+</p:sld>
+</file>
+
+<file path=ppt/slides/slide22.xml><?xml version="1.0" encoding="utf-8"?>
+<p:sld xmlns:a="http://schemas.openxmlformats.org/drawingml/2006/main" xmlns:r="http://schemas.openxmlformats.org/officeDocument/2006/relationships" xmlns:p="http://schemas.openxmlformats.org/presentationml/2006/main">
+  <p:cSld>
+    <p:spTree>
+      <p:nvGrpSpPr>
+        <p:cNvPr id="1" name=""/>
+        <p:cNvGrpSpPr/>
+        <p:nvPr/>
+      </p:nvGrpSpPr>
+      <p:grpSpPr>
+        <a:xfrm>
+          <a:off x="0" y="0"/>
+          <a:ext cx="0" cy="0"/>
+          <a:chOff x="0" y="0"/>
+          <a:chExt cx="0" cy="0"/>
+        </a:xfrm>
+      </p:grpSpPr>
+      <p:sp>
+        <p:nvSpPr>
+          <p:cNvPr id="2" name="Title 1"/>
+          <p:cNvSpPr>
+            <a:spLocks noGrp="1"/>
+          </p:cNvSpPr>
+          <p:nvPr>
+            <p:ph type="title"/>
+          </p:nvPr>
+        </p:nvSpPr>
+        <p:spPr/>
+        <p:txBody>
+          <a:bodyPr/>
+          <a:lstStyle/>
+          <a:p>
+            <a:r>
+              <a:rPr lang="en-US" dirty="0"/>
+              <a:t>Fluent API classes</a:t>
+            </a:r>
+          </a:p>
+        </p:txBody>
+      </p:sp>
+      <p:sp>
+        <p:nvSpPr>
+          <p:cNvPr id="3" name="Content Placeholder 2"/>
+          <p:cNvSpPr>
+            <a:spLocks noGrp="1"/>
+          </p:cNvSpPr>
+          <p:nvPr>
+            <p:ph idx="1"/>
+          </p:nvPr>
+        </p:nvSpPr>
+        <p:spPr/>
+        <p:txBody>
+          <a:bodyPr>
+            <a:normAutofit fontScale="70000" lnSpcReduction="20000"/>
+          </a:bodyPr>
+          <a:lstStyle/>
+          <a:p>
+            <a:r>
+              <a:rPr lang="en-US" dirty="0" smtClean="0"/>
+              <a:t>Level 1:</a:t>
+            </a:r>
+          </a:p>
+          <a:p>
+            <a:pPr lvl="1"/>
+            <a:r>
+              <a:rPr lang="en-US" dirty="0" err="1"/>
+              <a:t>DbModelBuilder</a:t>
+            </a:r>
+            <a:r>
+              <a:rPr lang="en-US" dirty="0"/>
+              <a:t> </a:t>
+            </a:r>
+            <a:r>
+              <a:rPr lang="en-US" dirty="0" smtClean="0"/>
+              <a:t>Class</a:t>
+            </a:r>
+          </a:p>
+          <a:p>
+            <a:pPr lvl="2"/>
+            <a:r>
+              <a:rPr lang="en-US" dirty="0"/>
+              <a:t>M</a:t>
+            </a:r>
+            <a:r>
+              <a:rPr lang="en-US" dirty="0" smtClean="0"/>
+              <a:t>ain class</a:t>
+            </a:r>
+          </a:p>
+          <a:p>
+            <a:r>
+              <a:rPr lang="en-US" dirty="0" smtClean="0"/>
+              <a:t>Level 2:</a:t>
+            </a:r>
+          </a:p>
+          <a:p>
+            <a:pPr lvl="1"/>
+            <a:r>
+              <a:rPr lang="en-US" dirty="0" err="1"/>
+              <a:t>EntityTypeConfiguration</a:t>
+            </a:r>
+            <a:r>
+              <a:rPr lang="en-US" dirty="0"/>
+              <a:t> </a:t>
+            </a:r>
+            <a:endParaRPr lang="en-US" dirty="0" smtClean="0"/>
+          </a:p>
+          <a:p>
+            <a:pPr lvl="2"/>
+            <a:r>
+              <a:rPr lang="en-US" dirty="0"/>
+              <a:t>S</a:t>
+            </a:r>
+            <a:r>
+              <a:rPr lang="en-US" dirty="0" smtClean="0"/>
+              <a:t>et </a:t>
+            </a:r>
+            <a:r>
+              <a:rPr lang="en-US" dirty="0"/>
+              <a:t>relationship between </a:t>
+            </a:r>
+            <a:r>
+              <a:rPr lang="en-US" dirty="0" smtClean="0"/>
+              <a:t>entities</a:t>
+            </a:r>
+          </a:p>
+          <a:p>
+            <a:r>
+              <a:rPr lang="en-US" dirty="0" smtClean="0"/>
+              <a:t>Level 3:</a:t>
+            </a:r>
+          </a:p>
+          <a:p>
+            <a:pPr lvl="1"/>
+            <a:r>
+              <a:rPr lang="en-US" dirty="0" err="1" smtClean="0"/>
+              <a:t>ManyNavigarionConfiguration</a:t>
+            </a:r>
+            <a:endParaRPr lang="en-US" dirty="0" smtClean="0"/>
+          </a:p>
+          <a:p>
+            <a:pPr lvl="1"/>
+            <a:r>
+              <a:rPr lang="en-US" dirty="0" err="1" smtClean="0"/>
+              <a:t>OptionalNavigationPropertyConfiguration</a:t>
+            </a:r>
+            <a:endParaRPr lang="en-US" dirty="0"/>
+          </a:p>
+          <a:p>
+            <a:pPr lvl="1"/>
+            <a:r>
+              <a:rPr lang="en-US" dirty="0" err="1" smtClean="0"/>
+              <a:t>RequiredNavigationPropertyConfiguration</a:t>
+            </a:r>
+            <a:endParaRPr lang="en-US" dirty="0" smtClean="0"/>
+          </a:p>
+          <a:p>
+            <a:pPr lvl="1"/>
+            <a:endParaRPr lang="en-US" dirty="0"/>
+          </a:p>
+          <a:p>
+            <a:r>
+              <a:rPr lang="en-US" dirty="0"/>
+              <a:t>Level 1 and Level 2 classes can be used to configure relationship between the entities that will be mapped to database </a:t>
+            </a:r>
+            <a:r>
+              <a:rPr lang="en-US" dirty="0" smtClean="0"/>
+              <a:t>tables</a:t>
+            </a:r>
+          </a:p>
+          <a:p>
+            <a:endParaRPr lang="en-US" dirty="0" smtClean="0"/>
+          </a:p>
+          <a:p>
+            <a:r>
+              <a:rPr lang="en-US" dirty="0"/>
+              <a:t>Level 3 &amp; 4 can be used to configure additional mapping between the entities.</a:t>
+            </a:r>
+            <a:endParaRPr lang="en-US" dirty="0" smtClean="0"/>
+          </a:p>
+        </p:txBody>
+      </p:sp>
+      <p:sp>
+        <p:nvSpPr>
+          <p:cNvPr id="4" name="Footer Placeholder 3"/>
+          <p:cNvSpPr>
+            <a:spLocks noGrp="1"/>
+          </p:cNvSpPr>
+          <p:nvPr>
+            <p:ph type="ftr" sz="quarter" idx="11"/>
+          </p:nvPr>
+        </p:nvSpPr>
+        <p:spPr/>
+        <p:txBody>
+          <a:bodyPr/>
+          <a:lstStyle/>
+          <a:p>
+            <a:r>
+              <a:rPr lang="en-US" smtClean="0"/>
+              <a:t>Syed Awn Ali</a:t>
+            </a:r>
+            <a:endParaRPr lang="en-US"/>
+          </a:p>
+        </p:txBody>
+      </p:sp>
+    </p:spTree>
+    <p:extLst>
+      <p:ext uri="{BB962C8B-B14F-4D97-AF65-F5344CB8AC3E}">
+        <p14:creationId xmlns:p14="http://schemas.microsoft.com/office/powerpoint/2010/main" val="2522903853"/>
+      </p:ext>
+    </p:extLst>
+  </p:cSld>
+  <p:clrMapOvr>
+    <a:masterClrMapping/>
+  </p:clrMapOvr>
+  <p:timing>
+    <p:tnLst>
+      <p:par>
+        <p:cTn id="1" dur="indefinite" restart="never" nodeType="tmRoot"/>
+      </p:par>
+    </p:tnLst>
+  </p:timing>
+</p:sld>
+</file>
+
+<file path=ppt/slides/slide23.xml><?xml version="1.0" encoding="utf-8"?>
+<p:sld xmlns:a="http://schemas.openxmlformats.org/drawingml/2006/main" xmlns:r="http://schemas.openxmlformats.org/officeDocument/2006/relationships" xmlns:p="http://schemas.openxmlformats.org/presentationml/2006/main">
+  <p:cSld>
+    <p:spTree>
+      <p:nvGrpSpPr>
+        <p:cNvPr id="1" name=""/>
+        <p:cNvGrpSpPr/>
+        <p:nvPr/>
+      </p:nvGrpSpPr>
+      <p:grpSpPr>
+        <a:xfrm>
+          <a:off x="0" y="0"/>
+          <a:ext cx="0" cy="0"/>
+          <a:chOff x="0" y="0"/>
+          <a:chExt cx="0" cy="0"/>
+        </a:xfrm>
+      </p:grpSpPr>
+      <p:sp>
+        <p:nvSpPr>
+          <p:cNvPr id="2" name="Title 1"/>
+          <p:cNvSpPr>
+            <a:spLocks noGrp="1"/>
+          </p:cNvSpPr>
+          <p:nvPr>
+            <p:ph type="title"/>
+          </p:nvPr>
+        </p:nvSpPr>
+        <p:spPr/>
+        <p:txBody>
+          <a:bodyPr>
+            <a:normAutofit/>
+          </a:bodyPr>
+          <a:lstStyle/>
+          <a:p>
+            <a:r>
+              <a:rPr lang="en-US" b="1" dirty="0" smtClean="0"/>
+              <a:t>One-to-One Relationship</a:t>
+            </a:r>
+            <a:endParaRPr lang="en-US" dirty="0"/>
+          </a:p>
+        </p:txBody>
+      </p:sp>
+      <p:sp>
+        <p:nvSpPr>
+          <p:cNvPr id="3" name="Content Placeholder 2"/>
+          <p:cNvSpPr>
+            <a:spLocks noGrp="1"/>
+          </p:cNvSpPr>
+          <p:nvPr>
+            <p:ph idx="1"/>
+          </p:nvPr>
+        </p:nvSpPr>
+        <p:spPr/>
+        <p:txBody>
+          <a:bodyPr>
+            <a:normAutofit lnSpcReduction="10000"/>
+          </a:bodyPr>
+          <a:lstStyle/>
+          <a:p>
+            <a:r>
+              <a:rPr lang="en-US" dirty="0"/>
+              <a:t>W</a:t>
+            </a:r>
+            <a:r>
+              <a:rPr lang="en-US" dirty="0" smtClean="0"/>
+              <a:t>hen </a:t>
+            </a:r>
+            <a:r>
+              <a:rPr lang="en-US" dirty="0"/>
+              <a:t>primary key of one table becomes PK &amp; FK in another </a:t>
+            </a:r>
+            <a:r>
+              <a:rPr lang="en-US" dirty="0" smtClean="0"/>
+              <a:t>table</a:t>
+            </a:r>
+          </a:p>
+          <a:p>
+            <a:endParaRPr lang="en-US" dirty="0"/>
+          </a:p>
+          <a:p>
+            <a:endParaRPr lang="en-US" dirty="0" smtClean="0"/>
+          </a:p>
+          <a:p>
+            <a:endParaRPr lang="en-US" dirty="0"/>
+          </a:p>
+          <a:p>
+            <a:endParaRPr lang="en-US" dirty="0" smtClean="0"/>
+          </a:p>
+          <a:p>
+            <a:endParaRPr lang="en-US" dirty="0"/>
+          </a:p>
+          <a:p>
+            <a:endParaRPr lang="en-US" dirty="0" smtClean="0"/>
+          </a:p>
+          <a:p>
+            <a:r>
+              <a:rPr lang="en-US" dirty="0" smtClean="0"/>
+              <a:t>Quick Start Example:</a:t>
+            </a:r>
+            <a:endParaRPr lang="en-US" dirty="0"/>
+          </a:p>
+        </p:txBody>
+      </p:sp>
+      <p:pic>
+        <p:nvPicPr>
+          <p:cNvPr id="15362" name="Picture 2"/>
+          <p:cNvPicPr>
+            <a:picLocks noChangeAspect="1" noChangeArrowheads="1"/>
+          </p:cNvPicPr>
+          <p:nvPr/>
+        </p:nvPicPr>
+        <p:blipFill>
+          <a:blip r:embed="rId2">
+            <a:extLst>
+              <a:ext uri="{28A0092B-C50C-407E-A947-70E740481C1C}">
+                <a14:useLocalDpi xmlns:a14="http://schemas.microsoft.com/office/drawing/2010/main" val="0"/>
+              </a:ext>
+            </a:extLst>
+          </a:blip>
+          <a:srcRect/>
+          <a:stretch>
+            <a:fillRect/>
+          </a:stretch>
+        </p:blipFill>
+        <p:spPr bwMode="auto">
+          <a:xfrm>
+            <a:off x="1905000" y="2895600"/>
+            <a:ext cx="4667250" cy="2466975"/>
+          </a:xfrm>
+          <a:prstGeom prst="rect">
+            <a:avLst/>
+          </a:prstGeom>
+          <a:noFill/>
+          <a:ln>
+            <a:noFill/>
+          </a:ln>
+          <a:effectLst/>
+          <a:extLst>
+            <a:ext uri="{909E8E84-426E-40DD-AFC4-6F175D3DCCD1}">
+              <a14:hiddenFill xmlns:a14="http://schemas.microsoft.com/office/drawing/2010/main">
+                <a:solidFill>
+                  <a:schemeClr val="accent1"/>
+                </a:solidFill>
+              </a14:hiddenFill>
+            </a:ext>
+            <a:ext uri="{91240B29-F687-4F45-9708-019B960494DF}">
+              <a14:hiddenLine xmlns:a14="http://schemas.microsoft.com/office/drawing/2010/main" w="9525">
+                <a:solidFill>
+                  <a:schemeClr val="tx1"/>
+                </a:solidFill>
+                <a:miter lim="800000"/>
+                <a:headEnd/>
+                <a:tailEnd/>
+              </a14:hiddenLine>
+            </a:ext>
+            <a:ext uri="{AF507438-7753-43E0-B8FC-AC1667EBCBE1}">
+              <a14:hiddenEffects xmlns:a14="http://schemas.microsoft.com/office/drawing/2010/main">
+                <a:effectLst>
+                  <a:outerShdw dist="35921" dir="2700000" algn="ctr" rotWithShape="0">
+                    <a:schemeClr val="bg2"/>
+                  </a:outerShdw>
+                </a:effectLst>
+              </a14:hiddenEffects>
+            </a:ext>
+          </a:extLst>
+        </p:spPr>
+      </p:pic>
+      <p:sp>
+        <p:nvSpPr>
+          <p:cNvPr id="4" name="Footer Placeholder 3"/>
+          <p:cNvSpPr>
+            <a:spLocks noGrp="1"/>
+          </p:cNvSpPr>
+          <p:nvPr>
+            <p:ph type="ftr" sz="quarter" idx="11"/>
+          </p:nvPr>
+        </p:nvSpPr>
+        <p:spPr/>
+        <p:txBody>
+          <a:bodyPr/>
+          <a:lstStyle/>
+          <a:p>
+            <a:r>
+              <a:rPr lang="en-US" smtClean="0"/>
+              <a:t>Syed Awn Ali</a:t>
+            </a:r>
+            <a:endParaRPr lang="en-US"/>
+          </a:p>
+        </p:txBody>
+      </p:sp>
+    </p:spTree>
+    <p:extLst>
+      <p:ext uri="{BB962C8B-B14F-4D97-AF65-F5344CB8AC3E}">
+        <p14:creationId xmlns:p14="http://schemas.microsoft.com/office/powerpoint/2010/main" val="3040627240"/>
+      </p:ext>
+    </p:extLst>
+  </p:cSld>
+  <p:clrMapOvr>
+    <a:masterClrMapping/>
+  </p:clrMapOvr>
+  <p:timing>
+    <p:tnLst>
+      <p:par>
+        <p:cTn id="1" dur="indefinite" restart="never" nodeType="tmRoot"/>
+      </p:par>
+    </p:tnLst>
+  </p:timing>
+</p:sld>
+</file>
+
+<file path=ppt/slides/slide24.xml><?xml version="1.0" encoding="utf-8"?>
+<p:sld xmlns:a="http://schemas.openxmlformats.org/drawingml/2006/main" xmlns:r="http://schemas.openxmlformats.org/officeDocument/2006/relationships" xmlns:p="http://schemas.openxmlformats.org/presentationml/2006/main">
+  <p:cSld>
+    <p:spTree>
+      <p:nvGrpSpPr>
+        <p:cNvPr id="1" name=""/>
+        <p:cNvGrpSpPr/>
+        <p:nvPr/>
+      </p:nvGrpSpPr>
+      <p:grpSpPr>
+        <a:xfrm>
+          <a:off x="0" y="0"/>
+          <a:ext cx="0" cy="0"/>
+          <a:chOff x="0" y="0"/>
+          <a:chExt cx="0" cy="0"/>
+        </a:xfrm>
+      </p:grpSpPr>
+      <p:sp>
+        <p:nvSpPr>
+          <p:cNvPr id="2" name="Title 1"/>
+          <p:cNvSpPr>
+            <a:spLocks noGrp="1"/>
+          </p:cNvSpPr>
+          <p:nvPr>
+            <p:ph type="title"/>
+          </p:nvPr>
+        </p:nvSpPr>
+        <p:spPr/>
+        <p:txBody>
+          <a:bodyPr>
+            <a:normAutofit/>
+          </a:bodyPr>
+          <a:lstStyle/>
+          <a:p>
+            <a:r>
+              <a:rPr lang="en-US" b="1" dirty="0"/>
+              <a:t>One-to-Many </a:t>
+            </a:r>
+            <a:r>
+              <a:rPr lang="en-US" b="1" dirty="0" smtClean="0"/>
+              <a:t>Relationship</a:t>
+            </a:r>
+            <a:endParaRPr lang="en-US" dirty="0"/>
+          </a:p>
+        </p:txBody>
+      </p:sp>
+      <p:pic>
+        <p:nvPicPr>
+          <p:cNvPr id="1026" name="Picture 2"/>
+          <p:cNvPicPr>
+            <a:picLocks noChangeAspect="1" noChangeArrowheads="1"/>
+          </p:cNvPicPr>
+          <p:nvPr/>
+        </p:nvPicPr>
+        <p:blipFill>
+          <a:blip r:embed="rId2">
+            <a:extLst>
+              <a:ext uri="{28A0092B-C50C-407E-A947-70E740481C1C}">
+                <a14:useLocalDpi xmlns:a14="http://schemas.microsoft.com/office/drawing/2010/main" val="0"/>
+              </a:ext>
+            </a:extLst>
+          </a:blip>
+          <a:srcRect/>
+          <a:stretch>
+            <a:fillRect/>
+          </a:stretch>
+        </p:blipFill>
+        <p:spPr bwMode="auto">
+          <a:xfrm>
+            <a:off x="2342717" y="1600200"/>
+            <a:ext cx="4486275" cy="4895850"/>
+          </a:xfrm>
+          <a:prstGeom prst="rect">
+            <a:avLst/>
+          </a:prstGeom>
+          <a:noFill/>
+          <a:ln>
+            <a:noFill/>
+          </a:ln>
+          <a:effectLst/>
+          <a:extLst>
+            <a:ext uri="{909E8E84-426E-40DD-AFC4-6F175D3DCCD1}">
+              <a14:hiddenFill xmlns:a14="http://schemas.microsoft.com/office/drawing/2010/main">
+                <a:solidFill>
+                  <a:schemeClr val="accent1"/>
+                </a:solidFill>
+              </a14:hiddenFill>
+            </a:ext>
+            <a:ext uri="{91240B29-F687-4F45-9708-019B960494DF}">
+              <a14:hiddenLine xmlns:a14="http://schemas.microsoft.com/office/drawing/2010/main" w="9525">
+                <a:solidFill>
+                  <a:schemeClr val="tx1"/>
+                </a:solidFill>
+                <a:miter lim="800000"/>
+                <a:headEnd/>
+                <a:tailEnd/>
+              </a14:hiddenLine>
+            </a:ext>
+            <a:ext uri="{AF507438-7753-43E0-B8FC-AC1667EBCBE1}">
+              <a14:hiddenEffects xmlns:a14="http://schemas.microsoft.com/office/drawing/2010/main">
+                <a:effectLst>
+                  <a:outerShdw dist="35921" dir="2700000" algn="ctr" rotWithShape="0">
+                    <a:schemeClr val="bg2"/>
+                  </a:outerShdw>
+                </a:effectLst>
+              </a14:hiddenEffects>
+            </a:ext>
+          </a:extLst>
+        </p:spPr>
+      </p:pic>
+      <p:sp>
+        <p:nvSpPr>
+          <p:cNvPr id="4" name="Footer Placeholder 3"/>
+          <p:cNvSpPr>
+            <a:spLocks noGrp="1"/>
+          </p:cNvSpPr>
+          <p:nvPr>
+            <p:ph type="ftr" sz="quarter" idx="11"/>
+          </p:nvPr>
+        </p:nvSpPr>
+        <p:spPr/>
+        <p:txBody>
+          <a:bodyPr/>
+          <a:lstStyle/>
+          <a:p>
+            <a:r>
+              <a:rPr lang="en-US" smtClean="0"/>
+              <a:t>Syed Awn Ali</a:t>
+            </a:r>
+            <a:endParaRPr lang="en-US"/>
+          </a:p>
+        </p:txBody>
+      </p:sp>
+    </p:spTree>
+    <p:extLst>
+      <p:ext uri="{BB962C8B-B14F-4D97-AF65-F5344CB8AC3E}">
+        <p14:creationId xmlns:p14="http://schemas.microsoft.com/office/powerpoint/2010/main" val="3752391782"/>
+      </p:ext>
+    </p:extLst>
+  </p:cSld>
+  <p:clrMapOvr>
+    <a:masterClrMapping/>
+  </p:clrMapOvr>
+  <p:timing>
+    <p:tnLst>
+      <p:par>
+        <p:cTn id="1" dur="indefinite" restart="never" nodeType="tmRoot"/>
+      </p:par>
+    </p:tnLst>
+  </p:timing>
+</p:sld>
+</file>
+
+<file path=ppt/slides/slide25.xml><?xml version="1.0" encoding="utf-8"?>
+<p:sld xmlns:a="http://schemas.openxmlformats.org/drawingml/2006/main" xmlns:r="http://schemas.openxmlformats.org/officeDocument/2006/relationships" xmlns:p="http://schemas.openxmlformats.org/presentationml/2006/main">
+  <p:cSld>
+    <p:spTree>
+      <p:nvGrpSpPr>
+        <p:cNvPr id="1" name=""/>
+        <p:cNvGrpSpPr/>
+        <p:nvPr/>
+      </p:nvGrpSpPr>
+      <p:grpSpPr>
+        <a:xfrm>
+          <a:off x="0" y="0"/>
+          <a:ext cx="0" cy="0"/>
+          <a:chOff x="0" y="0"/>
+          <a:chExt cx="0" cy="0"/>
+        </a:xfrm>
+      </p:grpSpPr>
+      <p:sp>
+        <p:nvSpPr>
+          <p:cNvPr id="2" name="Title 1"/>
+          <p:cNvSpPr>
+            <a:spLocks noGrp="1"/>
+          </p:cNvSpPr>
+          <p:nvPr>
+            <p:ph type="title"/>
+          </p:nvPr>
+        </p:nvSpPr>
+        <p:spPr/>
+        <p:txBody>
+          <a:bodyPr/>
+          <a:lstStyle/>
+          <a:p>
+            <a:r>
+              <a:rPr lang="en-US" b="1" dirty="0"/>
+              <a:t>Many-to-Many </a:t>
+            </a:r>
+            <a:r>
+              <a:rPr lang="en-US" b="1" dirty="0" smtClean="0"/>
+              <a:t>Relationship</a:t>
+            </a:r>
+            <a:endParaRPr lang="en-US" dirty="0"/>
+          </a:p>
+        </p:txBody>
+      </p:sp>
+      <p:sp>
+        <p:nvSpPr>
+          <p:cNvPr id="3" name="Content Placeholder 2"/>
+          <p:cNvSpPr>
+            <a:spLocks noGrp="1"/>
+          </p:cNvSpPr>
+          <p:nvPr>
+            <p:ph idx="1"/>
+          </p:nvPr>
+        </p:nvSpPr>
+        <p:spPr/>
+        <p:txBody>
+          <a:bodyPr/>
+          <a:lstStyle/>
+          <a:p>
+            <a:endParaRPr lang="en-US" dirty="0"/>
+          </a:p>
+        </p:txBody>
+      </p:sp>
+      <p:pic>
+        <p:nvPicPr>
+          <p:cNvPr id="17410" name="Picture 2"/>
+          <p:cNvPicPr>
+            <a:picLocks noChangeAspect="1" noChangeArrowheads="1"/>
+          </p:cNvPicPr>
+          <p:nvPr/>
+        </p:nvPicPr>
+        <p:blipFill>
+          <a:blip r:embed="rId2">
+            <a:extLst>
+              <a:ext uri="{28A0092B-C50C-407E-A947-70E740481C1C}">
+                <a14:useLocalDpi xmlns:a14="http://schemas.microsoft.com/office/drawing/2010/main" val="0"/>
+              </a:ext>
+            </a:extLst>
+          </a:blip>
+          <a:srcRect/>
+          <a:stretch>
+            <a:fillRect/>
+          </a:stretch>
+        </p:blipFill>
+        <p:spPr bwMode="auto">
+          <a:xfrm>
+            <a:off x="1905433" y="1524000"/>
+            <a:ext cx="5305425" cy="5153025"/>
+          </a:xfrm>
+          <a:prstGeom prst="rect">
+            <a:avLst/>
+          </a:prstGeom>
+          <a:noFill/>
+          <a:ln>
+            <a:noFill/>
+          </a:ln>
+          <a:effectLst/>
+          <a:extLst>
+            <a:ext uri="{909E8E84-426E-40DD-AFC4-6F175D3DCCD1}">
+              <a14:hiddenFill xmlns:a14="http://schemas.microsoft.com/office/drawing/2010/main">
+                <a:solidFill>
+                  <a:schemeClr val="accent1"/>
+                </a:solidFill>
+              </a14:hiddenFill>
+            </a:ext>
+            <a:ext uri="{91240B29-F687-4F45-9708-019B960494DF}">
+              <a14:hiddenLine xmlns:a14="http://schemas.microsoft.com/office/drawing/2010/main" w="9525">
+                <a:solidFill>
+                  <a:schemeClr val="tx1"/>
+                </a:solidFill>
+                <a:miter lim="800000"/>
+                <a:headEnd/>
+                <a:tailEnd/>
+              </a14:hiddenLine>
+            </a:ext>
+            <a:ext uri="{AF507438-7753-43E0-B8FC-AC1667EBCBE1}">
+              <a14:hiddenEffects xmlns:a14="http://schemas.microsoft.com/office/drawing/2010/main">
+                <a:effectLst>
+                  <a:outerShdw dist="35921" dir="2700000" algn="ctr" rotWithShape="0">
+                    <a:schemeClr val="bg2"/>
+                  </a:outerShdw>
+                </a:effectLst>
+              </a14:hiddenEffects>
+            </a:ext>
+          </a:extLst>
+        </p:spPr>
+      </p:pic>
+      <p:sp>
+        <p:nvSpPr>
+          <p:cNvPr id="4" name="Footer Placeholder 3"/>
+          <p:cNvSpPr>
+            <a:spLocks noGrp="1"/>
+          </p:cNvSpPr>
+          <p:nvPr>
+            <p:ph type="ftr" sz="quarter" idx="11"/>
+          </p:nvPr>
+        </p:nvSpPr>
+        <p:spPr/>
+        <p:txBody>
+          <a:bodyPr/>
+          <a:lstStyle/>
+          <a:p>
+            <a:r>
+              <a:rPr lang="en-US" smtClean="0"/>
+              <a:t>Syed Awn Ali</a:t>
+            </a:r>
+            <a:endParaRPr lang="en-US"/>
+          </a:p>
+        </p:txBody>
+      </p:sp>
+    </p:spTree>
+    <p:extLst>
+      <p:ext uri="{BB962C8B-B14F-4D97-AF65-F5344CB8AC3E}">
+        <p14:creationId xmlns:p14="http://schemas.microsoft.com/office/powerpoint/2010/main" val="4191920078"/>
+      </p:ext>
+    </p:extLst>
+  </p:cSld>
+  <p:clrMapOvr>
+    <a:masterClrMapping/>
+  </p:clrMapOvr>
+  <p:timing>
+    <p:tnLst>
+      <p:par>
+        <p:cTn id="1" dur="indefinite" restart="never" nodeType="tmRoot"/>
+      </p:par>
+    </p:tnLst>
+  </p:timing>
+</p:sld>
+</file>
+
+<file path=ppt/slides/slide26.xml><?xml version="1.0" encoding="utf-8"?>
+<p:sld xmlns:a="http://schemas.openxmlformats.org/drawingml/2006/main" xmlns:r="http://schemas.openxmlformats.org/officeDocument/2006/relationships" xmlns:p="http://schemas.openxmlformats.org/presentationml/2006/main">
+  <p:cSld>
+    <p:spTree>
+      <p:nvGrpSpPr>
+        <p:cNvPr id="1" name=""/>
+        <p:cNvGrpSpPr/>
+        <p:nvPr/>
+      </p:nvGrpSpPr>
+      <p:grpSpPr>
+        <a:xfrm>
+          <a:off x="0" y="0"/>
+          <a:ext cx="0" cy="0"/>
+          <a:chOff x="0" y="0"/>
+          <a:chExt cx="0" cy="0"/>
+        </a:xfrm>
+      </p:grpSpPr>
+      <p:sp>
+        <p:nvSpPr>
+          <p:cNvPr id="2" name="Title 1"/>
+          <p:cNvSpPr>
+            <a:spLocks noGrp="1"/>
+          </p:cNvSpPr>
+          <p:nvPr>
+            <p:ph type="title"/>
+          </p:nvPr>
+        </p:nvSpPr>
+        <p:spPr/>
+        <p:txBody>
+          <a:bodyPr>
+            <a:normAutofit/>
+          </a:bodyPr>
+          <a:lstStyle/>
+          <a:p>
+            <a:r>
+              <a:rPr lang="en-US" b="1" dirty="0"/>
+              <a:t>Migration in </a:t>
+            </a:r>
+            <a:r>
+              <a:rPr lang="en-US" b="1" dirty="0" smtClean="0"/>
+              <a:t>Code-First</a:t>
+            </a:r>
+            <a:endParaRPr lang="en-US" dirty="0"/>
+          </a:p>
+        </p:txBody>
+      </p:sp>
+      <p:sp>
+        <p:nvSpPr>
+          <p:cNvPr id="3" name="Content Placeholder 2"/>
+          <p:cNvSpPr>
+            <a:spLocks noGrp="1"/>
+          </p:cNvSpPr>
+          <p:nvPr>
+            <p:ph idx="1"/>
+          </p:nvPr>
+        </p:nvSpPr>
+        <p:spPr/>
+        <p:txBody>
+          <a:bodyPr>
+            <a:normAutofit lnSpcReduction="10000"/>
+          </a:bodyPr>
+          <a:lstStyle/>
+          <a:p>
+            <a:r>
+              <a:rPr lang="en-US" dirty="0"/>
+              <a:t>D</a:t>
+            </a:r>
+            <a:r>
+              <a:rPr lang="en-US" dirty="0" smtClean="0"/>
+              <a:t>atabase </a:t>
+            </a:r>
+            <a:r>
+              <a:rPr lang="en-US" dirty="0"/>
+              <a:t>initialization </a:t>
+            </a:r>
+            <a:r>
+              <a:rPr lang="en-US" dirty="0" smtClean="0"/>
+              <a:t>strategies:</a:t>
+            </a:r>
+          </a:p>
+          <a:p>
+            <a:pPr lvl="1"/>
+            <a:r>
+              <a:rPr lang="en-US" dirty="0" err="1" smtClean="0"/>
+              <a:t>CreateDatabaseIfNotExists</a:t>
+            </a:r>
+            <a:endParaRPr lang="en-US" dirty="0" smtClean="0"/>
+          </a:p>
+          <a:p>
+            <a:pPr lvl="1"/>
+            <a:r>
+              <a:rPr lang="en-US" dirty="0" err="1"/>
+              <a:t>DropCreateDatabaseIfModelChanges</a:t>
+            </a:r>
+            <a:r>
+              <a:rPr lang="en-US" dirty="0"/>
+              <a:t> </a:t>
+            </a:r>
+            <a:endParaRPr lang="en-US" dirty="0" smtClean="0"/>
+          </a:p>
+          <a:p>
+            <a:pPr lvl="1"/>
+            <a:r>
+              <a:rPr lang="en-US" dirty="0" err="1" smtClean="0"/>
+              <a:t>DropCreateDatabaseAlways</a:t>
+            </a:r>
+            <a:endParaRPr lang="en-US" dirty="0" smtClean="0"/>
+          </a:p>
+          <a:p>
+            <a:r>
+              <a:rPr lang="en-US" dirty="0" smtClean="0"/>
+              <a:t>Problem:</a:t>
+            </a:r>
+          </a:p>
+          <a:p>
+            <a:pPr lvl="1"/>
+            <a:r>
+              <a:rPr lang="en-US" dirty="0"/>
+              <a:t>A</a:t>
+            </a:r>
+            <a:r>
+              <a:rPr lang="en-US" dirty="0" smtClean="0"/>
+              <a:t>lready </a:t>
+            </a:r>
+            <a:r>
+              <a:rPr lang="en-US" dirty="0"/>
+              <a:t>have </a:t>
+            </a:r>
+            <a:r>
+              <a:rPr lang="en-US" dirty="0" smtClean="0"/>
+              <a:t>data</a:t>
+            </a:r>
+          </a:p>
+          <a:p>
+            <a:pPr lvl="1"/>
+            <a:r>
+              <a:rPr lang="en-US" dirty="0"/>
+              <a:t>E</a:t>
+            </a:r>
+            <a:r>
+              <a:rPr lang="en-US" dirty="0" smtClean="0"/>
+              <a:t>xisting </a:t>
+            </a:r>
+            <a:r>
+              <a:rPr lang="en-US" dirty="0"/>
+              <a:t>Stored </a:t>
+            </a:r>
+            <a:r>
+              <a:rPr lang="en-US" dirty="0" smtClean="0"/>
+              <a:t>Procedures</a:t>
+            </a:r>
+            <a:endParaRPr lang="en-US" dirty="0"/>
+          </a:p>
+          <a:p>
+            <a:pPr lvl="1"/>
+            <a:r>
+              <a:rPr lang="en-US" dirty="0"/>
+              <a:t>T</a:t>
+            </a:r>
+            <a:r>
+              <a:rPr lang="en-US" dirty="0" smtClean="0"/>
+              <a:t>riggers</a:t>
+            </a:r>
+            <a:r>
+              <a:rPr lang="en-US" dirty="0"/>
+              <a:t> </a:t>
+            </a:r>
+            <a:endParaRPr lang="en-US" dirty="0" smtClean="0"/>
+          </a:p>
+          <a:p>
+            <a:r>
+              <a:rPr lang="en-US" dirty="0" smtClean="0"/>
+              <a:t>Kinds </a:t>
+            </a:r>
+            <a:r>
+              <a:rPr lang="en-US" dirty="0"/>
+              <a:t>of </a:t>
+            </a:r>
+            <a:r>
+              <a:rPr lang="en-US" dirty="0" smtClean="0"/>
+              <a:t>Migration:</a:t>
+            </a:r>
+          </a:p>
+          <a:p>
+            <a:pPr lvl="1"/>
+            <a:r>
+              <a:rPr lang="en-US" dirty="0"/>
+              <a:t>Automated Migration</a:t>
+            </a:r>
+          </a:p>
+          <a:p>
+            <a:pPr lvl="1"/>
+            <a:r>
+              <a:rPr lang="en-US" dirty="0"/>
+              <a:t>Code based Migration</a:t>
+            </a:r>
+          </a:p>
+          <a:p>
+            <a:pPr lvl="1"/>
+            <a:endParaRPr lang="en-US" dirty="0" smtClean="0"/>
+          </a:p>
+          <a:p>
+            <a:endParaRPr lang="en-US" dirty="0"/>
+          </a:p>
+        </p:txBody>
+      </p:sp>
+      <p:sp>
+        <p:nvSpPr>
+          <p:cNvPr id="4" name="Footer Placeholder 3"/>
+          <p:cNvSpPr>
+            <a:spLocks noGrp="1"/>
+          </p:cNvSpPr>
+          <p:nvPr>
+            <p:ph type="ftr" sz="quarter" idx="11"/>
+          </p:nvPr>
+        </p:nvSpPr>
+        <p:spPr/>
+        <p:txBody>
+          <a:bodyPr/>
+          <a:lstStyle/>
+          <a:p>
+            <a:r>
+              <a:rPr lang="en-US" smtClean="0"/>
+              <a:t>Syed Awn Ali</a:t>
+            </a:r>
+            <a:endParaRPr lang="en-US"/>
+          </a:p>
+        </p:txBody>
+      </p:sp>
+    </p:spTree>
+    <p:extLst>
+      <p:ext uri="{BB962C8B-B14F-4D97-AF65-F5344CB8AC3E}">
+        <p14:creationId xmlns:p14="http://schemas.microsoft.com/office/powerpoint/2010/main" val="1935074539"/>
+      </p:ext>
+    </p:extLst>
+  </p:cSld>
+  <p:clrMapOvr>
+    <a:masterClrMapping/>
+  </p:clrMapOvr>
+  <p:timing>
+    <p:tnLst>
+      <p:par>
+        <p:cTn id="1" dur="indefinite" restart="never" nodeType="tmRoot"/>
+      </p:par>
+    </p:tnLst>
+  </p:timing>
+</p:sld>
+</file>
+
+<file path=ppt/slides/slide27.xml><?xml version="1.0" encoding="utf-8"?>
+<p:sld xmlns:a="http://schemas.openxmlformats.org/drawingml/2006/main" xmlns:r="http://schemas.openxmlformats.org/officeDocument/2006/relationships" xmlns:p="http://schemas.openxmlformats.org/presentationml/2006/main">
+  <p:cSld>
+    <p:spTree>
+      <p:nvGrpSpPr>
+        <p:cNvPr id="1" name=""/>
+        <p:cNvGrpSpPr/>
+        <p:nvPr/>
+      </p:nvGrpSpPr>
+      <p:grpSpPr>
+        <a:xfrm>
+          <a:off x="0" y="0"/>
+          <a:ext cx="0" cy="0"/>
+          <a:chOff x="0" y="0"/>
+          <a:chExt cx="0" cy="0"/>
+        </a:xfrm>
+      </p:grpSpPr>
+      <p:sp>
+        <p:nvSpPr>
+          <p:cNvPr id="2" name="Title 1"/>
+          <p:cNvSpPr>
+            <a:spLocks noGrp="1"/>
+          </p:cNvSpPr>
+          <p:nvPr>
+            <p:ph type="title"/>
+          </p:nvPr>
+        </p:nvSpPr>
+        <p:spPr/>
+        <p:txBody>
+          <a:bodyPr>
+            <a:normAutofit/>
+          </a:bodyPr>
+          <a:lstStyle/>
+          <a:p>
+            <a:r>
+              <a:rPr lang="en-US" dirty="0"/>
+              <a:t>Automated </a:t>
+            </a:r>
+            <a:r>
+              <a:rPr lang="en-US" dirty="0" smtClean="0"/>
+              <a:t>Migration</a:t>
+            </a:r>
+            <a:endParaRPr lang="en-US" dirty="0"/>
+          </a:p>
+        </p:txBody>
+      </p:sp>
+      <p:sp>
+        <p:nvSpPr>
+          <p:cNvPr id="3" name="Content Placeholder 2"/>
+          <p:cNvSpPr>
+            <a:spLocks noGrp="1"/>
+          </p:cNvSpPr>
+          <p:nvPr>
+            <p:ph idx="1"/>
+          </p:nvPr>
+        </p:nvSpPr>
+        <p:spPr/>
+        <p:txBody>
+          <a:bodyPr>
+            <a:normAutofit fontScale="92500"/>
+          </a:bodyPr>
+          <a:lstStyle/>
+          <a:p>
+            <a:pPr marL="274320" lvl="1">
+              <a:buClr>
+                <a:schemeClr val="accent1"/>
+              </a:buClr>
+              <a:buSzPct val="85000"/>
+              <a:buFont typeface="Wingdings 2"/>
+              <a:buChar char=""/>
+            </a:pPr>
+            <a:r>
+              <a:rPr lang="en-US" dirty="0"/>
+              <a:t>D</a:t>
+            </a:r>
+            <a:r>
+              <a:rPr lang="en-US" dirty="0" smtClean="0"/>
+              <a:t>on’t </a:t>
+            </a:r>
+            <a:r>
+              <a:rPr lang="en-US" dirty="0"/>
+              <a:t>have to maintain database migration manually in code </a:t>
+            </a:r>
+            <a:r>
+              <a:rPr lang="en-US" dirty="0" smtClean="0"/>
+              <a:t>file</a:t>
+            </a:r>
+          </a:p>
+          <a:p>
+            <a:pPr marL="274320" lvl="1">
+              <a:buClr>
+                <a:schemeClr val="accent1"/>
+              </a:buClr>
+              <a:buSzPct val="85000"/>
+              <a:buFont typeface="Wingdings 2"/>
+              <a:buChar char=""/>
+            </a:pPr>
+            <a:r>
+              <a:rPr lang="en-US" dirty="0" smtClean="0"/>
+              <a:t>Process:</a:t>
+            </a:r>
+          </a:p>
+          <a:p>
+            <a:pPr marL="548640" lvl="2">
+              <a:buClr>
+                <a:schemeClr val="accent1"/>
+              </a:buClr>
+              <a:buSzPct val="85000"/>
+              <a:buFont typeface="Wingdings 2"/>
+              <a:buChar char=""/>
+            </a:pPr>
+            <a:r>
+              <a:rPr lang="en-US" dirty="0" err="1" smtClean="0"/>
+              <a:t>Comman</a:t>
+            </a:r>
+            <a:r>
+              <a:rPr lang="en-US" dirty="0" smtClean="0"/>
+              <a:t>: enable-migrations </a:t>
+            </a:r>
+            <a:r>
+              <a:rPr lang="en-US" dirty="0"/>
+              <a:t>–</a:t>
+            </a:r>
+            <a:r>
+              <a:rPr lang="en-US" dirty="0" err="1"/>
+              <a:t>EnableAutomaticMigration</a:t>
+            </a:r>
+            <a:r>
+              <a:rPr lang="en-US" dirty="0"/>
+              <a:t>:$</a:t>
+            </a:r>
+            <a:r>
+              <a:rPr lang="en-US" dirty="0" smtClean="0"/>
+              <a:t>true</a:t>
+            </a:r>
+          </a:p>
+          <a:p>
+            <a:pPr marL="548640" lvl="2">
+              <a:buClr>
+                <a:schemeClr val="accent1"/>
+              </a:buClr>
+              <a:buSzPct val="85000"/>
+              <a:buFont typeface="Wingdings 2"/>
+              <a:buChar char=""/>
+            </a:pPr>
+            <a:endParaRPr lang="en-US" dirty="0"/>
+          </a:p>
+          <a:p>
+            <a:pPr marL="548640" lvl="2">
+              <a:buClr>
+                <a:schemeClr val="accent1"/>
+              </a:buClr>
+              <a:buSzPct val="85000"/>
+              <a:buFont typeface="Wingdings 2"/>
+              <a:buChar char=""/>
+            </a:pPr>
+            <a:endParaRPr lang="en-US" dirty="0" smtClean="0"/>
+          </a:p>
+          <a:p>
+            <a:pPr marL="548640" lvl="2">
+              <a:buClr>
+                <a:schemeClr val="accent1"/>
+              </a:buClr>
+              <a:buSzPct val="85000"/>
+              <a:buFont typeface="Wingdings 2"/>
+              <a:buChar char=""/>
+            </a:pPr>
+            <a:endParaRPr lang="en-US" dirty="0"/>
+          </a:p>
+          <a:p>
+            <a:pPr marL="548640" lvl="2">
+              <a:buClr>
+                <a:schemeClr val="accent1"/>
+              </a:buClr>
+              <a:buSzPct val="85000"/>
+              <a:buFont typeface="Wingdings 2"/>
+              <a:buChar char=""/>
+            </a:pPr>
+            <a:endParaRPr lang="en-US" dirty="0" smtClean="0"/>
+          </a:p>
+          <a:p>
+            <a:pPr marL="548640" lvl="2">
+              <a:buClr>
+                <a:schemeClr val="accent1"/>
+              </a:buClr>
+              <a:buSzPct val="85000"/>
+              <a:buFont typeface="Wingdings 2"/>
+              <a:buChar char=""/>
+            </a:pPr>
+            <a:endParaRPr lang="en-US" dirty="0"/>
+          </a:p>
+          <a:p>
+            <a:pPr marL="548640" lvl="2">
+              <a:buClr>
+                <a:schemeClr val="accent1"/>
+              </a:buClr>
+              <a:buSzPct val="85000"/>
+              <a:buFont typeface="Wingdings 2"/>
+              <a:buChar char=""/>
+            </a:pPr>
+            <a:endParaRPr lang="en-US" dirty="0" smtClean="0"/>
+          </a:p>
+          <a:p>
+            <a:pPr marL="548640" lvl="2">
+              <a:buClr>
+                <a:schemeClr val="accent1"/>
+              </a:buClr>
+              <a:buSzPct val="85000"/>
+              <a:buFont typeface="Wingdings 2"/>
+              <a:buChar char=""/>
+            </a:pPr>
+            <a:endParaRPr lang="en-US" dirty="0"/>
+          </a:p>
+          <a:p>
+            <a:pPr marL="548640" lvl="2">
+              <a:buClr>
+                <a:schemeClr val="accent1"/>
+              </a:buClr>
+              <a:buSzPct val="85000"/>
+              <a:buFont typeface="Wingdings 2"/>
+              <a:buChar char=""/>
+            </a:pPr>
+            <a:r>
+              <a:rPr lang="en-US" dirty="0"/>
+              <a:t>N</a:t>
+            </a:r>
+            <a:r>
+              <a:rPr lang="en-US" dirty="0" smtClean="0"/>
+              <a:t>eed </a:t>
+            </a:r>
+            <a:r>
+              <a:rPr lang="en-US" dirty="0"/>
+              <a:t>to set the database </a:t>
+            </a:r>
+            <a:r>
+              <a:rPr lang="en-US" dirty="0" smtClean="0"/>
+              <a:t>initializer</a:t>
+            </a:r>
+          </a:p>
+          <a:p>
+            <a:pPr marL="548640" lvl="2">
+              <a:buClr>
+                <a:schemeClr val="accent1"/>
+              </a:buClr>
+              <a:buSzPct val="85000"/>
+              <a:buFont typeface="Wingdings 2"/>
+              <a:buChar char=""/>
+            </a:pPr>
+            <a:r>
+              <a:rPr lang="en-US" dirty="0"/>
+              <a:t>Run the application and see the created database </a:t>
+            </a:r>
+            <a:endParaRPr lang="en-US" dirty="0" smtClean="0"/>
+          </a:p>
+          <a:p>
+            <a:pPr marL="548640" lvl="2">
+              <a:buClr>
+                <a:schemeClr val="accent1"/>
+              </a:buClr>
+              <a:buSzPct val="85000"/>
+              <a:buFont typeface="Wingdings 2"/>
+              <a:buChar char=""/>
+            </a:pPr>
+            <a:r>
+              <a:rPr lang="en-US" dirty="0"/>
+              <a:t>S</a:t>
+            </a:r>
+            <a:r>
+              <a:rPr lang="en-US" dirty="0" smtClean="0"/>
+              <a:t>ystem </a:t>
+            </a:r>
+            <a:r>
+              <a:rPr lang="en-US" dirty="0"/>
+              <a:t>table __</a:t>
+            </a:r>
+            <a:r>
+              <a:rPr lang="en-US" dirty="0" err="1"/>
+              <a:t>MigrationHistory</a:t>
+            </a:r>
+            <a:endParaRPr lang="en-US" dirty="0" smtClean="0"/>
+          </a:p>
+          <a:p>
+            <a:pPr marL="548640" lvl="2">
+              <a:buClr>
+                <a:schemeClr val="accent1"/>
+              </a:buClr>
+              <a:buSzPct val="85000"/>
+              <a:buFont typeface="Wingdings 2"/>
+              <a:buChar char=""/>
+            </a:pPr>
+            <a:endParaRPr lang="en-US" dirty="0" smtClean="0"/>
+          </a:p>
+          <a:p>
+            <a:pPr marL="548640" lvl="2">
+              <a:buClr>
+                <a:schemeClr val="accent1"/>
+              </a:buClr>
+              <a:buSzPct val="85000"/>
+              <a:buFont typeface="Wingdings 2"/>
+              <a:buChar char=""/>
+            </a:pPr>
+            <a:endParaRPr lang="en-US" dirty="0"/>
+          </a:p>
+        </p:txBody>
+      </p:sp>
+      <p:pic>
+        <p:nvPicPr>
+          <p:cNvPr id="18434" name="Picture 2"/>
+          <p:cNvPicPr>
+            <a:picLocks noChangeAspect="1" noChangeArrowheads="1"/>
+          </p:cNvPicPr>
+          <p:nvPr/>
+        </p:nvPicPr>
+        <p:blipFill>
+          <a:blip r:embed="rId2">
+            <a:extLst>
+              <a:ext uri="{28A0092B-C50C-407E-A947-70E740481C1C}">
+                <a14:useLocalDpi xmlns:a14="http://schemas.microsoft.com/office/drawing/2010/main" val="0"/>
+              </a:ext>
+            </a:extLst>
+          </a:blip>
+          <a:srcRect/>
+          <a:stretch>
+            <a:fillRect/>
+          </a:stretch>
+        </p:blipFill>
+        <p:spPr bwMode="auto">
+          <a:xfrm>
+            <a:off x="533400" y="2971800"/>
+            <a:ext cx="7154521" cy="2133601"/>
+          </a:xfrm>
+          <a:prstGeom prst="rect">
+            <a:avLst/>
+          </a:prstGeom>
+          <a:noFill/>
+          <a:ln>
+            <a:noFill/>
+          </a:ln>
+          <a:effectLst/>
+          <a:extLst>
+            <a:ext uri="{909E8E84-426E-40DD-AFC4-6F175D3DCCD1}">
+              <a14:hiddenFill xmlns:a14="http://schemas.microsoft.com/office/drawing/2010/main">
+                <a:solidFill>
+                  <a:schemeClr val="accent1"/>
+                </a:solidFill>
+              </a14:hiddenFill>
+            </a:ext>
+            <a:ext uri="{91240B29-F687-4F45-9708-019B960494DF}">
+              <a14:hiddenLine xmlns:a14="http://schemas.microsoft.com/office/drawing/2010/main" w="9525">
+                <a:solidFill>
+                  <a:schemeClr val="tx1"/>
+                </a:solidFill>
+                <a:miter lim="800000"/>
+                <a:headEnd/>
+                <a:tailEnd/>
+              </a14:hiddenLine>
+            </a:ext>
+            <a:ext uri="{AF507438-7753-43E0-B8FC-AC1667EBCBE1}">
+              <a14:hiddenEffects xmlns:a14="http://schemas.microsoft.com/office/drawing/2010/main">
+                <a:effectLst>
+                  <a:outerShdw dist="35921" dir="2700000" algn="ctr" rotWithShape="0">
+                    <a:schemeClr val="bg2"/>
+                  </a:outerShdw>
+                </a:effectLst>
+              </a14:hiddenEffects>
+            </a:ext>
+          </a:extLst>
+        </p:spPr>
+      </p:pic>
+      <p:sp>
+        <p:nvSpPr>
+          <p:cNvPr id="4" name="Footer Placeholder 3"/>
+          <p:cNvSpPr>
+            <a:spLocks noGrp="1"/>
+          </p:cNvSpPr>
+          <p:nvPr>
+            <p:ph type="ftr" sz="quarter" idx="11"/>
+          </p:nvPr>
+        </p:nvSpPr>
+        <p:spPr/>
+        <p:txBody>
+          <a:bodyPr/>
+          <a:lstStyle/>
+          <a:p>
+            <a:r>
+              <a:rPr lang="en-US" smtClean="0"/>
+              <a:t>Syed Awn Ali</a:t>
+            </a:r>
+            <a:endParaRPr lang="en-US"/>
+          </a:p>
+        </p:txBody>
+      </p:sp>
+    </p:spTree>
+    <p:extLst>
+      <p:ext uri="{BB962C8B-B14F-4D97-AF65-F5344CB8AC3E}">
+        <p14:creationId xmlns:p14="http://schemas.microsoft.com/office/powerpoint/2010/main" val="3237747434"/>
+      </p:ext>
+    </p:extLst>
+  </p:cSld>
+  <p:clrMapOvr>
+    <a:masterClrMapping/>
+  </p:clrMapOvr>
+  <p:timing>
+    <p:tnLst>
+      <p:par>
+        <p:cTn id="1" dur="indefinite" restart="never" nodeType="tmRoot"/>
+      </p:par>
+    </p:tnLst>
+  </p:timing>
+</p:sld>
+</file>
+
+<file path=ppt/slides/slide28.xml><?xml version="1.0" encoding="utf-8"?>
+<p:sld xmlns:a="http://schemas.openxmlformats.org/drawingml/2006/main" xmlns:r="http://schemas.openxmlformats.org/officeDocument/2006/relationships" xmlns:p="http://schemas.openxmlformats.org/presentationml/2006/main">
+  <p:cSld>
+    <p:spTree>
+      <p:nvGrpSpPr>
+        <p:cNvPr id="1" name=""/>
+        <p:cNvGrpSpPr/>
+        <p:nvPr/>
+      </p:nvGrpSpPr>
+      <p:grpSpPr>
+        <a:xfrm>
+          <a:off x="0" y="0"/>
+          <a:ext cx="0" cy="0"/>
+          <a:chOff x="0" y="0"/>
+          <a:chExt cx="0" cy="0"/>
+        </a:xfrm>
+      </p:grpSpPr>
+      <p:sp>
+        <p:nvSpPr>
+          <p:cNvPr id="2" name="Title 1"/>
+          <p:cNvSpPr>
+            <a:spLocks noGrp="1"/>
+          </p:cNvSpPr>
+          <p:nvPr>
+            <p:ph type="title"/>
+          </p:nvPr>
+        </p:nvSpPr>
+        <p:spPr/>
+        <p:txBody>
+          <a:bodyPr/>
+          <a:lstStyle/>
+          <a:p>
+            <a:r>
+              <a:rPr lang="en-US" dirty="0"/>
+              <a:t>Automated Migration</a:t>
+            </a:r>
+          </a:p>
+        </p:txBody>
+      </p:sp>
+      <p:sp>
+        <p:nvSpPr>
+          <p:cNvPr id="3" name="Content Placeholder 2"/>
+          <p:cNvSpPr>
+            <a:spLocks noGrp="1"/>
+          </p:cNvSpPr>
+          <p:nvPr>
+            <p:ph idx="1"/>
+          </p:nvPr>
+        </p:nvSpPr>
+        <p:spPr/>
+        <p:txBody>
+          <a:bodyPr>
+            <a:normAutofit fontScale="92500" lnSpcReduction="20000"/>
+          </a:bodyPr>
+          <a:lstStyle/>
+          <a:p>
+            <a:r>
+              <a:rPr lang="en-US" dirty="0" smtClean="0"/>
+              <a:t>Oops … If your Database tables already have data?</a:t>
+            </a:r>
+          </a:p>
+          <a:p>
+            <a:endParaRPr lang="en-US" dirty="0"/>
+          </a:p>
+          <a:p>
+            <a:endParaRPr lang="en-US" dirty="0" smtClean="0"/>
+          </a:p>
+          <a:p>
+            <a:endParaRPr lang="en-US" dirty="0"/>
+          </a:p>
+          <a:p>
+            <a:endParaRPr lang="en-US" dirty="0" smtClean="0"/>
+          </a:p>
+          <a:p>
+            <a:endParaRPr lang="en-US" dirty="0"/>
+          </a:p>
+          <a:p>
+            <a:endParaRPr lang="en-US" dirty="0" smtClean="0"/>
+          </a:p>
+          <a:p>
+            <a:endParaRPr lang="en-US" dirty="0"/>
+          </a:p>
+          <a:p>
+            <a:r>
+              <a:rPr lang="en-US" dirty="0" err="1"/>
+              <a:t>AutomaticMigrationDataLossAllowed</a:t>
+            </a:r>
+            <a:r>
+              <a:rPr lang="en-US" dirty="0"/>
+              <a:t> = </a:t>
+            </a:r>
+            <a:r>
+              <a:rPr lang="en-US" dirty="0" smtClean="0"/>
+              <a:t>true</a:t>
+            </a:r>
+          </a:p>
+          <a:p>
+            <a:r>
+              <a:rPr lang="en-US" dirty="0"/>
+              <a:t>get-help enable-migrations</a:t>
+            </a:r>
+          </a:p>
+        </p:txBody>
+      </p:sp>
+      <p:pic>
+        <p:nvPicPr>
+          <p:cNvPr id="19458" name="Picture 2"/>
+          <p:cNvPicPr>
+            <a:picLocks noChangeAspect="1" noChangeArrowheads="1"/>
+          </p:cNvPicPr>
+          <p:nvPr/>
+        </p:nvPicPr>
+        <p:blipFill>
+          <a:blip r:embed="rId2">
+            <a:extLst>
+              <a:ext uri="{28A0092B-C50C-407E-A947-70E740481C1C}">
+                <a14:useLocalDpi xmlns:a14="http://schemas.microsoft.com/office/drawing/2010/main" val="0"/>
+              </a:ext>
+            </a:extLst>
+          </a:blip>
+          <a:srcRect/>
+          <a:stretch>
+            <a:fillRect/>
+          </a:stretch>
+        </p:blipFill>
+        <p:spPr bwMode="auto">
+          <a:xfrm>
+            <a:off x="1731818" y="2362200"/>
+            <a:ext cx="4779077" cy="2500312"/>
+          </a:xfrm>
+          <a:prstGeom prst="rect">
+            <a:avLst/>
+          </a:prstGeom>
+          <a:noFill/>
+          <a:ln>
+            <a:noFill/>
+          </a:ln>
+          <a:effectLst/>
+          <a:extLst>
+            <a:ext uri="{909E8E84-426E-40DD-AFC4-6F175D3DCCD1}">
+              <a14:hiddenFill xmlns:a14="http://schemas.microsoft.com/office/drawing/2010/main">
+                <a:solidFill>
+                  <a:schemeClr val="accent1"/>
+                </a:solidFill>
+              </a14:hiddenFill>
+            </a:ext>
+            <a:ext uri="{91240B29-F687-4F45-9708-019B960494DF}">
+              <a14:hiddenLine xmlns:a14="http://schemas.microsoft.com/office/drawing/2010/main" w="9525">
+                <a:solidFill>
+                  <a:schemeClr val="tx1"/>
+                </a:solidFill>
+                <a:miter lim="800000"/>
+                <a:headEnd/>
+                <a:tailEnd/>
+              </a14:hiddenLine>
+            </a:ext>
+            <a:ext uri="{AF507438-7753-43E0-B8FC-AC1667EBCBE1}">
+              <a14:hiddenEffects xmlns:a14="http://schemas.microsoft.com/office/drawing/2010/main">
+                <a:effectLst>
+                  <a:outerShdw dist="35921" dir="2700000" algn="ctr" rotWithShape="0">
+                    <a:schemeClr val="bg2"/>
+                  </a:outerShdw>
+                </a:effectLst>
+              </a14:hiddenEffects>
+            </a:ext>
+          </a:extLst>
+        </p:spPr>
+      </p:pic>
+      <p:sp>
+        <p:nvSpPr>
+          <p:cNvPr id="4" name="Footer Placeholder 3"/>
+          <p:cNvSpPr>
+            <a:spLocks noGrp="1"/>
+          </p:cNvSpPr>
+          <p:nvPr>
+            <p:ph type="ftr" sz="quarter" idx="11"/>
+          </p:nvPr>
+        </p:nvSpPr>
+        <p:spPr/>
+        <p:txBody>
+          <a:bodyPr/>
+          <a:lstStyle/>
+          <a:p>
+            <a:r>
+              <a:rPr lang="en-US" smtClean="0"/>
+              <a:t>Syed Awn Ali</a:t>
+            </a:r>
+            <a:endParaRPr lang="en-US"/>
+          </a:p>
+        </p:txBody>
+      </p:sp>
+    </p:spTree>
+    <p:extLst>
+      <p:ext uri="{BB962C8B-B14F-4D97-AF65-F5344CB8AC3E}">
+        <p14:creationId xmlns:p14="http://schemas.microsoft.com/office/powerpoint/2010/main" val="3037484750"/>
+      </p:ext>
+    </p:extLst>
+  </p:cSld>
+  <p:clrMapOvr>
+    <a:masterClrMapping/>
+  </p:clrMapOvr>
+  <p:timing>
+    <p:tnLst>
+      <p:par>
+        <p:cTn id="1" dur="indefinite" restart="never" nodeType="tmRoot"/>
+      </p:par>
+    </p:tnLst>
+  </p:timing>
+</p:sld>
+</file>
+
+<file path=ppt/slides/slide29.xml><?xml version="1.0" encoding="utf-8"?>
+<p:sld xmlns:a="http://schemas.openxmlformats.org/drawingml/2006/main" xmlns:r="http://schemas.openxmlformats.org/officeDocument/2006/relationships" xmlns:p="http://schemas.openxmlformats.org/presentationml/2006/main">
+  <p:cSld>
+    <p:spTree>
+      <p:nvGrpSpPr>
+        <p:cNvPr id="1" name=""/>
+        <p:cNvGrpSpPr/>
+        <p:nvPr/>
+      </p:nvGrpSpPr>
+      <p:grpSpPr>
+        <a:xfrm>
+          <a:off x="0" y="0"/>
+          <a:ext cx="0" cy="0"/>
+          <a:chOff x="0" y="0"/>
+          <a:chExt cx="0" cy="0"/>
+        </a:xfrm>
+      </p:grpSpPr>
+      <p:sp>
+        <p:nvSpPr>
+          <p:cNvPr id="2" name="Title 1"/>
+          <p:cNvSpPr>
+            <a:spLocks noGrp="1"/>
+          </p:cNvSpPr>
+          <p:nvPr>
+            <p:ph type="title"/>
+          </p:nvPr>
+        </p:nvSpPr>
+        <p:spPr/>
+        <p:txBody>
+          <a:bodyPr>
+            <a:normAutofit/>
+          </a:bodyPr>
+          <a:lstStyle/>
+          <a:p>
+            <a:r>
+              <a:rPr lang="en-US" b="1" dirty="0"/>
+              <a:t>Code-based </a:t>
+            </a:r>
+            <a:r>
+              <a:rPr lang="en-US" b="1" dirty="0" smtClean="0"/>
+              <a:t>Migration</a:t>
+            </a:r>
+            <a:endParaRPr lang="en-US" dirty="0"/>
+          </a:p>
+        </p:txBody>
+      </p:sp>
+      <p:sp>
+        <p:nvSpPr>
+          <p:cNvPr id="3" name="Content Placeholder 2"/>
+          <p:cNvSpPr>
+            <a:spLocks noGrp="1"/>
+          </p:cNvSpPr>
+          <p:nvPr>
+            <p:ph idx="1"/>
+          </p:nvPr>
+        </p:nvSpPr>
+        <p:spPr/>
+        <p:txBody>
+          <a:bodyPr>
+            <a:normAutofit lnSpcReduction="10000"/>
+          </a:bodyPr>
+          <a:lstStyle/>
+          <a:p>
+            <a:r>
+              <a:rPr lang="en-US" dirty="0" smtClean="0"/>
+              <a:t>Commands:</a:t>
+            </a:r>
+          </a:p>
+          <a:p>
+            <a:pPr lvl="1"/>
+            <a:r>
+              <a:rPr lang="en-US" b="1" dirty="0" smtClean="0"/>
+              <a:t>Add-migration</a:t>
+            </a:r>
+          </a:p>
+          <a:p>
+            <a:pPr lvl="2"/>
+            <a:r>
+              <a:rPr lang="en-US" dirty="0"/>
+              <a:t>S</a:t>
+            </a:r>
+            <a:r>
+              <a:rPr lang="en-US" dirty="0" smtClean="0"/>
+              <a:t>caffold </a:t>
+            </a:r>
+            <a:r>
+              <a:rPr lang="en-US" dirty="0"/>
+              <a:t>the next migration for the changes you have </a:t>
+            </a:r>
+            <a:r>
+              <a:rPr lang="en-US" dirty="0" smtClean="0"/>
+              <a:t>made</a:t>
+            </a:r>
+          </a:p>
+          <a:p>
+            <a:pPr lvl="1"/>
+            <a:r>
+              <a:rPr lang="en-US" dirty="0" smtClean="0"/>
+              <a:t>Update-database</a:t>
+            </a:r>
+          </a:p>
+          <a:p>
+            <a:pPr lvl="2"/>
+            <a:r>
+              <a:rPr lang="en-US" dirty="0"/>
+              <a:t>A</a:t>
+            </a:r>
+            <a:r>
+              <a:rPr lang="en-US" dirty="0" smtClean="0"/>
+              <a:t>pply </a:t>
+            </a:r>
+            <a:r>
+              <a:rPr lang="en-US" dirty="0"/>
+              <a:t>pending changes to the </a:t>
+            </a:r>
+            <a:r>
+              <a:rPr lang="en-US" dirty="0" smtClean="0"/>
+              <a:t>database</a:t>
+            </a:r>
+          </a:p>
+          <a:p>
+            <a:pPr lvl="2"/>
+            <a:r>
+              <a:rPr lang="en-US" dirty="0"/>
+              <a:t>–verbose to see what’s going on in the </a:t>
+            </a:r>
+            <a:r>
+              <a:rPr lang="en-US" dirty="0" smtClean="0"/>
+              <a:t>database</a:t>
+            </a:r>
+          </a:p>
+          <a:p>
+            <a:r>
+              <a:rPr lang="en-US" dirty="0"/>
+              <a:t>Rollback Database </a:t>
+            </a:r>
+            <a:r>
+              <a:rPr lang="en-US" dirty="0" smtClean="0"/>
+              <a:t>change</a:t>
+            </a:r>
+          </a:p>
+          <a:p>
+            <a:pPr lvl="1"/>
+            <a:r>
+              <a:rPr lang="en-US" dirty="0"/>
+              <a:t>U</a:t>
+            </a:r>
+            <a:r>
+              <a:rPr lang="en-US" dirty="0" smtClean="0"/>
+              <a:t>pdate-database </a:t>
+            </a:r>
+            <a:r>
+              <a:rPr lang="en-US" dirty="0"/>
+              <a:t>-</a:t>
+            </a:r>
+            <a:r>
+              <a:rPr lang="en-US" dirty="0" err="1"/>
+              <a:t>TargetMigration</a:t>
+            </a:r>
+            <a:r>
+              <a:rPr lang="en-US" dirty="0"/>
+              <a:t>:"First School DB </a:t>
+            </a:r>
+            <a:r>
+              <a:rPr lang="en-US" dirty="0" smtClean="0"/>
+              <a:t>schema“</a:t>
+            </a:r>
+          </a:p>
+          <a:p>
+            <a:r>
+              <a:rPr lang="en-US" dirty="0" smtClean="0"/>
+              <a:t>Get All Migrations</a:t>
+            </a:r>
+          </a:p>
+          <a:p>
+            <a:pPr lvl="1"/>
+            <a:r>
+              <a:rPr lang="en-US" dirty="0"/>
+              <a:t>Use "get-migration" command to see what migration have been applied.</a:t>
+            </a:r>
+          </a:p>
+        </p:txBody>
+      </p:sp>
+      <p:sp>
+        <p:nvSpPr>
+          <p:cNvPr id="4" name="Footer Placeholder 3"/>
+          <p:cNvSpPr>
+            <a:spLocks noGrp="1"/>
+          </p:cNvSpPr>
+          <p:nvPr>
+            <p:ph type="ftr" sz="quarter" idx="11"/>
+          </p:nvPr>
+        </p:nvSpPr>
+        <p:spPr/>
+        <p:txBody>
+          <a:bodyPr/>
+          <a:lstStyle/>
+          <a:p>
+            <a:r>
+              <a:rPr lang="en-US" smtClean="0"/>
+              <a:t>Syed Awn Ali</a:t>
+            </a:r>
+            <a:endParaRPr lang="en-US"/>
+          </a:p>
+        </p:txBody>
+      </p:sp>
+    </p:spTree>
+    <p:extLst>
+      <p:ext uri="{BB962C8B-B14F-4D97-AF65-F5344CB8AC3E}">
+        <p14:creationId xmlns:p14="http://schemas.microsoft.com/office/powerpoint/2010/main" val="1035095274"/>
+      </p:ext>
+    </p:extLst>
+  </p:cSld>
+  <p:clrMapOvr>
+    <a:masterClrMapping/>
+  </p:clrMapOvr>
+  <p:timing>
+    <p:tnLst>
+      <p:par>
+        <p:cTn id="1" dur="indefinite" restart="never" nodeType="tmRoot"/>
+      </p:par>
+    </p:tnLst>
+  </p:timing>
 </p:sld>
 </file>
 
@@ -3204,41 +7418,344 @@
           <a:lstStyle/>
           <a:p>
             <a:r>
-              <a:rPr lang="en-US" dirty="0" smtClean="0"/>
-              <a:t>Model creating / mapping</a:t>
+              <a:rPr lang="en-US" dirty="0"/>
+              <a:t>B</a:t>
+            </a:r>
+            <a:r>
+              <a:rPr lang="en-US" dirty="0" smtClean="0"/>
+              <a:t>asic </a:t>
+            </a:r>
+            <a:r>
+              <a:rPr lang="en-US" dirty="0"/>
+              <a:t>W</a:t>
+            </a:r>
+            <a:r>
+              <a:rPr lang="en-US" dirty="0" smtClean="0"/>
+              <a:t>orkflow</a:t>
             </a:r>
             <a:endParaRPr lang="en-US" dirty="0"/>
           </a:p>
         </p:txBody>
       </p:sp>
-      <p:pic>
-        <p:nvPicPr>
-          <p:cNvPr id="5" name="Picture 4"/>
-          <p:cNvPicPr>
-            <a:picLocks noChangeAspect="1"/>
-          </p:cNvPicPr>
-          <p:nvPr/>
-        </p:nvPicPr>
-        <p:blipFill>
-          <a:blip r:embed="rId2"/>
-          <a:stretch>
-            <a:fillRect/>
-          </a:stretch>
-        </p:blipFill>
-        <p:spPr>
-          <a:xfrm>
-            <a:off x="1243924" y="2247596"/>
-            <a:ext cx="6286500" cy="2790825"/>
-          </a:xfrm>
-          <a:prstGeom prst="rect">
-            <a:avLst/>
-          </a:prstGeom>
-        </p:spPr>
-      </p:pic>
+      <p:sp>
+        <p:nvSpPr>
+          <p:cNvPr id="3" name="Content Placeholder 2"/>
+          <p:cNvSpPr>
+            <a:spLocks noGrp="1"/>
+          </p:cNvSpPr>
+          <p:nvPr>
+            <p:ph idx="1"/>
+          </p:nvPr>
+        </p:nvSpPr>
+        <p:spPr/>
+        <p:txBody>
+          <a:bodyPr>
+            <a:normAutofit/>
+          </a:bodyPr>
+          <a:lstStyle/>
+          <a:p>
+            <a:r>
+              <a:rPr lang="en-US" dirty="0" smtClean="0"/>
+              <a:t>Create </a:t>
+            </a:r>
+            <a:r>
+              <a:rPr lang="en-US" dirty="0"/>
+              <a:t>classes </a:t>
+            </a:r>
+            <a:endParaRPr lang="en-US" dirty="0" smtClean="0"/>
+          </a:p>
+          <a:p>
+            <a:r>
+              <a:rPr lang="en-US" dirty="0"/>
+              <a:t>C</a:t>
+            </a:r>
+            <a:r>
+              <a:rPr lang="en-US" dirty="0" smtClean="0"/>
+              <a:t>reate new </a:t>
+            </a:r>
+            <a:r>
+              <a:rPr lang="en-US" dirty="0"/>
+              <a:t>database </a:t>
+            </a:r>
+          </a:p>
+          <a:p>
+            <a:r>
+              <a:rPr lang="en-US" dirty="0"/>
+              <a:t>M</a:t>
+            </a:r>
+            <a:r>
+              <a:rPr lang="en-US" dirty="0" smtClean="0"/>
+              <a:t>ap </a:t>
+            </a:r>
+            <a:r>
+              <a:rPr lang="en-US" dirty="0"/>
+              <a:t>your </a:t>
+            </a:r>
+            <a:r>
+              <a:rPr lang="en-US" dirty="0" smtClean="0"/>
+              <a:t>classes</a:t>
+            </a:r>
+          </a:p>
+          <a:p>
+            <a:r>
+              <a:rPr lang="en-US" dirty="0" smtClean="0"/>
+              <a:t>Basic workflow:</a:t>
+            </a:r>
+          </a:p>
+          <a:p>
+            <a:pPr lvl="1"/>
+            <a:r>
+              <a:rPr lang="en-US" dirty="0"/>
+              <a:t>Write code-first application classes </a:t>
+            </a:r>
+            <a:endParaRPr lang="en-US" dirty="0" smtClean="0"/>
+          </a:p>
+          <a:p>
+            <a:pPr lvl="1"/>
+            <a:r>
+              <a:rPr lang="en-US" dirty="0" smtClean="0"/>
+              <a:t>Hit </a:t>
+            </a:r>
+            <a:r>
+              <a:rPr lang="en-US" dirty="0"/>
+              <a:t>F5 to run the </a:t>
+            </a:r>
+            <a:r>
+              <a:rPr lang="en-US" dirty="0" smtClean="0"/>
+              <a:t>application</a:t>
+            </a:r>
+          </a:p>
+          <a:p>
+            <a:pPr lvl="1"/>
+            <a:r>
+              <a:rPr lang="en-US" dirty="0" smtClean="0"/>
+              <a:t> Code </a:t>
+            </a:r>
+            <a:r>
+              <a:rPr lang="en-US" dirty="0"/>
+              <a:t>First API creates new database or map with existing database from application </a:t>
+            </a:r>
+            <a:r>
+              <a:rPr lang="en-US" dirty="0" smtClean="0"/>
+              <a:t>classes</a:t>
+            </a:r>
+          </a:p>
+          <a:p>
+            <a:pPr lvl="1"/>
+            <a:r>
+              <a:rPr lang="en-US" dirty="0" smtClean="0"/>
+              <a:t> Inserts </a:t>
+            </a:r>
+            <a:r>
+              <a:rPr lang="en-US" dirty="0"/>
+              <a:t>default/test data into the </a:t>
+            </a:r>
+            <a:r>
+              <a:rPr lang="en-US" dirty="0" smtClean="0"/>
+              <a:t>database</a:t>
+            </a:r>
+          </a:p>
+          <a:p>
+            <a:pPr lvl="1"/>
+            <a:r>
+              <a:rPr lang="en-US" dirty="0" smtClean="0"/>
+              <a:t> Finally </a:t>
+            </a:r>
+            <a:r>
+              <a:rPr lang="en-US" dirty="0"/>
+              <a:t>launch the application</a:t>
+            </a:r>
+          </a:p>
+          <a:p>
+            <a:pPr marL="0" indent="0">
+              <a:buNone/>
+            </a:pPr>
+            <a:endParaRPr lang="en-US" dirty="0"/>
+          </a:p>
+          <a:p>
+            <a:pPr lvl="1"/>
+            <a:endParaRPr lang="en-US" dirty="0"/>
+          </a:p>
+        </p:txBody>
+      </p:sp>
+      <p:sp>
+        <p:nvSpPr>
+          <p:cNvPr id="4" name="Footer Placeholder 3"/>
+          <p:cNvSpPr>
+            <a:spLocks noGrp="1"/>
+          </p:cNvSpPr>
+          <p:nvPr>
+            <p:ph type="ftr" sz="quarter" idx="11"/>
+          </p:nvPr>
+        </p:nvSpPr>
+        <p:spPr/>
+        <p:txBody>
+          <a:bodyPr/>
+          <a:lstStyle/>
+          <a:p>
+            <a:r>
+              <a:rPr lang="en-US" smtClean="0"/>
+              <a:t>Syed Awn Ali</a:t>
+            </a:r>
+            <a:endParaRPr lang="en-US"/>
+          </a:p>
+        </p:txBody>
+      </p:sp>
     </p:spTree>
     <p:extLst>
       <p:ext uri="{BB962C8B-B14F-4D97-AF65-F5344CB8AC3E}">
-        <p14:creationId xmlns:p14="http://schemas.microsoft.com/office/powerpoint/2010/main" val="1810568005"/>
+        <p14:creationId xmlns:p14="http://schemas.microsoft.com/office/powerpoint/2010/main" val="4259122313"/>
+      </p:ext>
+    </p:extLst>
+  </p:cSld>
+  <p:clrMapOvr>
+    <a:masterClrMapping/>
+  </p:clrMapOvr>
+  <p:timing>
+    <p:tnLst>
+      <p:par>
+        <p:cTn id="1" dur="indefinite" restart="never" nodeType="tmRoot"/>
+      </p:par>
+    </p:tnLst>
+  </p:timing>
+</p:sld>
+</file>
+
+<file path=ppt/slides/slide30.xml><?xml version="1.0" encoding="utf-8"?>
+<p:sld xmlns:a="http://schemas.openxmlformats.org/drawingml/2006/main" xmlns:r="http://schemas.openxmlformats.org/officeDocument/2006/relationships" xmlns:p="http://schemas.openxmlformats.org/presentationml/2006/main">
+  <p:cSld>
+    <p:spTree>
+      <p:nvGrpSpPr>
+        <p:cNvPr id="1" name=""/>
+        <p:cNvGrpSpPr/>
+        <p:nvPr/>
+      </p:nvGrpSpPr>
+      <p:grpSpPr>
+        <a:xfrm>
+          <a:off x="0" y="0"/>
+          <a:ext cx="0" cy="0"/>
+          <a:chOff x="0" y="0"/>
+          <a:chExt cx="0" cy="0"/>
+        </a:xfrm>
+      </p:grpSpPr>
+      <p:sp>
+        <p:nvSpPr>
+          <p:cNvPr id="2" name="Title 1"/>
+          <p:cNvSpPr>
+            <a:spLocks noGrp="1"/>
+          </p:cNvSpPr>
+          <p:nvPr>
+            <p:ph type="title"/>
+          </p:nvPr>
+        </p:nvSpPr>
+        <p:spPr/>
+        <p:txBody>
+          <a:bodyPr/>
+          <a:lstStyle/>
+          <a:p>
+            <a:r>
+              <a:rPr lang="en-US" dirty="0" smtClean="0"/>
+              <a:t>Summary</a:t>
+            </a:r>
+            <a:endParaRPr lang="en-US" dirty="0"/>
+          </a:p>
+        </p:txBody>
+      </p:sp>
+      <p:sp>
+        <p:nvSpPr>
+          <p:cNvPr id="3" name="Content Placeholder 2"/>
+          <p:cNvSpPr>
+            <a:spLocks noGrp="1"/>
+          </p:cNvSpPr>
+          <p:nvPr>
+            <p:ph idx="1"/>
+          </p:nvPr>
+        </p:nvSpPr>
+        <p:spPr/>
+        <p:txBody>
+          <a:bodyPr/>
+          <a:lstStyle/>
+          <a:p>
+            <a:endParaRPr lang="en-US"/>
+          </a:p>
+        </p:txBody>
+      </p:sp>
+    </p:spTree>
+    <p:extLst>
+      <p:ext uri="{BB962C8B-B14F-4D97-AF65-F5344CB8AC3E}">
+        <p14:creationId xmlns:p14="http://schemas.microsoft.com/office/powerpoint/2010/main" val="4082111346"/>
+      </p:ext>
+    </p:extLst>
+  </p:cSld>
+  <p:clrMapOvr>
+    <a:masterClrMapping/>
+  </p:clrMapOvr>
+</p:sld>
+</file>
+
+<file path=ppt/slides/slide31.xml><?xml version="1.0" encoding="utf-8"?>
+<p:sld xmlns:a="http://schemas.openxmlformats.org/drawingml/2006/main" xmlns:r="http://schemas.openxmlformats.org/officeDocument/2006/relationships" xmlns:p="http://schemas.openxmlformats.org/presentationml/2006/main">
+  <p:cSld>
+    <p:spTree>
+      <p:nvGrpSpPr>
+        <p:cNvPr id="1" name=""/>
+        <p:cNvGrpSpPr/>
+        <p:nvPr/>
+      </p:nvGrpSpPr>
+      <p:grpSpPr>
+        <a:xfrm>
+          <a:off x="0" y="0"/>
+          <a:ext cx="0" cy="0"/>
+          <a:chOff x="0" y="0"/>
+          <a:chExt cx="0" cy="0"/>
+        </a:xfrm>
+      </p:grpSpPr>
+      <p:sp>
+        <p:nvSpPr>
+          <p:cNvPr id="2" name="Title 1"/>
+          <p:cNvSpPr>
+            <a:spLocks noGrp="1"/>
+          </p:cNvSpPr>
+          <p:nvPr>
+            <p:ph type="title"/>
+          </p:nvPr>
+        </p:nvSpPr>
+        <p:spPr/>
+        <p:txBody>
+          <a:bodyPr/>
+          <a:lstStyle/>
+          <a:p>
+            <a:r>
+              <a:rPr lang="en-US" dirty="0" smtClean="0"/>
+              <a:t>Demo</a:t>
+            </a:r>
+            <a:endParaRPr lang="en-US" dirty="0"/>
+          </a:p>
+        </p:txBody>
+      </p:sp>
+      <p:sp>
+        <p:nvSpPr>
+          <p:cNvPr id="3" name="Content Placeholder 2"/>
+          <p:cNvSpPr>
+            <a:spLocks noGrp="1"/>
+          </p:cNvSpPr>
+          <p:nvPr>
+            <p:ph idx="1"/>
+          </p:nvPr>
+        </p:nvSpPr>
+        <p:spPr/>
+        <p:txBody>
+          <a:bodyPr/>
+          <a:lstStyle/>
+          <a:p>
+            <a:endParaRPr lang="en-US"/>
+          </a:p>
+        </p:txBody>
+      </p:sp>
+    </p:spTree>
+    <p:extLst>
+      <p:ext uri="{BB962C8B-B14F-4D97-AF65-F5344CB8AC3E}">
+        <p14:creationId xmlns:p14="http://schemas.microsoft.com/office/powerpoint/2010/main" val="1874241560"/>
       </p:ext>
     </p:extLst>
   </p:cSld>
@@ -3282,88 +7799,35 @@
           <a:p>
             <a:r>
               <a:rPr lang="en-US" dirty="0" smtClean="0"/>
-              <a:t>Sub-type filter</a:t>
+              <a:t>Demo: Simple Code First</a:t>
             </a:r>
             <a:endParaRPr lang="en-US" dirty="0"/>
           </a:p>
         </p:txBody>
       </p:sp>
-      <p:pic>
-        <p:nvPicPr>
-          <p:cNvPr id="5" name="Picture 4"/>
-          <p:cNvPicPr>
-            <a:picLocks noChangeAspect="1"/>
-          </p:cNvPicPr>
-          <p:nvPr/>
-        </p:nvPicPr>
-        <p:blipFill>
-          <a:blip r:embed="rId2"/>
-          <a:stretch>
-            <a:fillRect/>
-          </a:stretch>
-        </p:blipFill>
-        <p:spPr>
-          <a:xfrm>
-            <a:off x="628650" y="1551562"/>
-            <a:ext cx="4447770" cy="1820835"/>
-          </a:xfrm>
-          <a:prstGeom prst="rect">
-            <a:avLst/>
-          </a:prstGeom>
-        </p:spPr>
-      </p:pic>
-      <p:pic>
-        <p:nvPicPr>
-          <p:cNvPr id="7" name="Picture 6"/>
-          <p:cNvPicPr>
-            <a:picLocks noChangeAspect="1"/>
-          </p:cNvPicPr>
-          <p:nvPr/>
-        </p:nvPicPr>
-        <p:blipFill>
-          <a:blip r:embed="rId3"/>
-          <a:stretch>
-            <a:fillRect/>
-          </a:stretch>
-        </p:blipFill>
-        <p:spPr>
-          <a:xfrm>
-            <a:off x="2164581" y="2373549"/>
-            <a:ext cx="3512116" cy="4233862"/>
-          </a:xfrm>
-          <a:prstGeom prst="rect">
-            <a:avLst/>
-          </a:prstGeom>
-        </p:spPr>
-      </p:pic>
-      <p:pic>
-        <p:nvPicPr>
-          <p:cNvPr id="8" name="Picture 7"/>
-          <p:cNvPicPr>
-            <a:picLocks noChangeAspect="1"/>
-          </p:cNvPicPr>
-          <p:nvPr/>
-        </p:nvPicPr>
-        <p:blipFill>
-          <a:blip r:embed="rId4"/>
-          <a:stretch>
-            <a:fillRect/>
-          </a:stretch>
-        </p:blipFill>
-        <p:spPr>
-          <a:xfrm>
-            <a:off x="4336104" y="3372397"/>
-            <a:ext cx="6172200" cy="4667250"/>
-          </a:xfrm>
-          <a:prstGeom prst="rect">
-            <a:avLst/>
-          </a:prstGeom>
-        </p:spPr>
-      </p:pic>
+      <p:sp>
+        <p:nvSpPr>
+          <p:cNvPr id="3" name="Content Placeholder 2"/>
+          <p:cNvSpPr>
+            <a:spLocks noGrp="1"/>
+          </p:cNvSpPr>
+          <p:nvPr>
+            <p:ph idx="1"/>
+          </p:nvPr>
+        </p:nvSpPr>
+        <p:spPr/>
+        <p:txBody>
+          <a:bodyPr/>
+          <a:lstStyle/>
+          <a:p>
+            <a:endParaRPr lang="en-US"/>
+          </a:p>
+        </p:txBody>
+      </p:sp>
     </p:spTree>
     <p:extLst>
       <p:ext uri="{BB962C8B-B14F-4D97-AF65-F5344CB8AC3E}">
-        <p14:creationId xmlns:p14="http://schemas.microsoft.com/office/powerpoint/2010/main" val="2251050916"/>
+        <p14:creationId xmlns:p14="http://schemas.microsoft.com/office/powerpoint/2010/main" val="3992931790"/>
       </p:ext>
     </p:extLst>
   </p:cSld>
@@ -3407,7 +7871,7 @@
           <a:p>
             <a:r>
               <a:rPr lang="en-US" dirty="0" smtClean="0"/>
-              <a:t>Table per hierarchy</a:t>
+              <a:t>The process in code first</a:t>
             </a:r>
             <a:endParaRPr lang="en-US" dirty="0"/>
           </a:p>
@@ -3415,56 +7879,72 @@
       </p:sp>
       <p:pic>
         <p:nvPicPr>
-          <p:cNvPr id="4" name="Picture 3"/>
+          <p:cNvPr id="4" name="Picture 2"/>
           <p:cNvPicPr>
-            <a:picLocks noChangeAspect="1"/>
+            <a:picLocks noChangeAspect="1" noChangeArrowheads="1"/>
           </p:cNvPicPr>
           <p:nvPr/>
         </p:nvPicPr>
         <p:blipFill>
-          <a:blip r:embed="rId2"/>
+          <a:blip r:embed="rId2">
+            <a:extLst>
+              <a:ext uri="{28A0092B-C50C-407E-A947-70E740481C1C}">
+                <a14:useLocalDpi xmlns:a14="http://schemas.microsoft.com/office/drawing/2010/main" val="0"/>
+              </a:ext>
+            </a:extLst>
+          </a:blip>
+          <a:srcRect/>
           <a:stretch>
             <a:fillRect/>
           </a:stretch>
         </p:blipFill>
-        <p:spPr>
+        <p:spPr bwMode="auto">
           <a:xfrm>
-            <a:off x="513337" y="1479618"/>
-            <a:ext cx="3446106" cy="2343352"/>
+            <a:off x="2424112" y="1934308"/>
+            <a:ext cx="4295775" cy="4419600"/>
           </a:xfrm>
           <a:prstGeom prst="rect">
             <a:avLst/>
           </a:prstGeom>
-        </p:spPr>
-      </p:pic>
-      <p:pic>
-        <p:nvPicPr>
-          <p:cNvPr id="5" name="Picture 4"/>
-          <p:cNvPicPr>
-            <a:picLocks noChangeAspect="1"/>
-          </p:cNvPicPr>
-          <p:nvPr/>
-        </p:nvPicPr>
-        <p:blipFill>
-          <a:blip r:embed="rId3"/>
-          <a:stretch>
-            <a:fillRect/>
-          </a:stretch>
-        </p:blipFill>
-        <p:spPr>
-          <a:xfrm>
-            <a:off x="3312470" y="4219575"/>
-            <a:ext cx="5048250" cy="2076450"/>
-          </a:xfrm>
-          <a:prstGeom prst="rect">
-            <a:avLst/>
-          </a:prstGeom>
+          <a:noFill/>
+          <a:ln>
+            <a:noFill/>
+          </a:ln>
+          <a:effectLst/>
+          <a:extLst>
+            <a:ext uri="{909E8E84-426E-40DD-AFC4-6F175D3DCCD1}">
+              <a14:hiddenFill xmlns:a14="http://schemas.microsoft.com/office/drawing/2010/main">
+                <a:solidFill>
+                  <a:schemeClr val="accent1"/>
+                </a:solidFill>
+              </a14:hiddenFill>
+            </a:ext>
+            <a:ext uri="{91240B29-F687-4F45-9708-019B960494DF}">
+              <a14:hiddenLine xmlns:a14="http://schemas.microsoft.com/office/drawing/2010/main" w="9525">
+                <a:solidFill>
+                  <a:schemeClr val="tx1"/>
+                </a:solidFill>
+                <a:miter lim="800000"/>
+                <a:headEnd/>
+                <a:tailEnd/>
+              </a14:hiddenLine>
+            </a:ext>
+            <a:ext uri="{AF507438-7753-43E0-B8FC-AC1667EBCBE1}">
+              <a14:hiddenEffects xmlns:a14="http://schemas.microsoft.com/office/drawing/2010/main">
+                <a:effectLst>
+                  <a:outerShdw dist="35921" dir="2700000" algn="ctr" rotWithShape="0">
+                    <a:schemeClr val="bg2"/>
+                  </a:outerShdw>
+                </a:effectLst>
+              </a14:hiddenEffects>
+            </a:ext>
+          </a:extLst>
         </p:spPr>
       </p:pic>
     </p:spTree>
     <p:extLst>
       <p:ext uri="{BB962C8B-B14F-4D97-AF65-F5344CB8AC3E}">
-        <p14:creationId xmlns:p14="http://schemas.microsoft.com/office/powerpoint/2010/main" val="3598400686"/>
+        <p14:creationId xmlns:p14="http://schemas.microsoft.com/office/powerpoint/2010/main" val="1184908317"/>
       </p:ext>
     </p:extLst>
   </p:cSld>
@@ -3503,75 +7983,182 @@
         </p:nvSpPr>
         <p:spPr/>
         <p:txBody>
-          <a:bodyPr/>
-          <a:lstStyle/>
-          <a:p>
-            <a:r>
-              <a:rPr lang="en-US" dirty="0" smtClean="0"/>
-              <a:t>Is-a  has-a</a:t>
-            </a:r>
+          <a:bodyPr>
+            <a:normAutofit/>
+          </a:bodyPr>
+          <a:lstStyle/>
+          <a:p>
+            <a:r>
+              <a:rPr lang="en-US" b="1" dirty="0"/>
+              <a:t>Database </a:t>
+            </a:r>
+            <a:r>
+              <a:rPr lang="en-US" b="1" dirty="0" smtClean="0"/>
+              <a:t>Initialization</a:t>
+            </a:r>
+            <a:endParaRPr lang="en-US" dirty="0"/>
+          </a:p>
+        </p:txBody>
+      </p:sp>
+      <p:sp>
+        <p:nvSpPr>
+          <p:cNvPr id="3" name="Content Placeholder 2"/>
+          <p:cNvSpPr>
+            <a:spLocks noGrp="1"/>
+          </p:cNvSpPr>
+          <p:nvPr>
+            <p:ph idx="1"/>
+          </p:nvPr>
+        </p:nvSpPr>
+        <p:spPr/>
+        <p:txBody>
+          <a:bodyPr/>
+          <a:lstStyle/>
+          <a:p>
+            <a:r>
+              <a:rPr lang="en-US" dirty="0"/>
+              <a:t>No Parameter</a:t>
+            </a:r>
+            <a:r>
+              <a:rPr lang="en-US" dirty="0" smtClean="0"/>
+              <a:t>:</a:t>
+            </a:r>
+          </a:p>
+          <a:p>
+            <a:pPr lvl="1"/>
+            <a:r>
+              <a:rPr lang="en-US" dirty="0" smtClean="0"/>
+              <a:t>Creates </a:t>
+            </a:r>
+            <a:r>
+              <a:rPr lang="en-US" dirty="0"/>
+              <a:t>the database in your local SQLEXPRESS with name matches your {Namespace}.{Context class name</a:t>
+            </a:r>
+            <a:r>
+              <a:rPr lang="en-US" dirty="0" smtClean="0"/>
+              <a:t>}</a:t>
+            </a:r>
+          </a:p>
+          <a:p>
+            <a:pPr lvl="1"/>
+            <a:endParaRPr lang="en-US" dirty="0" smtClean="0"/>
+          </a:p>
+          <a:p>
+            <a:pPr marL="0" indent="0">
+              <a:buNone/>
+            </a:pPr>
+            <a:endParaRPr lang="en-US" b="1" dirty="0" smtClean="0"/>
+          </a:p>
+          <a:p>
+            <a:pPr lvl="1"/>
             <a:endParaRPr lang="en-US" dirty="0"/>
           </a:p>
         </p:txBody>
       </p:sp>
       <p:pic>
         <p:nvPicPr>
-          <p:cNvPr id="5" name="Picture 4"/>
+          <p:cNvPr id="1026" name="Picture 2"/>
           <p:cNvPicPr>
-            <a:picLocks noChangeAspect="1"/>
+            <a:picLocks noChangeAspect="1" noChangeArrowheads="1"/>
           </p:cNvPicPr>
           <p:nvPr/>
         </p:nvPicPr>
         <p:blipFill>
-          <a:blip r:embed="rId2"/>
+          <a:blip r:embed="rId2">
+            <a:extLst>
+              <a:ext uri="{28A0092B-C50C-407E-A947-70E740481C1C}">
+                <a14:useLocalDpi xmlns:a14="http://schemas.microsoft.com/office/drawing/2010/main" val="0"/>
+              </a:ext>
+            </a:extLst>
+          </a:blip>
+          <a:srcRect/>
           <a:stretch>
             <a:fillRect/>
           </a:stretch>
         </p:blipFill>
-        <p:spPr>
+        <p:spPr bwMode="auto">
           <a:xfrm>
-            <a:off x="294159" y="1454893"/>
-            <a:ext cx="6162675" cy="1885950"/>
+            <a:off x="1100136" y="3910445"/>
+            <a:ext cx="6943725" cy="1447800"/>
           </a:xfrm>
           <a:prstGeom prst="rect">
             <a:avLst/>
           </a:prstGeom>
+          <a:noFill/>
+          <a:ln>
+            <a:noFill/>
+          </a:ln>
+          <a:effectLst/>
+          <a:extLst>
+            <a:ext uri="{909E8E84-426E-40DD-AFC4-6F175D3DCCD1}">
+              <a14:hiddenFill xmlns:a14="http://schemas.microsoft.com/office/drawing/2010/main">
+                <a:solidFill>
+                  <a:schemeClr val="accent1"/>
+                </a:solidFill>
+              </a14:hiddenFill>
+            </a:ext>
+            <a:ext uri="{91240B29-F687-4F45-9708-019B960494DF}">
+              <a14:hiddenLine xmlns:a14="http://schemas.microsoft.com/office/drawing/2010/main" w="9525">
+                <a:solidFill>
+                  <a:schemeClr val="tx1"/>
+                </a:solidFill>
+                <a:miter lim="800000"/>
+                <a:headEnd/>
+                <a:tailEnd/>
+              </a14:hiddenLine>
+            </a:ext>
+            <a:ext uri="{AF507438-7753-43E0-B8FC-AC1667EBCBE1}">
+              <a14:hiddenEffects xmlns:a14="http://schemas.microsoft.com/office/drawing/2010/main">
+                <a:effectLst>
+                  <a:outerShdw dist="35921" dir="2700000" algn="ctr" rotWithShape="0">
+                    <a:schemeClr val="bg2"/>
+                  </a:outerShdw>
+                </a:effectLst>
+              </a14:hiddenEffects>
+            </a:ext>
+          </a:extLst>
         </p:spPr>
       </p:pic>
-      <p:pic>
-        <p:nvPicPr>
-          <p:cNvPr id="6" name="Picture 5"/>
-          <p:cNvPicPr>
-            <a:picLocks noChangeAspect="1"/>
-          </p:cNvPicPr>
-          <p:nvPr/>
-        </p:nvPicPr>
-        <p:blipFill>
-          <a:blip r:embed="rId3"/>
-          <a:stretch>
-            <a:fillRect/>
-          </a:stretch>
-        </p:blipFill>
-        <p:spPr>
-          <a:xfrm>
-            <a:off x="1923492" y="3185201"/>
-            <a:ext cx="5562600" cy="3343275"/>
-          </a:xfrm>
-          <a:prstGeom prst="rect">
-            <a:avLst/>
-          </a:prstGeom>
-        </p:spPr>
-      </p:pic>
+      <p:sp>
+        <p:nvSpPr>
+          <p:cNvPr id="4" name="Footer Placeholder 3"/>
+          <p:cNvSpPr>
+            <a:spLocks noGrp="1"/>
+          </p:cNvSpPr>
+          <p:nvPr>
+            <p:ph type="ftr" sz="quarter" idx="11"/>
+          </p:nvPr>
+        </p:nvSpPr>
+        <p:spPr/>
+        <p:txBody>
+          <a:bodyPr/>
+          <a:lstStyle/>
+          <a:p>
+            <a:r>
+              <a:rPr lang="en-US" smtClean="0"/>
+              <a:t>Syed Awn Ali</a:t>
+            </a:r>
+            <a:endParaRPr lang="en-US"/>
+          </a:p>
+        </p:txBody>
+      </p:sp>
     </p:spTree>
     <p:extLst>
       <p:ext uri="{BB962C8B-B14F-4D97-AF65-F5344CB8AC3E}">
-        <p14:creationId xmlns:p14="http://schemas.microsoft.com/office/powerpoint/2010/main" val="4217411874"/>
+        <p14:creationId xmlns:p14="http://schemas.microsoft.com/office/powerpoint/2010/main" val="1743997354"/>
       </p:ext>
     </p:extLst>
   </p:cSld>
   <p:clrMapOvr>
     <a:masterClrMapping/>
   </p:clrMapOvr>
+  <p:timing>
+    <p:tnLst>
+      <p:par>
+        <p:cTn id="1" dur="indefinite" restart="never" nodeType="tmRoot"/>
+      </p:par>
+    </p:tnLst>
+  </p:timing>
 </p:sld>
 </file>
 
@@ -3609,7 +8196,7 @@
           <a:p>
             <a:r>
               <a:rPr lang="en-US" dirty="0" smtClean="0"/>
-              <a:t>Demo</a:t>
+              <a:t>Modeling issues</a:t>
             </a:r>
             <a:endParaRPr lang="en-US" dirty="0"/>
           </a:p>
@@ -3630,14 +8217,72 @@
           <a:bodyPr/>
           <a:lstStyle/>
           <a:p>
-            <a:endParaRPr lang="en-US"/>
+            <a:r>
+              <a:rPr lang="en-US" dirty="0" smtClean="0"/>
+              <a:t>Relationships</a:t>
+            </a:r>
+          </a:p>
+          <a:p>
+            <a:r>
+              <a:rPr lang="en-US" dirty="0" smtClean="0"/>
+              <a:t>Splitting</a:t>
+            </a:r>
+          </a:p>
+          <a:p>
+            <a:r>
+              <a:rPr lang="en-US" dirty="0" smtClean="0"/>
+              <a:t>Inheritance</a:t>
+            </a:r>
+          </a:p>
+          <a:p>
+            <a:pPr lvl="1"/>
+            <a:r>
+              <a:rPr lang="en-US" dirty="0"/>
+              <a:t>Sub-type </a:t>
+            </a:r>
+            <a:r>
+              <a:rPr lang="en-US" dirty="0" smtClean="0"/>
+              <a:t>per-table with filter</a:t>
+            </a:r>
+          </a:p>
+          <a:p>
+            <a:pPr lvl="1"/>
+            <a:r>
+              <a:rPr lang="en-US" dirty="0" smtClean="0"/>
+              <a:t>Table per type</a:t>
+            </a:r>
+          </a:p>
+          <a:p>
+            <a:pPr lvl="1"/>
+            <a:r>
+              <a:rPr lang="en-US" dirty="0" smtClean="0"/>
+              <a:t>Table per hierarchy</a:t>
+            </a:r>
+            <a:endParaRPr lang="en-US" dirty="0"/>
+          </a:p>
+          <a:p>
+            <a:pPr lvl="1"/>
+            <a:endParaRPr lang="en-US" dirty="0" smtClean="0"/>
+          </a:p>
+          <a:p>
+            <a:r>
+              <a:rPr lang="en-US" dirty="0" err="1" smtClean="0"/>
+              <a:t>Enums</a:t>
+            </a:r>
+            <a:endParaRPr lang="en-US" dirty="0" smtClean="0"/>
+          </a:p>
+          <a:p>
+            <a:r>
+              <a:rPr lang="en-US" dirty="0" smtClean="0"/>
+              <a:t>Keys / identity</a:t>
+            </a:r>
           </a:p>
         </p:txBody>
       </p:sp>
     </p:spTree>
     <p:extLst>
       <p:ext uri="{BB962C8B-B14F-4D97-AF65-F5344CB8AC3E}">
-        <p14:creationId xmlns:p14="http://schemas.microsoft.com/office/powerpoint/2010/main" val="1874241560"/>
+        <p14:creationId xmlns:p14="http://schemas.microsoft.com/office/powerpoint/2010/main" val="2204391058"/>
       </p:ext>
     </p:extLst>
   </p:cSld>
@@ -3681,7 +8326,7 @@
           <a:p>
             <a:r>
               <a:rPr lang="en-US" dirty="0" smtClean="0"/>
-              <a:t>Summary</a:t>
+              <a:t>Database Initialization</a:t>
             </a:r>
             <a:endParaRPr lang="en-US" dirty="0"/>
           </a:p>
@@ -3702,6 +8347,124 @@
           <a:bodyPr/>
           <a:lstStyle/>
           <a:p>
+            <a:r>
+              <a:rPr lang="en-US" dirty="0"/>
+              <a:t>Name</a:t>
+            </a:r>
+            <a:r>
+              <a:rPr lang="en-US" dirty="0" smtClean="0"/>
+              <a:t>:</a:t>
+            </a:r>
+          </a:p>
+          <a:p>
+            <a:pPr lvl="1"/>
+            <a:r>
+              <a:rPr lang="en-US" dirty="0" smtClean="0"/>
+              <a:t>Creates </a:t>
+            </a:r>
+            <a:r>
+              <a:rPr lang="en-US" dirty="0"/>
+              <a:t>database in the local SQLEXPRESS </a:t>
+            </a:r>
+            <a:r>
+              <a:rPr lang="en-US" dirty="0" err="1"/>
+              <a:t>db</a:t>
+            </a:r>
+            <a:r>
+              <a:rPr lang="en-US" dirty="0"/>
+              <a:t> server using that </a:t>
+            </a:r>
+            <a:r>
+              <a:rPr lang="en-US" dirty="0" smtClean="0"/>
+              <a:t>name</a:t>
+            </a:r>
+            <a:endParaRPr lang="en-US" dirty="0"/>
+          </a:p>
+        </p:txBody>
+      </p:sp>
+      <p:pic>
+        <p:nvPicPr>
+          <p:cNvPr id="2052" name="Picture 4"/>
+          <p:cNvPicPr>
+            <a:picLocks noChangeAspect="1" noChangeArrowheads="1"/>
+          </p:cNvPicPr>
+          <p:nvPr/>
+        </p:nvPicPr>
+        <p:blipFill>
+          <a:blip r:embed="rId2">
+            <a:extLst>
+              <a:ext uri="{28A0092B-C50C-407E-A947-70E740481C1C}">
+                <a14:useLocalDpi xmlns:a14="http://schemas.microsoft.com/office/drawing/2010/main" val="0"/>
+              </a:ext>
+            </a:extLst>
+          </a:blip>
+          <a:srcRect/>
+          <a:stretch>
+            <a:fillRect/>
+          </a:stretch>
+        </p:blipFill>
+        <p:spPr bwMode="auto">
+          <a:xfrm>
+            <a:off x="1828800" y="3429000"/>
+            <a:ext cx="4362450" cy="1266825"/>
+          </a:xfrm>
+          <a:prstGeom prst="rect">
+            <a:avLst/>
+          </a:prstGeom>
+          <a:noFill/>
+          <a:ln>
+            <a:noFill/>
+          </a:ln>
+          <a:effectLst/>
+          <a:extLst>
+            <a:ext uri="{909E8E84-426E-40DD-AFC4-6F175D3DCCD1}">
+              <a14:hiddenFill xmlns:a14="http://schemas.microsoft.com/office/drawing/2010/main">
+                <a:solidFill>
+                  <a:schemeClr val="accent1"/>
+                </a:solidFill>
+              </a14:hiddenFill>
+            </a:ext>
+            <a:ext uri="{91240B29-F687-4F45-9708-019B960494DF}">
+              <a14:hiddenLine xmlns:a14="http://schemas.microsoft.com/office/drawing/2010/main" w="9525">
+                <a:solidFill>
+                  <a:schemeClr val="tx1"/>
+                </a:solidFill>
+                <a:miter lim="800000"/>
+                <a:headEnd/>
+                <a:tailEnd/>
+              </a14:hiddenLine>
+            </a:ext>
+            <a:ext uri="{AF507438-7753-43E0-B8FC-AC1667EBCBE1}">
+              <a14:hiddenEffects xmlns:a14="http://schemas.microsoft.com/office/drawing/2010/main">
+                <a:effectLst>
+                  <a:outerShdw dist="35921" dir="2700000" algn="ctr" rotWithShape="0">
+                    <a:schemeClr val="bg2"/>
+                  </a:outerShdw>
+                </a:effectLst>
+              </a14:hiddenEffects>
+            </a:ext>
+          </a:extLst>
+        </p:spPr>
+      </p:pic>
+      <p:sp>
+        <p:nvSpPr>
+          <p:cNvPr id="4" name="Footer Placeholder 3"/>
+          <p:cNvSpPr>
+            <a:spLocks noGrp="1"/>
+          </p:cNvSpPr>
+          <p:nvPr>
+            <p:ph type="ftr" sz="quarter" idx="11"/>
+          </p:nvPr>
+        </p:nvSpPr>
+        <p:spPr/>
+        <p:txBody>
+          <a:bodyPr/>
+          <a:lstStyle/>
+          <a:p>
+            <a:r>
+              <a:rPr lang="en-US" smtClean="0"/>
+              <a:t>Syed Awn Ali</a:t>
+            </a:r>
             <a:endParaRPr lang="en-US"/>
           </a:p>
         </p:txBody>
@@ -3709,13 +8472,208 @@
     </p:spTree>
     <p:extLst>
       <p:ext uri="{BB962C8B-B14F-4D97-AF65-F5344CB8AC3E}">
-        <p14:creationId xmlns:p14="http://schemas.microsoft.com/office/powerpoint/2010/main" val="4082111346"/>
+        <p14:creationId xmlns:p14="http://schemas.microsoft.com/office/powerpoint/2010/main" val="1770392367"/>
       </p:ext>
     </p:extLst>
   </p:cSld>
   <p:clrMapOvr>
     <a:masterClrMapping/>
   </p:clrMapOvr>
+  <p:timing>
+    <p:tnLst>
+      <p:par>
+        <p:cTn id="1" dur="indefinite" restart="never" nodeType="tmRoot"/>
+      </p:par>
+    </p:tnLst>
+  </p:timing>
+</p:sld>
+</file>
+
+<file path=ppt/slides/slide9.xml><?xml version="1.0" encoding="utf-8"?>
+<p:sld xmlns:a="http://schemas.openxmlformats.org/drawingml/2006/main" xmlns:r="http://schemas.openxmlformats.org/officeDocument/2006/relationships" xmlns:p="http://schemas.openxmlformats.org/presentationml/2006/main">
+  <p:cSld>
+    <p:spTree>
+      <p:nvGrpSpPr>
+        <p:cNvPr id="1" name=""/>
+        <p:cNvGrpSpPr/>
+        <p:nvPr/>
+      </p:nvGrpSpPr>
+      <p:grpSpPr>
+        <a:xfrm>
+          <a:off x="0" y="0"/>
+          <a:ext cx="0" cy="0"/>
+          <a:chOff x="0" y="0"/>
+          <a:chExt cx="0" cy="0"/>
+        </a:xfrm>
+      </p:grpSpPr>
+      <p:sp>
+        <p:nvSpPr>
+          <p:cNvPr id="2" name="Title 1"/>
+          <p:cNvSpPr>
+            <a:spLocks noGrp="1"/>
+          </p:cNvSpPr>
+          <p:nvPr>
+            <p:ph type="title"/>
+          </p:nvPr>
+        </p:nvSpPr>
+        <p:spPr/>
+        <p:txBody>
+          <a:bodyPr/>
+          <a:lstStyle/>
+          <a:p>
+            <a:r>
+              <a:rPr lang="en-US" dirty="0" smtClean="0"/>
+              <a:t>Database Initialization</a:t>
+            </a:r>
+            <a:endParaRPr lang="en-US" dirty="0"/>
+          </a:p>
+        </p:txBody>
+      </p:sp>
+      <p:sp>
+        <p:nvSpPr>
+          <p:cNvPr id="3" name="Content Placeholder 2"/>
+          <p:cNvSpPr>
+            <a:spLocks noGrp="1"/>
+          </p:cNvSpPr>
+          <p:nvPr>
+            <p:ph idx="1"/>
+          </p:nvPr>
+        </p:nvSpPr>
+        <p:spPr/>
+        <p:txBody>
+          <a:bodyPr/>
+          <a:lstStyle/>
+          <a:p>
+            <a:r>
+              <a:rPr lang="en-US" dirty="0" err="1"/>
+              <a:t>ConnectionStringName</a:t>
+            </a:r>
+            <a:r>
+              <a:rPr lang="en-US" dirty="0" smtClean="0"/>
+              <a:t>:</a:t>
+            </a:r>
+          </a:p>
+          <a:p>
+            <a:pPr lvl="1"/>
+            <a:r>
+              <a:rPr lang="en-US" dirty="0" smtClean="0"/>
+              <a:t>Create </a:t>
+            </a:r>
+            <a:r>
+              <a:rPr lang="en-US" dirty="0"/>
+              <a:t>the database as per connection string</a:t>
+            </a:r>
+            <a:endParaRPr lang="en-US" dirty="0" smtClean="0"/>
+          </a:p>
+          <a:p>
+            <a:endParaRPr lang="en-US" dirty="0"/>
+          </a:p>
+        </p:txBody>
+      </p:sp>
+      <p:pic>
+        <p:nvPicPr>
+          <p:cNvPr id="3074" name="Picture 2"/>
+          <p:cNvPicPr>
+            <a:picLocks noChangeAspect="1" noChangeArrowheads="1"/>
+          </p:cNvPicPr>
+          <p:nvPr/>
+        </p:nvPicPr>
+        <p:blipFill>
+          <a:blip r:embed="rId2">
+            <a:extLst>
+              <a:ext uri="{28A0092B-C50C-407E-A947-70E740481C1C}">
+                <a14:useLocalDpi xmlns:a14="http://schemas.microsoft.com/office/drawing/2010/main" val="0"/>
+              </a:ext>
+            </a:extLst>
+          </a:blip>
+          <a:srcRect/>
+          <a:stretch>
+            <a:fillRect/>
+          </a:stretch>
+        </p:blipFill>
+        <p:spPr bwMode="auto">
+          <a:xfrm>
+            <a:off x="1174173" y="3429000"/>
+            <a:ext cx="6781800" cy="1257300"/>
+          </a:xfrm>
+          <a:prstGeom prst="rect">
+            <a:avLst/>
+          </a:prstGeom>
+          <a:noFill/>
+          <a:ln>
+            <a:noFill/>
+          </a:ln>
+          <a:effectLst/>
+          <a:extLst>
+            <a:ext uri="{909E8E84-426E-40DD-AFC4-6F175D3DCCD1}">
+              <a14:hiddenFill xmlns:a14="http://schemas.microsoft.com/office/drawing/2010/main">
+                <a:solidFill>
+                  <a:schemeClr val="accent1"/>
+                </a:solidFill>
+              </a14:hiddenFill>
+            </a:ext>
+            <a:ext uri="{91240B29-F687-4F45-9708-019B960494DF}">
+              <a14:hiddenLine xmlns:a14="http://schemas.microsoft.com/office/drawing/2010/main" w="9525">
+                <a:solidFill>
+                  <a:schemeClr val="tx1"/>
+                </a:solidFill>
+                <a:miter lim="800000"/>
+                <a:headEnd/>
+                <a:tailEnd/>
+              </a14:hiddenLine>
+            </a:ext>
+            <a:ext uri="{AF507438-7753-43E0-B8FC-AC1667EBCBE1}">
+              <a14:hiddenEffects xmlns:a14="http://schemas.microsoft.com/office/drawing/2010/main">
+                <a:effectLst>
+                  <a:outerShdw dist="35921" dir="2700000" algn="ctr" rotWithShape="0">
+                    <a:schemeClr val="bg2"/>
+                  </a:outerShdw>
+                </a:effectLst>
+              </a14:hiddenEffects>
+            </a:ext>
+          </a:extLst>
+        </p:spPr>
+      </p:pic>
+      <p:sp>
+        <p:nvSpPr>
+          <p:cNvPr id="4" name="Footer Placeholder 3"/>
+          <p:cNvSpPr>
+            <a:spLocks noGrp="1"/>
+          </p:cNvSpPr>
+          <p:nvPr>
+            <p:ph type="ftr" sz="quarter" idx="11"/>
+          </p:nvPr>
+        </p:nvSpPr>
+        <p:spPr/>
+        <p:txBody>
+          <a:bodyPr/>
+          <a:lstStyle/>
+          <a:p>
+            <a:r>
+              <a:rPr lang="en-US" smtClean="0"/>
+              <a:t>Syed Awn Ali</a:t>
+            </a:r>
+            <a:endParaRPr lang="en-US"/>
+          </a:p>
+        </p:txBody>
+      </p:sp>
+    </p:spTree>
+    <p:extLst>
+      <p:ext uri="{BB962C8B-B14F-4D97-AF65-F5344CB8AC3E}">
+        <p14:creationId xmlns:p14="http://schemas.microsoft.com/office/powerpoint/2010/main" val="2913019458"/>
+      </p:ext>
+    </p:extLst>
+  </p:cSld>
+  <p:clrMapOvr>
+    <a:masterClrMapping/>
+  </p:clrMapOvr>
+  <p:timing>
+    <p:tnLst>
+      <p:par>
+        <p:cTn id="1" dur="indefinite" restart="never" nodeType="tmRoot"/>
+      </p:par>
+    </p:tnLst>
+  </p:timing>
 </p:sld>
 </file>
 

--- a/Slides/EF/4 - Code First.pptx
+++ b/Slides/EF/4 - Code First.pptx
@@ -6,12 +6,12 @@
   </p:sldMasterIdLst>
   <p:sldIdLst>
     <p:sldId id="264" r:id="rId2"/>
-    <p:sldId id="265" r:id="rId3"/>
-    <p:sldId id="266" r:id="rId4"/>
-    <p:sldId id="267" r:id="rId5"/>
-    <p:sldId id="268" r:id="rId6"/>
-    <p:sldId id="269" r:id="rId7"/>
-    <p:sldId id="259" r:id="rId8"/>
+    <p:sldId id="295" r:id="rId3"/>
+    <p:sldId id="265" r:id="rId4"/>
+    <p:sldId id="259" r:id="rId5"/>
+    <p:sldId id="266" r:id="rId6"/>
+    <p:sldId id="268" r:id="rId7"/>
+    <p:sldId id="269" r:id="rId8"/>
     <p:sldId id="270" r:id="rId9"/>
     <p:sldId id="271" r:id="rId10"/>
     <p:sldId id="272" r:id="rId11"/>
@@ -19,23 +19,20 @@
     <p:sldId id="274" r:id="rId13"/>
     <p:sldId id="275" r:id="rId14"/>
     <p:sldId id="276" r:id="rId15"/>
-    <p:sldId id="277" r:id="rId16"/>
+    <p:sldId id="280" r:id="rId16"/>
     <p:sldId id="278" r:id="rId17"/>
     <p:sldId id="279" r:id="rId18"/>
-    <p:sldId id="280" r:id="rId19"/>
-    <p:sldId id="281" r:id="rId20"/>
+    <p:sldId id="281" r:id="rId19"/>
+    <p:sldId id="294" r:id="rId20"/>
     <p:sldId id="282" r:id="rId21"/>
     <p:sldId id="283" r:id="rId22"/>
-    <p:sldId id="284" r:id="rId23"/>
-    <p:sldId id="285" r:id="rId24"/>
-    <p:sldId id="286" r:id="rId25"/>
-    <p:sldId id="287" r:id="rId26"/>
-    <p:sldId id="288" r:id="rId27"/>
-    <p:sldId id="289" r:id="rId28"/>
-    <p:sldId id="290" r:id="rId29"/>
-    <p:sldId id="291" r:id="rId30"/>
-    <p:sldId id="258" r:id="rId31"/>
-    <p:sldId id="257" r:id="rId32"/>
+    <p:sldId id="293" r:id="rId23"/>
+    <p:sldId id="288" r:id="rId24"/>
+    <p:sldId id="289" r:id="rId25"/>
+    <p:sldId id="290" r:id="rId26"/>
+    <p:sldId id="291" r:id="rId27"/>
+    <p:sldId id="258" r:id="rId28"/>
+    <p:sldId id="267" r:id="rId29"/>
   </p:sldIdLst>
   <p:sldSz cx="9144000" cy="6858000" type="screen4x3"/>
   <p:notesSz cx="6858000" cy="9144000"/>
@@ -273,7 +270,7 @@
           <a:p>
             <a:fld id="{51647FD5-68CD-4470-B86E-1BC2872C8822}" type="datetimeFigureOut">
               <a:rPr lang="en-US" smtClean="0"/>
-              <a:t>2/1/2015</a:t>
+              <a:t>2/3/2015</a:t>
             </a:fld>
             <a:endParaRPr lang="en-US"/>
           </a:p>
@@ -443,7 +440,7 @@
           <a:p>
             <a:fld id="{51647FD5-68CD-4470-B86E-1BC2872C8822}" type="datetimeFigureOut">
               <a:rPr lang="en-US" smtClean="0"/>
-              <a:t>2/1/2015</a:t>
+              <a:t>2/3/2015</a:t>
             </a:fld>
             <a:endParaRPr lang="en-US"/>
           </a:p>
@@ -623,7 +620,7 @@
           <a:p>
             <a:fld id="{51647FD5-68CD-4470-B86E-1BC2872C8822}" type="datetimeFigureOut">
               <a:rPr lang="en-US" smtClean="0"/>
-              <a:t>2/1/2015</a:t>
+              <a:t>2/3/2015</a:t>
             </a:fld>
             <a:endParaRPr lang="en-US"/>
           </a:p>
@@ -793,7 +790,7 @@
           <a:p>
             <a:fld id="{51647FD5-68CD-4470-B86E-1BC2872C8822}" type="datetimeFigureOut">
               <a:rPr lang="en-US" smtClean="0"/>
-              <a:t>2/1/2015</a:t>
+              <a:t>2/3/2015</a:t>
             </a:fld>
             <a:endParaRPr lang="en-US"/>
           </a:p>
@@ -1037,7 +1034,7 @@
           <a:p>
             <a:fld id="{51647FD5-68CD-4470-B86E-1BC2872C8822}" type="datetimeFigureOut">
               <a:rPr lang="en-US" smtClean="0"/>
-              <a:t>2/1/2015</a:t>
+              <a:t>2/3/2015</a:t>
             </a:fld>
             <a:endParaRPr lang="en-US"/>
           </a:p>
@@ -1269,7 +1266,7 @@
           <a:p>
             <a:fld id="{51647FD5-68CD-4470-B86E-1BC2872C8822}" type="datetimeFigureOut">
               <a:rPr lang="en-US" smtClean="0"/>
-              <a:t>2/1/2015</a:t>
+              <a:t>2/3/2015</a:t>
             </a:fld>
             <a:endParaRPr lang="en-US"/>
           </a:p>
@@ -1636,7 +1633,7 @@
           <a:p>
             <a:fld id="{51647FD5-68CD-4470-B86E-1BC2872C8822}" type="datetimeFigureOut">
               <a:rPr lang="en-US" smtClean="0"/>
-              <a:t>2/1/2015</a:t>
+              <a:t>2/3/2015</a:t>
             </a:fld>
             <a:endParaRPr lang="en-US"/>
           </a:p>
@@ -1754,7 +1751,7 @@
           <a:p>
             <a:fld id="{51647FD5-68CD-4470-B86E-1BC2872C8822}" type="datetimeFigureOut">
               <a:rPr lang="en-US" smtClean="0"/>
-              <a:t>2/1/2015</a:t>
+              <a:t>2/3/2015</a:t>
             </a:fld>
             <a:endParaRPr lang="en-US"/>
           </a:p>
@@ -1849,7 +1846,7 @@
           <a:p>
             <a:fld id="{51647FD5-68CD-4470-B86E-1BC2872C8822}" type="datetimeFigureOut">
               <a:rPr lang="en-US" smtClean="0"/>
-              <a:t>2/1/2015</a:t>
+              <a:t>2/3/2015</a:t>
             </a:fld>
             <a:endParaRPr lang="en-US"/>
           </a:p>
@@ -2126,7 +2123,7 @@
           <a:p>
             <a:fld id="{51647FD5-68CD-4470-B86E-1BC2872C8822}" type="datetimeFigureOut">
               <a:rPr lang="en-US" smtClean="0"/>
-              <a:t>2/1/2015</a:t>
+              <a:t>2/3/2015</a:t>
             </a:fld>
             <a:endParaRPr lang="en-US"/>
           </a:p>
@@ -2383,7 +2380,7 @@
           <a:p>
             <a:fld id="{51647FD5-68CD-4470-B86E-1BC2872C8822}" type="datetimeFigureOut">
               <a:rPr lang="en-US" smtClean="0"/>
-              <a:t>2/1/2015</a:t>
+              <a:t>2/3/2015</a:t>
             </a:fld>
             <a:endParaRPr lang="en-US"/>
           </a:p>
@@ -2596,7 +2593,7 @@
           <a:p>
             <a:fld id="{51647FD5-68CD-4470-B86E-1BC2872C8822}" type="datetimeFigureOut">
               <a:rPr lang="en-US" smtClean="0"/>
-              <a:t>2/1/2015</a:t>
+              <a:t>2/3/2015</a:t>
             </a:fld>
             <a:endParaRPr lang="en-US"/>
           </a:p>
@@ -3045,15 +3042,7 @@
             </a:r>
             <a:r>
               <a:rPr lang="en-US" dirty="0" smtClean="0"/>
-              <a:t> </a:t>
-            </a:r>
-            <a:r>
-              <a:rPr lang="en-US" dirty="0" smtClean="0"/>
-              <a:t>– </a:t>
-            </a:r>
-            <a:r>
-              <a:rPr lang="en-US" dirty="0" smtClean="0"/>
-              <a:t>Code First</a:t>
+              <a:t> – Code First</a:t>
             </a:r>
             <a:endParaRPr lang="en-US" dirty="0"/>
           </a:p>
@@ -3131,11 +3120,11 @@
           <a:lstStyle/>
           <a:p>
             <a:r>
-              <a:rPr lang="en-US" b="1" dirty="0"/>
+              <a:rPr lang="en-US" dirty="0"/>
               <a:t>Database Initialization </a:t>
             </a:r>
             <a:r>
-              <a:rPr lang="en-US" b="1" dirty="0" smtClean="0"/>
+              <a:rPr lang="en-US" dirty="0" smtClean="0"/>
               <a:t>Strategies</a:t>
             </a:r>
             <a:endParaRPr lang="en-US" dirty="0"/>
@@ -3357,8 +3346,12 @@
           <a:lstStyle/>
           <a:p>
             <a:r>
-              <a:rPr lang="en-US" b="1" dirty="0"/>
-              <a:t>Turn off DB Initializer</a:t>
+              <a:rPr lang="en-US" dirty="0" smtClean="0"/>
+              <a:t>Tip: Turn </a:t>
+            </a:r>
+            <a:r>
+              <a:rPr lang="en-US" dirty="0"/>
+              <a:t>off DB Initializer</a:t>
             </a:r>
           </a:p>
         </p:txBody>
@@ -3428,7 +3421,7 @@
         </p:blipFill>
         <p:spPr bwMode="auto">
           <a:xfrm>
-            <a:off x="1712335" y="2819400"/>
+            <a:off x="1217813" y="2828730"/>
             <a:ext cx="5705475" cy="1552575"/>
           </a:xfrm>
           <a:prstGeom prst="rect">
@@ -3492,7 +3485,7 @@
         </p:blipFill>
         <p:spPr bwMode="auto">
           <a:xfrm>
-            <a:off x="1355148" y="4953000"/>
+            <a:off x="1217813" y="4789097"/>
             <a:ext cx="6419850" cy="1190625"/>
           </a:xfrm>
           <a:prstGeom prst="rect">
@@ -3611,11 +3604,11 @@
           <a:lstStyle/>
           <a:p>
             <a:r>
-              <a:rPr lang="en-US" b="1" dirty="0"/>
+              <a:rPr lang="en-US" dirty="0"/>
               <a:t>Seed </a:t>
             </a:r>
             <a:r>
-              <a:rPr lang="en-US" b="1" dirty="0" smtClean="0"/>
+              <a:rPr lang="en-US" dirty="0" smtClean="0"/>
               <a:t>Database</a:t>
             </a:r>
             <a:endParaRPr lang="en-US" dirty="0"/>
@@ -3797,11 +3790,11 @@
           <a:lstStyle/>
           <a:p>
             <a:r>
-              <a:rPr lang="en-US" b="1" dirty="0"/>
+              <a:rPr lang="en-US" dirty="0"/>
               <a:t>Configure Domain </a:t>
             </a:r>
             <a:r>
-              <a:rPr lang="en-US" b="1" dirty="0" smtClean="0"/>
+              <a:rPr lang="en-US" dirty="0" smtClean="0"/>
               <a:t>Classes</a:t>
             </a:r>
             <a:endParaRPr lang="en-US" dirty="0"/>
@@ -4091,47 +4084,33 @@
             <p:ph type="title"/>
           </p:nvPr>
         </p:nvSpPr>
-        <p:spPr/>
-        <p:txBody>
-          <a:bodyPr/>
+        <p:spPr>
+          <a:xfrm>
+            <a:off x="381000" y="0"/>
+            <a:ext cx="8534400" cy="758952"/>
+          </a:xfrm>
+        </p:spPr>
+        <p:txBody>
+          <a:bodyPr>
+            <a:normAutofit/>
+          </a:bodyPr>
           <a:lstStyle/>
           <a:p>
             <a:r>
               <a:rPr lang="en-US" dirty="0" err="1" smtClean="0"/>
               <a:t>DataAnnotation</a:t>
             </a:r>
-            <a:endParaRPr lang="en-US" dirty="0"/>
-          </a:p>
-        </p:txBody>
-      </p:sp>
-      <p:sp>
-        <p:nvSpPr>
-          <p:cNvPr id="3" name="Content Placeholder 2"/>
-          <p:cNvSpPr>
-            <a:spLocks noGrp="1"/>
-          </p:cNvSpPr>
-          <p:nvPr>
-            <p:ph idx="1"/>
-          </p:nvPr>
-        </p:nvSpPr>
-        <p:spPr/>
-        <p:txBody>
-          <a:bodyPr/>
-          <a:lstStyle/>
-          <a:p>
-            <a:r>
-              <a:rPr lang="en-US" dirty="0" smtClean="0"/>
-              <a:t>Example Code:</a:t>
-            </a:r>
-          </a:p>
-          <a:p>
+            <a:r>
+              <a:rPr lang="en-US" dirty="0" smtClean="0"/>
+              <a:t> Example</a:t>
+            </a:r>
             <a:endParaRPr lang="en-US" dirty="0"/>
           </a:p>
         </p:txBody>
       </p:sp>
       <p:pic>
         <p:nvPicPr>
-          <p:cNvPr id="7170" name="Picture 2"/>
+          <p:cNvPr id="10242" name="Picture 2"/>
           <p:cNvPicPr>
             <a:picLocks noChangeAspect="1" noChangeArrowheads="1"/>
           </p:cNvPicPr>
@@ -4152,8 +4131,8 @@
         </p:blipFill>
         <p:spPr bwMode="auto">
           <a:xfrm>
-            <a:off x="2667000" y="2286000"/>
-            <a:ext cx="4000500" cy="3228975"/>
+            <a:off x="838199" y="779136"/>
+            <a:ext cx="6486525" cy="3467100"/>
           </a:xfrm>
           <a:prstGeom prst="rect">
             <a:avLst/>
@@ -4193,33 +4172,74 @@
           </a:extLst>
         </p:spPr>
       </p:pic>
-      <p:sp>
-        <p:nvSpPr>
-          <p:cNvPr id="4" name="Footer Placeholder 3"/>
-          <p:cNvSpPr>
-            <a:spLocks noGrp="1"/>
-          </p:cNvSpPr>
-          <p:nvPr>
-            <p:ph type="ftr" sz="quarter" idx="11"/>
-          </p:nvPr>
-        </p:nvSpPr>
-        <p:spPr/>
-        <p:txBody>
-          <a:bodyPr/>
-          <a:lstStyle/>
-          <a:p>
-            <a:r>
-              <a:rPr lang="en-US" smtClean="0"/>
-              <a:t>Syed Awn Ali</a:t>
-            </a:r>
-            <a:endParaRPr lang="en-US"/>
-          </a:p>
-        </p:txBody>
-      </p:sp>
+      <p:pic>
+        <p:nvPicPr>
+          <p:cNvPr id="10244" name="Picture 4"/>
+          <p:cNvPicPr>
+            <a:picLocks noChangeAspect="1" noChangeArrowheads="1"/>
+          </p:cNvPicPr>
+          <p:nvPr/>
+        </p:nvPicPr>
+        <p:blipFill>
+          <a:blip r:embed="rId3">
+            <a:extLst>
+              <a:ext uri="{28A0092B-C50C-407E-A947-70E740481C1C}">
+                <a14:useLocalDpi xmlns:a14="http://schemas.microsoft.com/office/drawing/2010/main" val="0"/>
+              </a:ext>
+            </a:extLst>
+          </a:blip>
+          <a:srcRect/>
+          <a:stretch>
+            <a:fillRect/>
+          </a:stretch>
+        </p:blipFill>
+        <p:spPr bwMode="auto">
+          <a:xfrm>
+            <a:off x="838199" y="4266421"/>
+            <a:ext cx="6486525" cy="2057400"/>
+          </a:xfrm>
+          <a:prstGeom prst="rect">
+            <a:avLst/>
+          </a:prstGeom>
+          <a:noFill/>
+          <a:ln>
+            <a:noFill/>
+          </a:ln>
+          <a:effectLst/>
+          <a:extLst>
+            <a:ext uri="{909E8E84-426E-40DD-AFC4-6F175D3DCCD1}">
+              <a14:hiddenFill xmlns:a14="http://schemas.microsoft.com/office/drawing/2010/main">
+                <a:solidFill>
+                  <a:schemeClr val="accent1"/>
+                </a:solidFill>
+              </a14:hiddenFill>
+            </a:ext>
+            <a:ext uri="{91240B29-F687-4F45-9708-019B960494DF}">
+              <a14:hiddenLine xmlns:a14="http://schemas.microsoft.com/office/drawing/2010/main" w="9525">
+                <a:solidFill>
+                  <a:schemeClr val="tx1"/>
+                </a:solidFill>
+                <a:miter lim="800000"/>
+                <a:headEnd/>
+                <a:tailEnd/>
+              </a14:hiddenLine>
+            </a:ext>
+            <a:ext uri="{AF507438-7753-43E0-B8FC-AC1667EBCBE1}">
+              <a14:hiddenEffects xmlns:a14="http://schemas.microsoft.com/office/drawing/2010/main">
+                <a:effectLst>
+                  <a:outerShdw dist="35921" dir="2700000" algn="ctr" rotWithShape="0">
+                    <a:schemeClr val="bg2"/>
+                  </a:outerShdw>
+                </a:effectLst>
+              </a14:hiddenEffects>
+            </a:ext>
+          </a:extLst>
+        </p:spPr>
+      </p:pic>
     </p:spTree>
     <p:extLst>
       <p:ext uri="{BB962C8B-B14F-4D97-AF65-F5344CB8AC3E}">
-        <p14:creationId xmlns:p14="http://schemas.microsoft.com/office/powerpoint/2010/main" val="3012836657"/>
+        <p14:creationId xmlns:p14="http://schemas.microsoft.com/office/powerpoint/2010/main" val="4189550904"/>
       </p:ext>
     </p:extLst>
   </p:cSld>
@@ -4508,7 +4528,7 @@
         </p:blipFill>
         <p:spPr bwMode="auto">
           <a:xfrm>
-            <a:off x="609600" y="2099828"/>
+            <a:off x="609600" y="2501045"/>
             <a:ext cx="7902913" cy="3061293"/>
           </a:xfrm>
           <a:prstGeom prst="rect">
@@ -4619,12 +4639,7 @@
             <p:ph type="title"/>
           </p:nvPr>
         </p:nvSpPr>
-        <p:spPr>
-          <a:xfrm>
-            <a:off x="381000" y="0"/>
-            <a:ext cx="8534400" cy="758952"/>
-          </a:xfrm>
-        </p:spPr>
+        <p:spPr/>
         <p:txBody>
           <a:bodyPr>
             <a:normAutofit/>
@@ -4632,272 +4647,88 @@
           <a:lstStyle/>
           <a:p>
             <a:r>
+              <a:rPr lang="en-US" dirty="0"/>
+              <a:t>Fluent </a:t>
+            </a:r>
+            <a:r>
+              <a:rPr lang="en-US" dirty="0" smtClean="0"/>
+              <a:t>API</a:t>
+            </a:r>
+            <a:endParaRPr lang="en-US" dirty="0"/>
+          </a:p>
+        </p:txBody>
+      </p:sp>
+      <p:sp>
+        <p:nvSpPr>
+          <p:cNvPr id="3" name="Content Placeholder 2"/>
+          <p:cNvSpPr>
+            <a:spLocks noGrp="1"/>
+          </p:cNvSpPr>
+          <p:nvPr>
+            <p:ph idx="1"/>
+          </p:nvPr>
+        </p:nvSpPr>
+        <p:spPr/>
+        <p:txBody>
+          <a:bodyPr/>
+          <a:lstStyle/>
+          <a:p>
+            <a:r>
+              <a:rPr lang="en-US" dirty="0" smtClean="0"/>
+              <a:t>Start with creating annotations or class maps</a:t>
+            </a:r>
+          </a:p>
+          <a:p>
+            <a:r>
+              <a:rPr lang="en-US" dirty="0" smtClean="0"/>
+              <a:t>Don’t </a:t>
+            </a:r>
+            <a:r>
+              <a:rPr lang="en-US" dirty="0"/>
+              <a:t>find some attributes in </a:t>
+            </a:r>
+            <a:r>
               <a:rPr lang="en-US" dirty="0" err="1"/>
               <a:t>DataAnnotation</a:t>
             </a:r>
-            <a:endParaRPr lang="en-US" dirty="0"/>
-          </a:p>
-        </p:txBody>
-      </p:sp>
-      <p:pic>
-        <p:nvPicPr>
-          <p:cNvPr id="10242" name="Picture 2"/>
-          <p:cNvPicPr>
-            <a:picLocks noChangeAspect="1" noChangeArrowheads="1"/>
-          </p:cNvPicPr>
-          <p:nvPr/>
-        </p:nvPicPr>
-        <p:blipFill>
-          <a:blip r:embed="rId2">
-            <a:extLst>
-              <a:ext uri="{28A0092B-C50C-407E-A947-70E740481C1C}">
-                <a14:useLocalDpi xmlns:a14="http://schemas.microsoft.com/office/drawing/2010/main" val="0"/>
-              </a:ext>
-            </a:extLst>
-          </a:blip>
-          <a:srcRect/>
-          <a:stretch>
-            <a:fillRect/>
-          </a:stretch>
-        </p:blipFill>
-        <p:spPr bwMode="auto">
-          <a:xfrm>
-            <a:off x="838200" y="1219200"/>
-            <a:ext cx="6486525" cy="3467100"/>
-          </a:xfrm>
-          <a:prstGeom prst="rect">
-            <a:avLst/>
-          </a:prstGeom>
-          <a:noFill/>
-          <a:ln>
-            <a:noFill/>
-          </a:ln>
-          <a:effectLst/>
-          <a:extLst>
-            <a:ext uri="{909E8E84-426E-40DD-AFC4-6F175D3DCCD1}">
-              <a14:hiddenFill xmlns:a14="http://schemas.microsoft.com/office/drawing/2010/main">
-                <a:solidFill>
-                  <a:schemeClr val="accent1"/>
-                </a:solidFill>
-              </a14:hiddenFill>
-            </a:ext>
-            <a:ext uri="{91240B29-F687-4F45-9708-019B960494DF}">
-              <a14:hiddenLine xmlns:a14="http://schemas.microsoft.com/office/drawing/2010/main" w="9525">
-                <a:solidFill>
-                  <a:schemeClr val="tx1"/>
-                </a:solidFill>
-                <a:miter lim="800000"/>
-                <a:headEnd/>
-                <a:tailEnd/>
-              </a14:hiddenLine>
-            </a:ext>
-            <a:ext uri="{AF507438-7753-43E0-B8FC-AC1667EBCBE1}">
-              <a14:hiddenEffects xmlns:a14="http://schemas.microsoft.com/office/drawing/2010/main">
-                <a:effectLst>
-                  <a:outerShdw dist="35921" dir="2700000" algn="ctr" rotWithShape="0">
-                    <a:schemeClr val="bg2"/>
-                  </a:outerShdw>
-                </a:effectLst>
-              </a14:hiddenEffects>
-            </a:ext>
-          </a:extLst>
-        </p:spPr>
-      </p:pic>
-      <p:pic>
-        <p:nvPicPr>
-          <p:cNvPr id="10244" name="Picture 4"/>
-          <p:cNvPicPr>
-            <a:picLocks noChangeAspect="1" noChangeArrowheads="1"/>
-          </p:cNvPicPr>
-          <p:nvPr/>
-        </p:nvPicPr>
-        <p:blipFill>
-          <a:blip r:embed="rId3">
-            <a:extLst>
-              <a:ext uri="{28A0092B-C50C-407E-A947-70E740481C1C}">
-                <a14:useLocalDpi xmlns:a14="http://schemas.microsoft.com/office/drawing/2010/main" val="0"/>
-              </a:ext>
-            </a:extLst>
-          </a:blip>
-          <a:srcRect/>
-          <a:stretch>
-            <a:fillRect/>
-          </a:stretch>
-        </p:blipFill>
-        <p:spPr bwMode="auto">
-          <a:xfrm>
-            <a:off x="838199" y="4672445"/>
-            <a:ext cx="6486525" cy="2057400"/>
-          </a:xfrm>
-          <a:prstGeom prst="rect">
-            <a:avLst/>
-          </a:prstGeom>
-          <a:noFill/>
-          <a:ln>
-            <a:noFill/>
-          </a:ln>
-          <a:effectLst/>
-          <a:extLst>
-            <a:ext uri="{909E8E84-426E-40DD-AFC4-6F175D3DCCD1}">
-              <a14:hiddenFill xmlns:a14="http://schemas.microsoft.com/office/drawing/2010/main">
-                <a:solidFill>
-                  <a:schemeClr val="accent1"/>
-                </a:solidFill>
-              </a14:hiddenFill>
-            </a:ext>
-            <a:ext uri="{91240B29-F687-4F45-9708-019B960494DF}">
-              <a14:hiddenLine xmlns:a14="http://schemas.microsoft.com/office/drawing/2010/main" w="9525">
-                <a:solidFill>
-                  <a:schemeClr val="tx1"/>
-                </a:solidFill>
-                <a:miter lim="800000"/>
-                <a:headEnd/>
-                <a:tailEnd/>
-              </a14:hiddenLine>
-            </a:ext>
-            <a:ext uri="{AF507438-7753-43E0-B8FC-AC1667EBCBE1}">
-              <a14:hiddenEffects xmlns:a14="http://schemas.microsoft.com/office/drawing/2010/main">
-                <a:effectLst>
-                  <a:outerShdw dist="35921" dir="2700000" algn="ctr" rotWithShape="0">
-                    <a:schemeClr val="bg2"/>
-                  </a:outerShdw>
-                </a:effectLst>
-              </a14:hiddenEffects>
-            </a:ext>
-          </a:extLst>
-        </p:spPr>
-      </p:pic>
-      <p:sp>
-        <p:nvSpPr>
-          <p:cNvPr id="4" name="Footer Placeholder 3"/>
-          <p:cNvSpPr>
-            <a:spLocks noGrp="1"/>
-          </p:cNvSpPr>
-          <p:nvPr>
-            <p:ph type="ftr" sz="quarter" idx="11"/>
-          </p:nvPr>
-        </p:nvSpPr>
-        <p:spPr/>
-        <p:txBody>
-          <a:bodyPr/>
-          <a:lstStyle/>
-          <a:p>
-            <a:r>
-              <a:rPr lang="en-US" smtClean="0"/>
-              <a:t>Syed Awn Ali</a:t>
-            </a:r>
-            <a:endParaRPr lang="en-US"/>
-          </a:p>
-        </p:txBody>
-      </p:sp>
-    </p:spTree>
-    <p:extLst>
-      <p:ext uri="{BB962C8B-B14F-4D97-AF65-F5344CB8AC3E}">
-        <p14:creationId xmlns:p14="http://schemas.microsoft.com/office/powerpoint/2010/main" val="4189550904"/>
-      </p:ext>
-    </p:extLst>
-  </p:cSld>
-  <p:clrMapOvr>
-    <a:masterClrMapping/>
-  </p:clrMapOvr>
-  <p:timing>
-    <p:tnLst>
-      <p:par>
-        <p:cTn id="1" dur="indefinite" restart="never" nodeType="tmRoot"/>
-      </p:par>
-    </p:tnLst>
-  </p:timing>
-</p:sld>
-</file>
-
-<file path=ppt/slides/slide19.xml><?xml version="1.0" encoding="utf-8"?>
-<p:sld xmlns:a="http://schemas.openxmlformats.org/drawingml/2006/main" xmlns:r="http://schemas.openxmlformats.org/officeDocument/2006/relationships" xmlns:p="http://schemas.openxmlformats.org/presentationml/2006/main">
-  <p:cSld>
-    <p:spTree>
-      <p:nvGrpSpPr>
-        <p:cNvPr id="1" name=""/>
-        <p:cNvGrpSpPr/>
-        <p:nvPr/>
-      </p:nvGrpSpPr>
-      <p:grpSpPr>
-        <a:xfrm>
-          <a:off x="0" y="0"/>
-          <a:ext cx="0" cy="0"/>
-          <a:chOff x="0" y="0"/>
-          <a:chExt cx="0" cy="0"/>
-        </a:xfrm>
-      </p:grpSpPr>
-      <p:sp>
-        <p:nvSpPr>
-          <p:cNvPr id="2" name="Title 1"/>
-          <p:cNvSpPr>
-            <a:spLocks noGrp="1"/>
-          </p:cNvSpPr>
-          <p:nvPr>
-            <p:ph type="title"/>
-          </p:nvPr>
-        </p:nvSpPr>
-        <p:spPr/>
-        <p:txBody>
-          <a:bodyPr>
-            <a:normAutofit/>
-          </a:bodyPr>
-          <a:lstStyle/>
-          <a:p>
-            <a:r>
-              <a:rPr lang="en-US" b="1" dirty="0"/>
-              <a:t>Fluent </a:t>
-            </a:r>
-            <a:r>
-              <a:rPr lang="en-US" b="1" dirty="0" smtClean="0"/>
+            <a:r>
+              <a:rPr lang="en-US" dirty="0"/>
+              <a:t> then you </a:t>
+            </a:r>
+            <a:r>
+              <a:rPr lang="en-US" dirty="0" smtClean="0"/>
+              <a:t>can use </a:t>
+            </a:r>
+            <a:r>
+              <a:rPr lang="en-US" dirty="0"/>
+              <a:t>use Fluent </a:t>
+            </a:r>
+            <a:r>
+              <a:rPr lang="en-US" dirty="0" smtClean="0"/>
               <a:t>API</a:t>
             </a:r>
-            <a:endParaRPr lang="en-US" dirty="0"/>
-          </a:p>
-        </p:txBody>
-      </p:sp>
-      <p:sp>
-        <p:nvSpPr>
-          <p:cNvPr id="3" name="Content Placeholder 2"/>
-          <p:cNvSpPr>
-            <a:spLocks noGrp="1"/>
-          </p:cNvSpPr>
-          <p:nvPr>
-            <p:ph idx="1"/>
-          </p:nvPr>
-        </p:nvSpPr>
-        <p:spPr/>
-        <p:txBody>
-          <a:bodyPr/>
-          <a:lstStyle/>
-          <a:p>
-            <a:r>
-              <a:rPr lang="en-US" dirty="0" smtClean="0"/>
-              <a:t>Don’t </a:t>
-            </a:r>
-            <a:r>
-              <a:rPr lang="en-US" dirty="0"/>
-              <a:t>find some attributes in </a:t>
-            </a:r>
-            <a:r>
-              <a:rPr lang="en-US" dirty="0" err="1"/>
-              <a:t>DataAnnotation</a:t>
-            </a:r>
-            <a:r>
-              <a:rPr lang="en-US" dirty="0"/>
-              <a:t> then you have to use Fluent </a:t>
-            </a:r>
-            <a:r>
-              <a:rPr lang="en-US" dirty="0" smtClean="0"/>
-              <a:t>API</a:t>
-            </a:r>
-          </a:p>
-          <a:p>
-            <a:r>
-              <a:rPr lang="en-US" dirty="0" smtClean="0"/>
-              <a:t>Example:</a:t>
-            </a:r>
-            <a:endParaRPr lang="en-US" dirty="0"/>
+          </a:p>
+          <a:p>
+            <a:r>
+              <a:rPr lang="en-US" dirty="0" smtClean="0"/>
+              <a:t>Perform it in the </a:t>
+            </a:r>
+            <a:r>
+              <a:rPr lang="en-US" dirty="0" err="1" smtClean="0"/>
+              <a:t>OnModelCreating</a:t>
+            </a:r>
+            <a:r>
+              <a:rPr lang="en-US" dirty="0" smtClean="0"/>
+              <a:t> method</a:t>
+            </a:r>
+          </a:p>
+          <a:p>
+            <a:pPr lvl="1"/>
+            <a:r>
+              <a:rPr lang="en-US" dirty="0" smtClean="0"/>
+              <a:t>Called after model initialized but before it is locked down</a:t>
+            </a:r>
+            <a:endParaRPr lang="en-US" dirty="0" smtClean="0"/>
           </a:p>
           <a:p>
             <a:endParaRPr lang="en-US" dirty="0"/>
@@ -4927,7 +4758,7 @@
         </p:blipFill>
         <p:spPr bwMode="auto">
           <a:xfrm>
-            <a:off x="1066800" y="3124200"/>
+            <a:off x="2363754" y="4104432"/>
             <a:ext cx="6572250" cy="2552700"/>
           </a:xfrm>
           <a:prstGeom prst="rect">
@@ -4968,29 +4799,6 @@
           </a:extLst>
         </p:spPr>
       </p:pic>
-      <p:sp>
-        <p:nvSpPr>
-          <p:cNvPr id="4" name="Footer Placeholder 3"/>
-          <p:cNvSpPr>
-            <a:spLocks noGrp="1"/>
-          </p:cNvSpPr>
-          <p:nvPr>
-            <p:ph type="ftr" sz="quarter" idx="11"/>
-          </p:nvPr>
-        </p:nvSpPr>
-        <p:spPr/>
-        <p:txBody>
-          <a:bodyPr/>
-          <a:lstStyle/>
-          <a:p>
-            <a:r>
-              <a:rPr lang="en-US" smtClean="0"/>
-              <a:t>Syed Awn Ali</a:t>
-            </a:r>
-            <a:endParaRPr lang="en-US"/>
-          </a:p>
-        </p:txBody>
-      </p:sp>
     </p:spTree>
     <p:extLst>
       <p:ext uri="{BB962C8B-B14F-4D97-AF65-F5344CB8AC3E}">
@@ -5011,6 +4819,83 @@
 </p:sld>
 </file>
 
+<file path=ppt/slides/slide19.xml><?xml version="1.0" encoding="utf-8"?>
+<p:sld xmlns:a="http://schemas.openxmlformats.org/drawingml/2006/main" xmlns:r="http://schemas.openxmlformats.org/officeDocument/2006/relationships" xmlns:p="http://schemas.openxmlformats.org/presentationml/2006/main">
+  <p:cSld>
+    <p:spTree>
+      <p:nvGrpSpPr>
+        <p:cNvPr id="1" name=""/>
+        <p:cNvGrpSpPr/>
+        <p:nvPr/>
+      </p:nvGrpSpPr>
+      <p:grpSpPr>
+        <a:xfrm>
+          <a:off x="0" y="0"/>
+          <a:ext cx="0" cy="0"/>
+          <a:chOff x="0" y="0"/>
+          <a:chExt cx="0" cy="0"/>
+        </a:xfrm>
+      </p:grpSpPr>
+      <p:sp>
+        <p:nvSpPr>
+          <p:cNvPr id="2" name="Title 1"/>
+          <p:cNvSpPr>
+            <a:spLocks noGrp="1"/>
+          </p:cNvSpPr>
+          <p:nvPr>
+            <p:ph type="title"/>
+          </p:nvPr>
+        </p:nvSpPr>
+        <p:spPr/>
+        <p:txBody>
+          <a:bodyPr/>
+          <a:lstStyle/>
+          <a:p>
+            <a:r>
+              <a:rPr lang="en-US" dirty="0" smtClean="0"/>
+              <a:t>Map class examples</a:t>
+            </a:r>
+            <a:endParaRPr lang="en-US" dirty="0"/>
+          </a:p>
+        </p:txBody>
+      </p:sp>
+      <p:pic>
+        <p:nvPicPr>
+          <p:cNvPr id="7" name="Picture 6"/>
+          <p:cNvPicPr>
+            <a:picLocks noChangeAspect="1"/>
+          </p:cNvPicPr>
+          <p:nvPr/>
+        </p:nvPicPr>
+        <p:blipFill>
+          <a:blip r:embed="rId2"/>
+          <a:stretch>
+            <a:fillRect/>
+          </a:stretch>
+        </p:blipFill>
+        <p:spPr>
+          <a:xfrm>
+            <a:off x="751405" y="1601950"/>
+            <a:ext cx="7286625" cy="4400550"/>
+          </a:xfrm>
+          <a:prstGeom prst="rect">
+            <a:avLst/>
+          </a:prstGeom>
+        </p:spPr>
+      </p:pic>
+    </p:spTree>
+    <p:extLst>
+      <p:ext uri="{BB962C8B-B14F-4D97-AF65-F5344CB8AC3E}">
+        <p14:creationId xmlns:p14="http://schemas.microsoft.com/office/powerpoint/2010/main" val="851727374"/>
+      </p:ext>
+    </p:extLst>
+  </p:cSld>
+  <p:clrMapOvr>
+    <a:masterClrMapping/>
+  </p:clrMapOvr>
+</p:sld>
+</file>
+
 <file path=ppt/slides/slide2.xml><?xml version="1.0" encoding="utf-8"?>
 <p:sld xmlns:a="http://schemas.openxmlformats.org/drawingml/2006/main" xmlns:r="http://schemas.openxmlformats.org/officeDocument/2006/relationships" xmlns:p="http://schemas.openxmlformats.org/presentationml/2006/main">
   <p:cSld>
@@ -5043,7 +4928,11 @@
           <a:bodyPr/>
           <a:lstStyle/>
           <a:p>
-            <a:endParaRPr lang="en-US"/>
+            <a:r>
+              <a:rPr lang="en-US" dirty="0" smtClean="0"/>
+              <a:t>Overview</a:t>
+            </a:r>
+            <a:endParaRPr lang="en-US" dirty="0"/>
           </a:p>
         </p:txBody>
       </p:sp>
@@ -5063,64 +4952,33 @@
           <a:lstStyle/>
           <a:p>
             <a:r>
-              <a:rPr lang="en-US" dirty="0"/>
-              <a:t>Starts from Entity Framework 4.1</a:t>
-            </a:r>
-          </a:p>
-          <a:p>
-            <a:r>
-              <a:rPr lang="en-US" dirty="0"/>
-              <a:t>Features</a:t>
-            </a:r>
-          </a:p>
-          <a:p>
-            <a:pPr lvl="1"/>
-            <a:r>
-              <a:rPr lang="en-GB" dirty="0"/>
-              <a:t>Useful in Domain Driven Design</a:t>
-            </a:r>
-            <a:endParaRPr lang="en-US" dirty="0"/>
-          </a:p>
-          <a:p>
-            <a:pPr lvl="1"/>
-            <a:r>
-              <a:rPr lang="en-US" dirty="0"/>
-              <a:t>One-to-one, one-to-many and many-to-many relationship</a:t>
-            </a:r>
-          </a:p>
-          <a:p>
-            <a:pPr lvl="1"/>
-            <a:r>
-              <a:rPr lang="en-US" dirty="0" err="1"/>
-              <a:t>DataAnnotation</a:t>
-            </a:r>
-            <a:endParaRPr lang="en-US" dirty="0"/>
-          </a:p>
-          <a:p>
-            <a:pPr lvl="1"/>
-            <a:r>
-              <a:rPr lang="en-US" dirty="0"/>
+              <a:rPr lang="en-US" dirty="0" smtClean="0"/>
+              <a:t>Code-first availability and process</a:t>
+            </a:r>
+          </a:p>
+          <a:p>
+            <a:r>
+              <a:rPr lang="en-US" dirty="0" smtClean="0"/>
+              <a:t>Database initialization</a:t>
+            </a:r>
+          </a:p>
+          <a:p>
+            <a:r>
+              <a:rPr lang="en-US" dirty="0" smtClean="0"/>
+              <a:t>Data Annotation</a:t>
+            </a:r>
+          </a:p>
+          <a:p>
+            <a:r>
+              <a:rPr lang="en-US" dirty="0" smtClean="0"/>
               <a:t>Fluent API</a:t>
             </a:r>
           </a:p>
           <a:p>
             <a:r>
-              <a:rPr lang="en-US" dirty="0"/>
-              <a:t>Prerequisites:</a:t>
-            </a:r>
-          </a:p>
-          <a:p>
-            <a:pPr lvl="1"/>
-            <a:r>
-              <a:rPr lang="en-US" dirty="0" err="1"/>
-              <a:t>.Net</a:t>
-            </a:r>
-            <a:r>
-              <a:rPr lang="en-US" dirty="0"/>
-              <a:t> Framework3.5, C#, Visual Studio 2010 and MS SQL Server</a:t>
-            </a:r>
-          </a:p>
-          <a:p>
+              <a:rPr lang="en-US" dirty="0" smtClean="0"/>
+              <a:t>Data Migration</a:t>
+            </a:r>
             <a:endParaRPr lang="en-US" dirty="0"/>
           </a:p>
         </p:txBody>
@@ -5128,7 +4986,7 @@
     </p:spTree>
     <p:extLst>
       <p:ext uri="{BB962C8B-B14F-4D97-AF65-F5344CB8AC3E}">
-        <p14:creationId xmlns:p14="http://schemas.microsoft.com/office/powerpoint/2010/main" val="4164969449"/>
+        <p14:creationId xmlns:p14="http://schemas.microsoft.com/office/powerpoint/2010/main" val="2698908462"/>
       </p:ext>
     </p:extLst>
   </p:cSld>
@@ -5564,15 +5422,40 @@
           <a:lstStyle/>
           <a:p>
             <a:r>
-              <a:rPr lang="en-US" dirty="0"/>
-              <a:t>Fluent API classes</a:t>
-            </a:r>
-          </a:p>
-        </p:txBody>
-      </p:sp>
-      <p:sp>
-        <p:nvSpPr>
-          <p:cNvPr id="3" name="Content Placeholder 2"/>
+              <a:rPr lang="en-US" dirty="0" smtClean="0"/>
+              <a:t>Examples</a:t>
+            </a:r>
+            <a:endParaRPr lang="en-US" dirty="0"/>
+          </a:p>
+        </p:txBody>
+      </p:sp>
+      <p:pic>
+        <p:nvPicPr>
+          <p:cNvPr id="5" name="Picture 4"/>
+          <p:cNvPicPr>
+            <a:picLocks noChangeAspect="1"/>
+          </p:cNvPicPr>
+          <p:nvPr/>
+        </p:nvPicPr>
+        <p:blipFill>
+          <a:blip r:embed="rId2"/>
+          <a:stretch>
+            <a:fillRect/>
+          </a:stretch>
+        </p:blipFill>
+        <p:spPr>
+          <a:xfrm>
+            <a:off x="802430" y="2407805"/>
+            <a:ext cx="7930340" cy="928858"/>
+          </a:xfrm>
+          <a:prstGeom prst="rect">
+            <a:avLst/>
+          </a:prstGeom>
+        </p:spPr>
+      </p:pic>
+      <p:sp>
+        <p:nvSpPr>
+          <p:cNvPr id="6" name="Content Placeholder 5"/>
           <p:cNvSpPr>
             <a:spLocks noGrp="1"/>
           </p:cNvSpPr>
@@ -5580,177 +5463,108 @@
             <p:ph idx="1"/>
           </p:nvPr>
         </p:nvSpPr>
-        <p:spPr/>
-        <p:txBody>
-          <a:bodyPr>
-            <a:normAutofit fontScale="70000" lnSpcReduction="20000"/>
-          </a:bodyPr>
-          <a:lstStyle/>
-          <a:p>
-            <a:r>
-              <a:rPr lang="en-US" dirty="0" smtClean="0"/>
-              <a:t>Level 1:</a:t>
-            </a:r>
-          </a:p>
-          <a:p>
-            <a:pPr lvl="1"/>
-            <a:r>
-              <a:rPr lang="en-US" dirty="0" err="1"/>
-              <a:t>DbModelBuilder</a:t>
-            </a:r>
-            <a:r>
-              <a:rPr lang="en-US" dirty="0"/>
-              <a:t> </a:t>
-            </a:r>
-            <a:r>
-              <a:rPr lang="en-US" dirty="0" smtClean="0"/>
-              <a:t>Class</a:t>
-            </a:r>
-          </a:p>
-          <a:p>
-            <a:pPr lvl="2"/>
-            <a:r>
-              <a:rPr lang="en-US" dirty="0"/>
-              <a:t>M</a:t>
-            </a:r>
-            <a:r>
-              <a:rPr lang="en-US" dirty="0" smtClean="0"/>
-              <a:t>ain class</a:t>
-            </a:r>
-          </a:p>
-          <a:p>
-            <a:r>
-              <a:rPr lang="en-US" dirty="0" smtClean="0"/>
-              <a:t>Level 2:</a:t>
-            </a:r>
-          </a:p>
-          <a:p>
-            <a:pPr lvl="1"/>
-            <a:r>
-              <a:rPr lang="en-US" dirty="0" err="1"/>
-              <a:t>EntityTypeConfiguration</a:t>
-            </a:r>
-            <a:r>
-              <a:rPr lang="en-US" dirty="0"/>
-              <a:t> </a:t>
-            </a:r>
+        <p:spPr>
+          <a:xfrm>
+            <a:off x="554005" y="1825625"/>
+            <a:ext cx="7886700" cy="4351338"/>
+          </a:xfrm>
+        </p:spPr>
+        <p:txBody>
+          <a:bodyPr/>
+          <a:lstStyle/>
+          <a:p>
+            <a:r>
+              <a:rPr lang="en-US" dirty="0" smtClean="0"/>
+              <a:t>Entity has an index on the Name Property</a:t>
+            </a:r>
+          </a:p>
+          <a:p>
+            <a:endParaRPr lang="en-US" dirty="0"/>
+          </a:p>
+          <a:p>
             <a:endParaRPr lang="en-US" dirty="0" smtClean="0"/>
           </a:p>
           <a:p>
-            <a:pPr lvl="2"/>
-            <a:r>
-              <a:rPr lang="en-US" dirty="0"/>
-              <a:t>S</a:t>
-            </a:r>
-            <a:r>
-              <a:rPr lang="en-US" dirty="0" smtClean="0"/>
-              <a:t>et </a:t>
-            </a:r>
-            <a:r>
-              <a:rPr lang="en-US" dirty="0"/>
-              <a:t>relationship between </a:t>
-            </a:r>
-            <a:r>
-              <a:rPr lang="en-US" dirty="0" smtClean="0"/>
-              <a:t>entities</a:t>
-            </a:r>
-          </a:p>
-          <a:p>
-            <a:r>
-              <a:rPr lang="en-US" dirty="0" smtClean="0"/>
-              <a:t>Level 3:</a:t>
-            </a:r>
-          </a:p>
-          <a:p>
-            <a:pPr lvl="1"/>
-            <a:r>
-              <a:rPr lang="en-US" dirty="0" err="1" smtClean="0"/>
-              <a:t>ManyNavigarionConfiguration</a:t>
-            </a:r>
+            <a:r>
+              <a:rPr lang="en-US" dirty="0" smtClean="0"/>
+              <a:t>Don’t map this property</a:t>
+            </a:r>
+          </a:p>
+          <a:p>
+            <a:endParaRPr lang="en-US" dirty="0"/>
+          </a:p>
+          <a:p>
+            <a:r>
+              <a:rPr lang="en-US" dirty="0" smtClean="0"/>
+              <a:t>Specify the type of a property in the database</a:t>
+            </a:r>
+          </a:p>
+          <a:p>
             <a:endParaRPr lang="en-US" dirty="0" smtClean="0"/>
           </a:p>
           <a:p>
-            <a:pPr lvl="1"/>
-            <a:r>
-              <a:rPr lang="en-US" dirty="0" err="1" smtClean="0"/>
-              <a:t>OptionalNavigationPropertyConfiguration</a:t>
-            </a:r>
-            <a:endParaRPr lang="en-US" dirty="0"/>
-          </a:p>
-          <a:p>
-            <a:pPr lvl="1"/>
-            <a:r>
-              <a:rPr lang="en-US" dirty="0" err="1" smtClean="0"/>
-              <a:t>RequiredNavigationPropertyConfiguration</a:t>
-            </a:r>
-            <a:endParaRPr lang="en-US" dirty="0" smtClean="0"/>
-          </a:p>
-          <a:p>
-            <a:pPr lvl="1"/>
-            <a:endParaRPr lang="en-US" dirty="0"/>
-          </a:p>
-          <a:p>
-            <a:r>
-              <a:rPr lang="en-US" dirty="0"/>
-              <a:t>Level 1 and Level 2 classes can be used to configure relationship between the entities that will be mapped to database </a:t>
-            </a:r>
-            <a:r>
-              <a:rPr lang="en-US" dirty="0" smtClean="0"/>
-              <a:t>tables</a:t>
-            </a:r>
-          </a:p>
-          <a:p>
-            <a:endParaRPr lang="en-US" dirty="0" smtClean="0"/>
-          </a:p>
-          <a:p>
-            <a:r>
-              <a:rPr lang="en-US" dirty="0"/>
-              <a:t>Level 3 &amp; 4 can be used to configure additional mapping between the entities.</a:t>
-            </a:r>
-            <a:endParaRPr lang="en-US" dirty="0" smtClean="0"/>
-          </a:p>
-        </p:txBody>
-      </p:sp>
-      <p:sp>
-        <p:nvSpPr>
-          <p:cNvPr id="4" name="Footer Placeholder 3"/>
-          <p:cNvSpPr>
-            <a:spLocks noGrp="1"/>
-          </p:cNvSpPr>
-          <p:nvPr>
-            <p:ph type="ftr" sz="quarter" idx="11"/>
-          </p:nvPr>
-        </p:nvSpPr>
-        <p:spPr/>
-        <p:txBody>
-          <a:bodyPr/>
-          <a:lstStyle/>
-          <a:p>
-            <a:r>
-              <a:rPr lang="en-US" smtClean="0"/>
-              <a:t>Syed Awn Ali</a:t>
-            </a:r>
-            <a:endParaRPr lang="en-US"/>
-          </a:p>
-        </p:txBody>
-      </p:sp>
+            <a:endParaRPr lang="en-US" dirty="0"/>
+          </a:p>
+        </p:txBody>
+      </p:sp>
+      <p:pic>
+        <p:nvPicPr>
+          <p:cNvPr id="7" name="Picture 6"/>
+          <p:cNvPicPr>
+            <a:picLocks noChangeAspect="1"/>
+          </p:cNvPicPr>
+          <p:nvPr/>
+        </p:nvPicPr>
+        <p:blipFill>
+          <a:blip r:embed="rId3"/>
+          <a:stretch>
+            <a:fillRect/>
+          </a:stretch>
+        </p:blipFill>
+        <p:spPr>
+          <a:xfrm>
+            <a:off x="802430" y="4001294"/>
+            <a:ext cx="6172200" cy="200025"/>
+          </a:xfrm>
+          <a:prstGeom prst="rect">
+            <a:avLst/>
+          </a:prstGeom>
+        </p:spPr>
+      </p:pic>
+      <p:pic>
+        <p:nvPicPr>
+          <p:cNvPr id="8" name="Picture 7"/>
+          <p:cNvPicPr>
+            <a:picLocks noChangeAspect="1"/>
+          </p:cNvPicPr>
+          <p:nvPr/>
+        </p:nvPicPr>
+        <p:blipFill>
+          <a:blip r:embed="rId4"/>
+          <a:stretch>
+            <a:fillRect/>
+          </a:stretch>
+        </p:blipFill>
+        <p:spPr>
+          <a:xfrm>
+            <a:off x="847725" y="4865950"/>
+            <a:ext cx="3724275" cy="733425"/>
+          </a:xfrm>
+          <a:prstGeom prst="rect">
+            <a:avLst/>
+          </a:prstGeom>
+        </p:spPr>
+      </p:pic>
     </p:spTree>
     <p:extLst>
       <p:ext uri="{BB962C8B-B14F-4D97-AF65-F5344CB8AC3E}">
-        <p14:creationId xmlns:p14="http://schemas.microsoft.com/office/powerpoint/2010/main" val="2522903853"/>
+        <p14:creationId xmlns:p14="http://schemas.microsoft.com/office/powerpoint/2010/main" val="3130244713"/>
       </p:ext>
     </p:extLst>
   </p:cSld>
   <p:clrMapOvr>
     <a:masterClrMapping/>
   </p:clrMapOvr>
-  <p:timing>
-    <p:tnLst>
-      <p:par>
-        <p:cTn id="1" dur="indefinite" restart="never" nodeType="tmRoot"/>
-      </p:par>
-    </p:tnLst>
-  </p:timing>
 </p:sld>
 </file>
 
@@ -5789,8 +5603,12 @@
           <a:lstStyle/>
           <a:p>
             <a:r>
-              <a:rPr lang="en-US" b="1" dirty="0" smtClean="0"/>
-              <a:t>One-to-One Relationship</a:t>
+              <a:rPr lang="en-US" dirty="0"/>
+              <a:t>Migration in </a:t>
+            </a:r>
+            <a:r>
+              <a:rPr lang="en-US" dirty="0" smtClean="0"/>
+              <a:t>Code-First</a:t>
             </a:r>
             <a:endParaRPr lang="en-US" dirty="0"/>
           </a:p>
@@ -5815,112 +5633,147 @@
           <a:p>
             <a:r>
               <a:rPr lang="en-US" dirty="0"/>
-              <a:t>W</a:t>
-            </a:r>
-            <a:r>
-              <a:rPr lang="en-US" dirty="0" smtClean="0"/>
-              <a:t>hen </a:t>
-            </a:r>
-            <a:r>
-              <a:rPr lang="en-US" dirty="0"/>
-              <a:t>primary key of one table becomes PK &amp; FK in another </a:t>
-            </a:r>
-            <a:r>
-              <a:rPr lang="en-US" dirty="0" smtClean="0"/>
-              <a:t>table</a:t>
-            </a:r>
-          </a:p>
-          <a:p>
-            <a:endParaRPr lang="en-US" dirty="0"/>
-          </a:p>
-          <a:p>
+              <a:t>D</a:t>
+            </a:r>
+            <a:r>
+              <a:rPr lang="en-US" dirty="0" smtClean="0"/>
+              <a:t>atabase </a:t>
+            </a:r>
+            <a:r>
+              <a:rPr lang="en-US" dirty="0"/>
+              <a:t>initialization </a:t>
+            </a:r>
+            <a:r>
+              <a:rPr lang="en-US" dirty="0" smtClean="0"/>
+              <a:t>strategies:</a:t>
+            </a:r>
+          </a:p>
+          <a:p>
+            <a:pPr lvl="1"/>
+            <a:r>
+              <a:rPr lang="en-US" dirty="0" err="1" smtClean="0"/>
+              <a:t>CreateDatabaseIfNotExists</a:t>
+            </a:r>
             <a:endParaRPr lang="en-US" dirty="0" smtClean="0"/>
           </a:p>
           <a:p>
-            <a:endParaRPr lang="en-US" dirty="0"/>
-          </a:p>
-          <a:p>
+            <a:pPr lvl="1"/>
+            <a:r>
+              <a:rPr lang="en-US" dirty="0" err="1"/>
+              <a:t>DropCreateDatabaseIfModelChanges</a:t>
+            </a:r>
+            <a:r>
+              <a:rPr lang="en-US" dirty="0"/>
+              <a:t> </a:t>
+            </a:r>
             <a:endParaRPr lang="en-US" dirty="0" smtClean="0"/>
           </a:p>
           <a:p>
-            <a:endParaRPr lang="en-US" dirty="0"/>
-          </a:p>
-          <a:p>
+            <a:pPr lvl="1"/>
+            <a:r>
+              <a:rPr lang="en-US" dirty="0" err="1" smtClean="0"/>
+              <a:t>DropCreateDatabaseAlways</a:t>
+            </a:r>
             <a:endParaRPr lang="en-US" dirty="0" smtClean="0"/>
           </a:p>
           <a:p>
             <a:r>
               <a:rPr lang="en-US" dirty="0" smtClean="0"/>
-              <a:t>Quick Start Example:</a:t>
-            </a:r>
-            <a:endParaRPr lang="en-US" dirty="0"/>
-          </a:p>
-        </p:txBody>
-      </p:sp>
-      <p:pic>
-        <p:nvPicPr>
-          <p:cNvPr id="15362" name="Picture 2"/>
-          <p:cNvPicPr>
-            <a:picLocks noChangeAspect="1" noChangeArrowheads="1"/>
-          </p:cNvPicPr>
-          <p:nvPr/>
-        </p:nvPicPr>
-        <p:blipFill>
-          <a:blip r:embed="rId2">
-            <a:extLst>
-              <a:ext uri="{28A0092B-C50C-407E-A947-70E740481C1C}">
-                <a14:useLocalDpi xmlns:a14="http://schemas.microsoft.com/office/drawing/2010/main" val="0"/>
-              </a:ext>
-            </a:extLst>
-          </a:blip>
-          <a:srcRect/>
-          <a:stretch>
-            <a:fillRect/>
-          </a:stretch>
-        </p:blipFill>
-        <p:spPr bwMode="auto">
-          <a:xfrm>
-            <a:off x="1905000" y="2895600"/>
-            <a:ext cx="4667250" cy="2466975"/>
-          </a:xfrm>
-          <a:prstGeom prst="rect">
-            <a:avLst/>
-          </a:prstGeom>
-          <a:noFill/>
-          <a:ln>
-            <a:noFill/>
-          </a:ln>
-          <a:effectLst/>
-          <a:extLst>
-            <a:ext uri="{909E8E84-426E-40DD-AFC4-6F175D3DCCD1}">
-              <a14:hiddenFill xmlns:a14="http://schemas.microsoft.com/office/drawing/2010/main">
-                <a:solidFill>
-                  <a:schemeClr val="accent1"/>
-                </a:solidFill>
-              </a14:hiddenFill>
-            </a:ext>
-            <a:ext uri="{91240B29-F687-4F45-9708-019B960494DF}">
-              <a14:hiddenLine xmlns:a14="http://schemas.microsoft.com/office/drawing/2010/main" w="9525">
-                <a:solidFill>
-                  <a:schemeClr val="tx1"/>
-                </a:solidFill>
-                <a:miter lim="800000"/>
-                <a:headEnd/>
-                <a:tailEnd/>
-              </a14:hiddenLine>
-            </a:ext>
-            <a:ext uri="{AF507438-7753-43E0-B8FC-AC1667EBCBE1}">
-              <a14:hiddenEffects xmlns:a14="http://schemas.microsoft.com/office/drawing/2010/main">
-                <a:effectLst>
-                  <a:outerShdw dist="35921" dir="2700000" algn="ctr" rotWithShape="0">
-                    <a:schemeClr val="bg2"/>
-                  </a:outerShdw>
-                </a:effectLst>
-              </a14:hiddenEffects>
-            </a:ext>
-          </a:extLst>
-        </p:spPr>
-      </p:pic>
+              <a:t>Problem:</a:t>
+            </a:r>
+          </a:p>
+          <a:p>
+            <a:pPr lvl="1"/>
+            <a:r>
+              <a:rPr lang="en-US" dirty="0"/>
+              <a:t>A</a:t>
+            </a:r>
+            <a:r>
+              <a:rPr lang="en-US" dirty="0" smtClean="0"/>
+              <a:t>lready </a:t>
+            </a:r>
+            <a:r>
+              <a:rPr lang="en-US" dirty="0"/>
+              <a:t>have </a:t>
+            </a:r>
+            <a:r>
+              <a:rPr lang="en-US" dirty="0" smtClean="0"/>
+              <a:t>data</a:t>
+            </a:r>
+          </a:p>
+          <a:p>
+            <a:pPr lvl="1"/>
+            <a:r>
+              <a:rPr lang="en-US" dirty="0"/>
+              <a:t>E</a:t>
+            </a:r>
+            <a:r>
+              <a:rPr lang="en-US" dirty="0" smtClean="0"/>
+              <a:t>xisting </a:t>
+            </a:r>
+            <a:r>
+              <a:rPr lang="en-US" dirty="0"/>
+              <a:t>Stored </a:t>
+            </a:r>
+            <a:r>
+              <a:rPr lang="en-US" dirty="0" smtClean="0"/>
+              <a:t>Procedures</a:t>
+            </a:r>
+            <a:endParaRPr lang="en-US" dirty="0"/>
+          </a:p>
+          <a:p>
+            <a:pPr lvl="1"/>
+            <a:r>
+              <a:rPr lang="en-US" dirty="0"/>
+              <a:t>T</a:t>
+            </a:r>
+            <a:r>
+              <a:rPr lang="en-US" dirty="0" smtClean="0"/>
+              <a:t>riggers</a:t>
+            </a:r>
+            <a:r>
+              <a:rPr lang="en-US" dirty="0"/>
+              <a:t> </a:t>
+            </a:r>
+            <a:endParaRPr lang="en-US" dirty="0" smtClean="0"/>
+          </a:p>
+          <a:p>
+            <a:r>
+              <a:rPr lang="en-US" dirty="0" smtClean="0"/>
+              <a:t>Kinds </a:t>
+            </a:r>
+            <a:r>
+              <a:rPr lang="en-US" dirty="0"/>
+              <a:t>of </a:t>
+            </a:r>
+            <a:r>
+              <a:rPr lang="en-US" dirty="0" smtClean="0"/>
+              <a:t>Migration:</a:t>
+            </a:r>
+          </a:p>
+          <a:p>
+            <a:pPr lvl="1"/>
+            <a:r>
+              <a:rPr lang="en-US" dirty="0"/>
+              <a:t>Automated Migration</a:t>
+            </a:r>
+          </a:p>
+          <a:p>
+            <a:pPr lvl="1"/>
+            <a:r>
+              <a:rPr lang="en-US" dirty="0"/>
+              <a:t>Code based Migration</a:t>
+            </a:r>
+          </a:p>
+          <a:p>
+            <a:pPr lvl="1"/>
+            <a:endParaRPr lang="en-US" dirty="0" smtClean="0"/>
+          </a:p>
+          <a:p>
+            <a:endParaRPr lang="en-US" dirty="0"/>
+          </a:p>
+        </p:txBody>
+      </p:sp>
       <p:sp>
         <p:nvSpPr>
           <p:cNvPr id="4" name="Footer Placeholder 3"/>
@@ -5947,7 +5800,7 @@
     </p:spTree>
     <p:extLst>
       <p:ext uri="{BB962C8B-B14F-4D97-AF65-F5344CB8AC3E}">
-        <p14:creationId xmlns:p14="http://schemas.microsoft.com/office/powerpoint/2010/main" val="3040627240"/>
+        <p14:creationId xmlns:p14="http://schemas.microsoft.com/office/powerpoint/2010/main" val="1935074539"/>
       </p:ext>
     </p:extLst>
   </p:cSld>
@@ -5999,578 +5852,6 @@
           <a:lstStyle/>
           <a:p>
             <a:r>
-              <a:rPr lang="en-US" b="1" dirty="0"/>
-              <a:t>One-to-Many </a:t>
-            </a:r>
-            <a:r>
-              <a:rPr lang="en-US" b="1" dirty="0" smtClean="0"/>
-              <a:t>Relationship</a:t>
-            </a:r>
-            <a:endParaRPr lang="en-US" dirty="0"/>
-          </a:p>
-        </p:txBody>
-      </p:sp>
-      <p:pic>
-        <p:nvPicPr>
-          <p:cNvPr id="1026" name="Picture 2"/>
-          <p:cNvPicPr>
-            <a:picLocks noChangeAspect="1" noChangeArrowheads="1"/>
-          </p:cNvPicPr>
-          <p:nvPr/>
-        </p:nvPicPr>
-        <p:blipFill>
-          <a:blip r:embed="rId2">
-            <a:extLst>
-              <a:ext uri="{28A0092B-C50C-407E-A947-70E740481C1C}">
-                <a14:useLocalDpi xmlns:a14="http://schemas.microsoft.com/office/drawing/2010/main" val="0"/>
-              </a:ext>
-            </a:extLst>
-          </a:blip>
-          <a:srcRect/>
-          <a:stretch>
-            <a:fillRect/>
-          </a:stretch>
-        </p:blipFill>
-        <p:spPr bwMode="auto">
-          <a:xfrm>
-            <a:off x="2342717" y="1600200"/>
-            <a:ext cx="4486275" cy="4895850"/>
-          </a:xfrm>
-          <a:prstGeom prst="rect">
-            <a:avLst/>
-          </a:prstGeom>
-          <a:noFill/>
-          <a:ln>
-            <a:noFill/>
-          </a:ln>
-          <a:effectLst/>
-          <a:extLst>
-            <a:ext uri="{909E8E84-426E-40DD-AFC4-6F175D3DCCD1}">
-              <a14:hiddenFill xmlns:a14="http://schemas.microsoft.com/office/drawing/2010/main">
-                <a:solidFill>
-                  <a:schemeClr val="accent1"/>
-                </a:solidFill>
-              </a14:hiddenFill>
-            </a:ext>
-            <a:ext uri="{91240B29-F687-4F45-9708-019B960494DF}">
-              <a14:hiddenLine xmlns:a14="http://schemas.microsoft.com/office/drawing/2010/main" w="9525">
-                <a:solidFill>
-                  <a:schemeClr val="tx1"/>
-                </a:solidFill>
-                <a:miter lim="800000"/>
-                <a:headEnd/>
-                <a:tailEnd/>
-              </a14:hiddenLine>
-            </a:ext>
-            <a:ext uri="{AF507438-7753-43E0-B8FC-AC1667EBCBE1}">
-              <a14:hiddenEffects xmlns:a14="http://schemas.microsoft.com/office/drawing/2010/main">
-                <a:effectLst>
-                  <a:outerShdw dist="35921" dir="2700000" algn="ctr" rotWithShape="0">
-                    <a:schemeClr val="bg2"/>
-                  </a:outerShdw>
-                </a:effectLst>
-              </a14:hiddenEffects>
-            </a:ext>
-          </a:extLst>
-        </p:spPr>
-      </p:pic>
-      <p:sp>
-        <p:nvSpPr>
-          <p:cNvPr id="4" name="Footer Placeholder 3"/>
-          <p:cNvSpPr>
-            <a:spLocks noGrp="1"/>
-          </p:cNvSpPr>
-          <p:nvPr>
-            <p:ph type="ftr" sz="quarter" idx="11"/>
-          </p:nvPr>
-        </p:nvSpPr>
-        <p:spPr/>
-        <p:txBody>
-          <a:bodyPr/>
-          <a:lstStyle/>
-          <a:p>
-            <a:r>
-              <a:rPr lang="en-US" smtClean="0"/>
-              <a:t>Syed Awn Ali</a:t>
-            </a:r>
-            <a:endParaRPr lang="en-US"/>
-          </a:p>
-        </p:txBody>
-      </p:sp>
-    </p:spTree>
-    <p:extLst>
-      <p:ext uri="{BB962C8B-B14F-4D97-AF65-F5344CB8AC3E}">
-        <p14:creationId xmlns:p14="http://schemas.microsoft.com/office/powerpoint/2010/main" val="3752391782"/>
-      </p:ext>
-    </p:extLst>
-  </p:cSld>
-  <p:clrMapOvr>
-    <a:masterClrMapping/>
-  </p:clrMapOvr>
-  <p:timing>
-    <p:tnLst>
-      <p:par>
-        <p:cTn id="1" dur="indefinite" restart="never" nodeType="tmRoot"/>
-      </p:par>
-    </p:tnLst>
-  </p:timing>
-</p:sld>
-</file>
-
-<file path=ppt/slides/slide25.xml><?xml version="1.0" encoding="utf-8"?>
-<p:sld xmlns:a="http://schemas.openxmlformats.org/drawingml/2006/main" xmlns:r="http://schemas.openxmlformats.org/officeDocument/2006/relationships" xmlns:p="http://schemas.openxmlformats.org/presentationml/2006/main">
-  <p:cSld>
-    <p:spTree>
-      <p:nvGrpSpPr>
-        <p:cNvPr id="1" name=""/>
-        <p:cNvGrpSpPr/>
-        <p:nvPr/>
-      </p:nvGrpSpPr>
-      <p:grpSpPr>
-        <a:xfrm>
-          <a:off x="0" y="0"/>
-          <a:ext cx="0" cy="0"/>
-          <a:chOff x="0" y="0"/>
-          <a:chExt cx="0" cy="0"/>
-        </a:xfrm>
-      </p:grpSpPr>
-      <p:sp>
-        <p:nvSpPr>
-          <p:cNvPr id="2" name="Title 1"/>
-          <p:cNvSpPr>
-            <a:spLocks noGrp="1"/>
-          </p:cNvSpPr>
-          <p:nvPr>
-            <p:ph type="title"/>
-          </p:nvPr>
-        </p:nvSpPr>
-        <p:spPr/>
-        <p:txBody>
-          <a:bodyPr/>
-          <a:lstStyle/>
-          <a:p>
-            <a:r>
-              <a:rPr lang="en-US" b="1" dirty="0"/>
-              <a:t>Many-to-Many </a:t>
-            </a:r>
-            <a:r>
-              <a:rPr lang="en-US" b="1" dirty="0" smtClean="0"/>
-              <a:t>Relationship</a:t>
-            </a:r>
-            <a:endParaRPr lang="en-US" dirty="0"/>
-          </a:p>
-        </p:txBody>
-      </p:sp>
-      <p:sp>
-        <p:nvSpPr>
-          <p:cNvPr id="3" name="Content Placeholder 2"/>
-          <p:cNvSpPr>
-            <a:spLocks noGrp="1"/>
-          </p:cNvSpPr>
-          <p:nvPr>
-            <p:ph idx="1"/>
-          </p:nvPr>
-        </p:nvSpPr>
-        <p:spPr/>
-        <p:txBody>
-          <a:bodyPr/>
-          <a:lstStyle/>
-          <a:p>
-            <a:endParaRPr lang="en-US" dirty="0"/>
-          </a:p>
-        </p:txBody>
-      </p:sp>
-      <p:pic>
-        <p:nvPicPr>
-          <p:cNvPr id="17410" name="Picture 2"/>
-          <p:cNvPicPr>
-            <a:picLocks noChangeAspect="1" noChangeArrowheads="1"/>
-          </p:cNvPicPr>
-          <p:nvPr/>
-        </p:nvPicPr>
-        <p:blipFill>
-          <a:blip r:embed="rId2">
-            <a:extLst>
-              <a:ext uri="{28A0092B-C50C-407E-A947-70E740481C1C}">
-                <a14:useLocalDpi xmlns:a14="http://schemas.microsoft.com/office/drawing/2010/main" val="0"/>
-              </a:ext>
-            </a:extLst>
-          </a:blip>
-          <a:srcRect/>
-          <a:stretch>
-            <a:fillRect/>
-          </a:stretch>
-        </p:blipFill>
-        <p:spPr bwMode="auto">
-          <a:xfrm>
-            <a:off x="1905433" y="1524000"/>
-            <a:ext cx="5305425" cy="5153025"/>
-          </a:xfrm>
-          <a:prstGeom prst="rect">
-            <a:avLst/>
-          </a:prstGeom>
-          <a:noFill/>
-          <a:ln>
-            <a:noFill/>
-          </a:ln>
-          <a:effectLst/>
-          <a:extLst>
-            <a:ext uri="{909E8E84-426E-40DD-AFC4-6F175D3DCCD1}">
-              <a14:hiddenFill xmlns:a14="http://schemas.microsoft.com/office/drawing/2010/main">
-                <a:solidFill>
-                  <a:schemeClr val="accent1"/>
-                </a:solidFill>
-              </a14:hiddenFill>
-            </a:ext>
-            <a:ext uri="{91240B29-F687-4F45-9708-019B960494DF}">
-              <a14:hiddenLine xmlns:a14="http://schemas.microsoft.com/office/drawing/2010/main" w="9525">
-                <a:solidFill>
-                  <a:schemeClr val="tx1"/>
-                </a:solidFill>
-                <a:miter lim="800000"/>
-                <a:headEnd/>
-                <a:tailEnd/>
-              </a14:hiddenLine>
-            </a:ext>
-            <a:ext uri="{AF507438-7753-43E0-B8FC-AC1667EBCBE1}">
-              <a14:hiddenEffects xmlns:a14="http://schemas.microsoft.com/office/drawing/2010/main">
-                <a:effectLst>
-                  <a:outerShdw dist="35921" dir="2700000" algn="ctr" rotWithShape="0">
-                    <a:schemeClr val="bg2"/>
-                  </a:outerShdw>
-                </a:effectLst>
-              </a14:hiddenEffects>
-            </a:ext>
-          </a:extLst>
-        </p:spPr>
-      </p:pic>
-      <p:sp>
-        <p:nvSpPr>
-          <p:cNvPr id="4" name="Footer Placeholder 3"/>
-          <p:cNvSpPr>
-            <a:spLocks noGrp="1"/>
-          </p:cNvSpPr>
-          <p:nvPr>
-            <p:ph type="ftr" sz="quarter" idx="11"/>
-          </p:nvPr>
-        </p:nvSpPr>
-        <p:spPr/>
-        <p:txBody>
-          <a:bodyPr/>
-          <a:lstStyle/>
-          <a:p>
-            <a:r>
-              <a:rPr lang="en-US" smtClean="0"/>
-              <a:t>Syed Awn Ali</a:t>
-            </a:r>
-            <a:endParaRPr lang="en-US"/>
-          </a:p>
-        </p:txBody>
-      </p:sp>
-    </p:spTree>
-    <p:extLst>
-      <p:ext uri="{BB962C8B-B14F-4D97-AF65-F5344CB8AC3E}">
-        <p14:creationId xmlns:p14="http://schemas.microsoft.com/office/powerpoint/2010/main" val="4191920078"/>
-      </p:ext>
-    </p:extLst>
-  </p:cSld>
-  <p:clrMapOvr>
-    <a:masterClrMapping/>
-  </p:clrMapOvr>
-  <p:timing>
-    <p:tnLst>
-      <p:par>
-        <p:cTn id="1" dur="indefinite" restart="never" nodeType="tmRoot"/>
-      </p:par>
-    </p:tnLst>
-  </p:timing>
-</p:sld>
-</file>
-
-<file path=ppt/slides/slide26.xml><?xml version="1.0" encoding="utf-8"?>
-<p:sld xmlns:a="http://schemas.openxmlformats.org/drawingml/2006/main" xmlns:r="http://schemas.openxmlformats.org/officeDocument/2006/relationships" xmlns:p="http://schemas.openxmlformats.org/presentationml/2006/main">
-  <p:cSld>
-    <p:spTree>
-      <p:nvGrpSpPr>
-        <p:cNvPr id="1" name=""/>
-        <p:cNvGrpSpPr/>
-        <p:nvPr/>
-      </p:nvGrpSpPr>
-      <p:grpSpPr>
-        <a:xfrm>
-          <a:off x="0" y="0"/>
-          <a:ext cx="0" cy="0"/>
-          <a:chOff x="0" y="0"/>
-          <a:chExt cx="0" cy="0"/>
-        </a:xfrm>
-      </p:grpSpPr>
-      <p:sp>
-        <p:nvSpPr>
-          <p:cNvPr id="2" name="Title 1"/>
-          <p:cNvSpPr>
-            <a:spLocks noGrp="1"/>
-          </p:cNvSpPr>
-          <p:nvPr>
-            <p:ph type="title"/>
-          </p:nvPr>
-        </p:nvSpPr>
-        <p:spPr/>
-        <p:txBody>
-          <a:bodyPr>
-            <a:normAutofit/>
-          </a:bodyPr>
-          <a:lstStyle/>
-          <a:p>
-            <a:r>
-              <a:rPr lang="en-US" b="1" dirty="0"/>
-              <a:t>Migration in </a:t>
-            </a:r>
-            <a:r>
-              <a:rPr lang="en-US" b="1" dirty="0" smtClean="0"/>
-              <a:t>Code-First</a:t>
-            </a:r>
-            <a:endParaRPr lang="en-US" dirty="0"/>
-          </a:p>
-        </p:txBody>
-      </p:sp>
-      <p:sp>
-        <p:nvSpPr>
-          <p:cNvPr id="3" name="Content Placeholder 2"/>
-          <p:cNvSpPr>
-            <a:spLocks noGrp="1"/>
-          </p:cNvSpPr>
-          <p:nvPr>
-            <p:ph idx="1"/>
-          </p:nvPr>
-        </p:nvSpPr>
-        <p:spPr/>
-        <p:txBody>
-          <a:bodyPr>
-            <a:normAutofit lnSpcReduction="10000"/>
-          </a:bodyPr>
-          <a:lstStyle/>
-          <a:p>
-            <a:r>
-              <a:rPr lang="en-US" dirty="0"/>
-              <a:t>D</a:t>
-            </a:r>
-            <a:r>
-              <a:rPr lang="en-US" dirty="0" smtClean="0"/>
-              <a:t>atabase </a:t>
-            </a:r>
-            <a:r>
-              <a:rPr lang="en-US" dirty="0"/>
-              <a:t>initialization </a:t>
-            </a:r>
-            <a:r>
-              <a:rPr lang="en-US" dirty="0" smtClean="0"/>
-              <a:t>strategies:</a:t>
-            </a:r>
-          </a:p>
-          <a:p>
-            <a:pPr lvl="1"/>
-            <a:r>
-              <a:rPr lang="en-US" dirty="0" err="1" smtClean="0"/>
-              <a:t>CreateDatabaseIfNotExists</a:t>
-            </a:r>
-            <a:endParaRPr lang="en-US" dirty="0" smtClean="0"/>
-          </a:p>
-          <a:p>
-            <a:pPr lvl="1"/>
-            <a:r>
-              <a:rPr lang="en-US" dirty="0" err="1"/>
-              <a:t>DropCreateDatabaseIfModelChanges</a:t>
-            </a:r>
-            <a:r>
-              <a:rPr lang="en-US" dirty="0"/>
-              <a:t> </a:t>
-            </a:r>
-            <a:endParaRPr lang="en-US" dirty="0" smtClean="0"/>
-          </a:p>
-          <a:p>
-            <a:pPr lvl="1"/>
-            <a:r>
-              <a:rPr lang="en-US" dirty="0" err="1" smtClean="0"/>
-              <a:t>DropCreateDatabaseAlways</a:t>
-            </a:r>
-            <a:endParaRPr lang="en-US" dirty="0" smtClean="0"/>
-          </a:p>
-          <a:p>
-            <a:r>
-              <a:rPr lang="en-US" dirty="0" smtClean="0"/>
-              <a:t>Problem:</a:t>
-            </a:r>
-          </a:p>
-          <a:p>
-            <a:pPr lvl="1"/>
-            <a:r>
-              <a:rPr lang="en-US" dirty="0"/>
-              <a:t>A</a:t>
-            </a:r>
-            <a:r>
-              <a:rPr lang="en-US" dirty="0" smtClean="0"/>
-              <a:t>lready </a:t>
-            </a:r>
-            <a:r>
-              <a:rPr lang="en-US" dirty="0"/>
-              <a:t>have </a:t>
-            </a:r>
-            <a:r>
-              <a:rPr lang="en-US" dirty="0" smtClean="0"/>
-              <a:t>data</a:t>
-            </a:r>
-          </a:p>
-          <a:p>
-            <a:pPr lvl="1"/>
-            <a:r>
-              <a:rPr lang="en-US" dirty="0"/>
-              <a:t>E</a:t>
-            </a:r>
-            <a:r>
-              <a:rPr lang="en-US" dirty="0" smtClean="0"/>
-              <a:t>xisting </a:t>
-            </a:r>
-            <a:r>
-              <a:rPr lang="en-US" dirty="0"/>
-              <a:t>Stored </a:t>
-            </a:r>
-            <a:r>
-              <a:rPr lang="en-US" dirty="0" smtClean="0"/>
-              <a:t>Procedures</a:t>
-            </a:r>
-            <a:endParaRPr lang="en-US" dirty="0"/>
-          </a:p>
-          <a:p>
-            <a:pPr lvl="1"/>
-            <a:r>
-              <a:rPr lang="en-US" dirty="0"/>
-              <a:t>T</a:t>
-            </a:r>
-            <a:r>
-              <a:rPr lang="en-US" dirty="0" smtClean="0"/>
-              <a:t>riggers</a:t>
-            </a:r>
-            <a:r>
-              <a:rPr lang="en-US" dirty="0"/>
-              <a:t> </a:t>
-            </a:r>
-            <a:endParaRPr lang="en-US" dirty="0" smtClean="0"/>
-          </a:p>
-          <a:p>
-            <a:r>
-              <a:rPr lang="en-US" dirty="0" smtClean="0"/>
-              <a:t>Kinds </a:t>
-            </a:r>
-            <a:r>
-              <a:rPr lang="en-US" dirty="0"/>
-              <a:t>of </a:t>
-            </a:r>
-            <a:r>
-              <a:rPr lang="en-US" dirty="0" smtClean="0"/>
-              <a:t>Migration:</a:t>
-            </a:r>
-          </a:p>
-          <a:p>
-            <a:pPr lvl="1"/>
-            <a:r>
-              <a:rPr lang="en-US" dirty="0"/>
-              <a:t>Automated Migration</a:t>
-            </a:r>
-          </a:p>
-          <a:p>
-            <a:pPr lvl="1"/>
-            <a:r>
-              <a:rPr lang="en-US" dirty="0"/>
-              <a:t>Code based Migration</a:t>
-            </a:r>
-          </a:p>
-          <a:p>
-            <a:pPr lvl="1"/>
-            <a:endParaRPr lang="en-US" dirty="0" smtClean="0"/>
-          </a:p>
-          <a:p>
-            <a:endParaRPr lang="en-US" dirty="0"/>
-          </a:p>
-        </p:txBody>
-      </p:sp>
-      <p:sp>
-        <p:nvSpPr>
-          <p:cNvPr id="4" name="Footer Placeholder 3"/>
-          <p:cNvSpPr>
-            <a:spLocks noGrp="1"/>
-          </p:cNvSpPr>
-          <p:nvPr>
-            <p:ph type="ftr" sz="quarter" idx="11"/>
-          </p:nvPr>
-        </p:nvSpPr>
-        <p:spPr/>
-        <p:txBody>
-          <a:bodyPr/>
-          <a:lstStyle/>
-          <a:p>
-            <a:r>
-              <a:rPr lang="en-US" smtClean="0"/>
-              <a:t>Syed Awn Ali</a:t>
-            </a:r>
-            <a:endParaRPr lang="en-US"/>
-          </a:p>
-        </p:txBody>
-      </p:sp>
-    </p:spTree>
-    <p:extLst>
-      <p:ext uri="{BB962C8B-B14F-4D97-AF65-F5344CB8AC3E}">
-        <p14:creationId xmlns:p14="http://schemas.microsoft.com/office/powerpoint/2010/main" val="1935074539"/>
-      </p:ext>
-    </p:extLst>
-  </p:cSld>
-  <p:clrMapOvr>
-    <a:masterClrMapping/>
-  </p:clrMapOvr>
-  <p:timing>
-    <p:tnLst>
-      <p:par>
-        <p:cTn id="1" dur="indefinite" restart="never" nodeType="tmRoot"/>
-      </p:par>
-    </p:tnLst>
-  </p:timing>
-</p:sld>
-</file>
-
-<file path=ppt/slides/slide27.xml><?xml version="1.0" encoding="utf-8"?>
-<p:sld xmlns:a="http://schemas.openxmlformats.org/drawingml/2006/main" xmlns:r="http://schemas.openxmlformats.org/officeDocument/2006/relationships" xmlns:p="http://schemas.openxmlformats.org/presentationml/2006/main">
-  <p:cSld>
-    <p:spTree>
-      <p:nvGrpSpPr>
-        <p:cNvPr id="1" name=""/>
-        <p:cNvGrpSpPr/>
-        <p:nvPr/>
-      </p:nvGrpSpPr>
-      <p:grpSpPr>
-        <a:xfrm>
-          <a:off x="0" y="0"/>
-          <a:ext cx="0" cy="0"/>
-          <a:chOff x="0" y="0"/>
-          <a:chExt cx="0" cy="0"/>
-        </a:xfrm>
-      </p:grpSpPr>
-      <p:sp>
-        <p:nvSpPr>
-          <p:cNvPr id="2" name="Title 1"/>
-          <p:cNvSpPr>
-            <a:spLocks noGrp="1"/>
-          </p:cNvSpPr>
-          <p:nvPr>
-            <p:ph type="title"/>
-          </p:nvPr>
-        </p:nvSpPr>
-        <p:spPr/>
-        <p:txBody>
-          <a:bodyPr>
-            <a:normAutofit/>
-          </a:bodyPr>
-          <a:lstStyle/>
-          <a:p>
-            <a:r>
               <a:rPr lang="en-US" dirty="0"/>
               <a:t>Automated </a:t>
             </a:r>
@@ -6648,12 +5929,12 @@
               <a:buChar char=""/>
             </a:pPr>
             <a:r>
-              <a:rPr lang="en-US" dirty="0" err="1" smtClean="0"/>
-              <a:t>Comman</a:t>
-            </a:r>
-            <a:r>
-              <a:rPr lang="en-US" dirty="0" smtClean="0"/>
-              <a:t>: enable-migrations </a:t>
+              <a:rPr lang="en-US" dirty="0" smtClean="0"/>
+              <a:t>Command: </a:t>
+            </a:r>
+            <a:r>
+              <a:rPr lang="en-US" dirty="0" smtClean="0"/>
+              <a:t>enable-migrations </a:t>
             </a:r>
             <a:r>
               <a:rPr lang="en-US" dirty="0"/>
@@ -6864,7 +6145,7 @@
         </p:blipFill>
         <p:spPr bwMode="auto">
           <a:xfrm>
-            <a:off x="533400" y="2971800"/>
+            <a:off x="897294" y="2869163"/>
             <a:ext cx="7154521" cy="2133601"/>
           </a:xfrm>
           <a:prstGeom prst="rect">
@@ -6948,7 +6229,7 @@
 </p:sld>
 </file>
 
-<file path=ppt/slides/slide28.xml><?xml version="1.0" encoding="utf-8"?>
+<file path=ppt/slides/slide25.xml><?xml version="1.0" encoding="utf-8"?>
 <p:sld xmlns:a="http://schemas.openxmlformats.org/drawingml/2006/main" xmlns:r="http://schemas.openxmlformats.org/officeDocument/2006/relationships" xmlns:p="http://schemas.openxmlformats.org/presentationml/2006/main">
   <p:cSld>
     <p:spTree>
@@ -7159,7 +6440,7 @@
 </p:sld>
 </file>
 
-<file path=ppt/slides/slide29.xml><?xml version="1.0" encoding="utf-8"?>
+<file path=ppt/slides/slide26.xml><?xml version="1.0" encoding="utf-8"?>
 <p:sld xmlns:a="http://schemas.openxmlformats.org/drawingml/2006/main" xmlns:r="http://schemas.openxmlformats.org/officeDocument/2006/relationships" xmlns:p="http://schemas.openxmlformats.org/presentationml/2006/main">
   <p:cSld>
     <p:spTree>
@@ -7194,11 +6475,11 @@
           <a:lstStyle/>
           <a:p>
             <a:r>
-              <a:rPr lang="en-US" b="1" dirty="0"/>
+              <a:rPr lang="en-US" dirty="0"/>
               <a:t>Code-based </a:t>
             </a:r>
             <a:r>
-              <a:rPr lang="en-US" b="1" dirty="0" smtClean="0"/>
+              <a:rPr lang="en-US" dirty="0" smtClean="0"/>
               <a:t>Migration</a:t>
             </a:r>
             <a:endParaRPr lang="en-US" dirty="0"/>
@@ -7385,6 +6666,179 @@
 </p:sld>
 </file>
 
+<file path=ppt/slides/slide27.xml><?xml version="1.0" encoding="utf-8"?>
+<p:sld xmlns:a="http://schemas.openxmlformats.org/drawingml/2006/main" xmlns:r="http://schemas.openxmlformats.org/officeDocument/2006/relationships" xmlns:p="http://schemas.openxmlformats.org/presentationml/2006/main">
+  <p:cSld>
+    <p:spTree>
+      <p:nvGrpSpPr>
+        <p:cNvPr id="1" name=""/>
+        <p:cNvGrpSpPr/>
+        <p:nvPr/>
+      </p:nvGrpSpPr>
+      <p:grpSpPr>
+        <a:xfrm>
+          <a:off x="0" y="0"/>
+          <a:ext cx="0" cy="0"/>
+          <a:chOff x="0" y="0"/>
+          <a:chExt cx="0" cy="0"/>
+        </a:xfrm>
+      </p:grpSpPr>
+      <p:sp>
+        <p:nvSpPr>
+          <p:cNvPr id="2" name="Title 1"/>
+          <p:cNvSpPr>
+            <a:spLocks noGrp="1"/>
+          </p:cNvSpPr>
+          <p:nvPr>
+            <p:ph type="title"/>
+          </p:nvPr>
+        </p:nvSpPr>
+        <p:spPr/>
+        <p:txBody>
+          <a:bodyPr/>
+          <a:lstStyle/>
+          <a:p>
+            <a:r>
+              <a:rPr lang="en-US" dirty="0" smtClean="0"/>
+              <a:t>Summary</a:t>
+            </a:r>
+            <a:endParaRPr lang="en-US" dirty="0"/>
+          </a:p>
+        </p:txBody>
+      </p:sp>
+      <p:sp>
+        <p:nvSpPr>
+          <p:cNvPr id="3" name="Content Placeholder 2"/>
+          <p:cNvSpPr>
+            <a:spLocks noGrp="1"/>
+          </p:cNvSpPr>
+          <p:nvPr>
+            <p:ph idx="1"/>
+          </p:nvPr>
+        </p:nvSpPr>
+        <p:spPr/>
+        <p:txBody>
+          <a:bodyPr/>
+          <a:lstStyle/>
+          <a:p>
+            <a:r>
+              <a:rPr lang="en-US" dirty="0" smtClean="0"/>
+              <a:t>EF 6.0 is extremely powerful</a:t>
+            </a:r>
+          </a:p>
+          <a:p>
+            <a:r>
+              <a:rPr lang="en-US" dirty="0" smtClean="0"/>
+              <a:t>For free in VS.NET you get tools that exceed those with </a:t>
+            </a:r>
+            <a:r>
+              <a:rPr lang="en-US" dirty="0" err="1" smtClean="0"/>
+              <a:t>Nhibernate</a:t>
+            </a:r>
+            <a:endParaRPr lang="en-US" dirty="0" smtClean="0"/>
+          </a:p>
+          <a:p>
+            <a:r>
+              <a:rPr lang="en-US" dirty="0" smtClean="0"/>
+              <a:t>Perhaps is more tied to SQL Server than </a:t>
+            </a:r>
+            <a:r>
+              <a:rPr lang="en-US" dirty="0" err="1" smtClean="0"/>
+              <a:t>Nhibernate</a:t>
+            </a:r>
+            <a:endParaRPr lang="en-US" dirty="0" smtClean="0"/>
+          </a:p>
+        </p:txBody>
+      </p:sp>
+    </p:spTree>
+    <p:extLst>
+      <p:ext uri="{BB962C8B-B14F-4D97-AF65-F5344CB8AC3E}">
+        <p14:creationId xmlns:p14="http://schemas.microsoft.com/office/powerpoint/2010/main" val="4082111346"/>
+      </p:ext>
+    </p:extLst>
+  </p:cSld>
+  <p:clrMapOvr>
+    <a:masterClrMapping/>
+  </p:clrMapOvr>
+</p:sld>
+</file>
+
+<file path=ppt/slides/slide28.xml><?xml version="1.0" encoding="utf-8"?>
+<p:sld xmlns:a="http://schemas.openxmlformats.org/drawingml/2006/main" xmlns:r="http://schemas.openxmlformats.org/officeDocument/2006/relationships" xmlns:p="http://schemas.openxmlformats.org/presentationml/2006/main">
+  <p:cSld>
+    <p:spTree>
+      <p:nvGrpSpPr>
+        <p:cNvPr id="1" name=""/>
+        <p:cNvGrpSpPr/>
+        <p:nvPr/>
+      </p:nvGrpSpPr>
+      <p:grpSpPr>
+        <a:xfrm>
+          <a:off x="0" y="0"/>
+          <a:ext cx="0" cy="0"/>
+          <a:chOff x="0" y="0"/>
+          <a:chExt cx="0" cy="0"/>
+        </a:xfrm>
+      </p:grpSpPr>
+      <p:sp>
+        <p:nvSpPr>
+          <p:cNvPr id="2" name="Title 1"/>
+          <p:cNvSpPr>
+            <a:spLocks noGrp="1"/>
+          </p:cNvSpPr>
+          <p:nvPr>
+            <p:ph type="title"/>
+          </p:nvPr>
+        </p:nvSpPr>
+        <p:spPr/>
+        <p:txBody>
+          <a:bodyPr/>
+          <a:lstStyle/>
+          <a:p>
+            <a:r>
+              <a:rPr lang="en-US" dirty="0" smtClean="0"/>
+              <a:t>Demo: Simple Code First</a:t>
+            </a:r>
+            <a:endParaRPr lang="en-US" dirty="0"/>
+          </a:p>
+        </p:txBody>
+      </p:sp>
+      <p:sp>
+        <p:nvSpPr>
+          <p:cNvPr id="3" name="Content Placeholder 2"/>
+          <p:cNvSpPr>
+            <a:spLocks noGrp="1"/>
+          </p:cNvSpPr>
+          <p:nvPr>
+            <p:ph idx="1"/>
+          </p:nvPr>
+        </p:nvSpPr>
+        <p:spPr/>
+        <p:txBody>
+          <a:bodyPr/>
+          <a:lstStyle/>
+          <a:p>
+            <a:r>
+              <a:rPr lang="en-US" dirty="0" smtClean="0"/>
+              <a:t>Initializing a database</a:t>
+            </a:r>
+            <a:endParaRPr lang="en-US" dirty="0"/>
+          </a:p>
+        </p:txBody>
+      </p:sp>
+    </p:spTree>
+    <p:extLst>
+      <p:ext uri="{BB962C8B-B14F-4D97-AF65-F5344CB8AC3E}">
+        <p14:creationId xmlns:p14="http://schemas.microsoft.com/office/powerpoint/2010/main" val="3992931790"/>
+      </p:ext>
+    </p:extLst>
+  </p:cSld>
+  <p:clrMapOvr>
+    <a:masterClrMapping/>
+  </p:clrMapOvr>
+</p:sld>
+</file>
+
 <file path=ppt/slides/slide3.xml><?xml version="1.0" encoding="utf-8"?>
 <p:sld xmlns:a="http://schemas.openxmlformats.org/drawingml/2006/main" xmlns:r="http://schemas.openxmlformats.org/officeDocument/2006/relationships" xmlns:p="http://schemas.openxmlformats.org/presentationml/2006/main">
   <p:cSld>
@@ -7418,20 +6872,8 @@
           <a:lstStyle/>
           <a:p>
             <a:r>
-              <a:rPr lang="en-US" dirty="0"/>
-              <a:t>B</a:t>
-            </a:r>
-            <a:r>
-              <a:rPr lang="en-US" dirty="0" smtClean="0"/>
-              <a:t>asic </a:t>
-            </a:r>
-            <a:r>
-              <a:rPr lang="en-US" dirty="0"/>
-              <a:t>W</a:t>
-            </a:r>
-            <a:r>
-              <a:rPr lang="en-US" dirty="0" smtClean="0"/>
-              <a:t>orkflow</a:t>
+              <a:rPr lang="en-US" dirty="0" smtClean="0"/>
+              <a:t>Code-first availability</a:t>
             </a:r>
             <a:endParaRPr lang="en-US" dirty="0"/>
           </a:p>
@@ -7449,313 +6891,84 @@
         </p:nvSpPr>
         <p:spPr/>
         <p:txBody>
-          <a:bodyPr>
-            <a:normAutofit/>
-          </a:bodyPr>
-          <a:lstStyle/>
-          <a:p>
-            <a:r>
-              <a:rPr lang="en-US" dirty="0" smtClean="0"/>
-              <a:t>Create </a:t>
-            </a:r>
-            <a:r>
-              <a:rPr lang="en-US" dirty="0"/>
-              <a:t>classes </a:t>
-            </a:r>
-            <a:endParaRPr lang="en-US" dirty="0" smtClean="0"/>
-          </a:p>
-          <a:p>
-            <a:r>
-              <a:rPr lang="en-US" dirty="0"/>
-              <a:t>C</a:t>
-            </a:r>
-            <a:r>
-              <a:rPr lang="en-US" dirty="0" smtClean="0"/>
-              <a:t>reate new </a:t>
-            </a:r>
-            <a:r>
-              <a:rPr lang="en-US" dirty="0"/>
-              <a:t>database </a:t>
-            </a:r>
-          </a:p>
-          <a:p>
-            <a:r>
-              <a:rPr lang="en-US" dirty="0"/>
-              <a:t>M</a:t>
-            </a:r>
-            <a:r>
-              <a:rPr lang="en-US" dirty="0" smtClean="0"/>
-              <a:t>ap </a:t>
-            </a:r>
-            <a:r>
-              <a:rPr lang="en-US" dirty="0"/>
-              <a:t>your </a:t>
-            </a:r>
-            <a:r>
-              <a:rPr lang="en-US" dirty="0" smtClean="0"/>
-              <a:t>classes</a:t>
-            </a:r>
-          </a:p>
-          <a:p>
-            <a:r>
-              <a:rPr lang="en-US" dirty="0" smtClean="0"/>
-              <a:t>Basic workflow:</a:t>
+          <a:bodyPr/>
+          <a:lstStyle/>
+          <a:p>
+            <a:r>
+              <a:rPr lang="en-US" dirty="0"/>
+              <a:t>Starts from Entity Framework 4.1</a:t>
+            </a:r>
+          </a:p>
+          <a:p>
+            <a:r>
+              <a:rPr lang="en-US" dirty="0"/>
+              <a:t>Features</a:t>
             </a:r>
           </a:p>
           <a:p>
             <a:pPr lvl="1"/>
             <a:r>
-              <a:rPr lang="en-US" dirty="0"/>
-              <a:t>Write code-first application classes </a:t>
-            </a:r>
-            <a:endParaRPr lang="en-US" dirty="0" smtClean="0"/>
+              <a:rPr lang="en-GB" dirty="0"/>
+              <a:t>Useful in Domain Driven Design</a:t>
+            </a:r>
+            <a:endParaRPr lang="en-US" dirty="0"/>
           </a:p>
           <a:p>
             <a:pPr lvl="1"/>
             <a:r>
-              <a:rPr lang="en-US" dirty="0" smtClean="0"/>
-              <a:t>Hit </a:t>
-            </a:r>
-            <a:r>
-              <a:rPr lang="en-US" dirty="0"/>
-              <a:t>F5 to run the </a:t>
-            </a:r>
-            <a:r>
-              <a:rPr lang="en-US" dirty="0" smtClean="0"/>
-              <a:t>application</a:t>
+              <a:rPr lang="en-US" dirty="0"/>
+              <a:t>One-to-one, one-to-many and many-to-many relationship</a:t>
             </a:r>
           </a:p>
           <a:p>
             <a:pPr lvl="1"/>
             <a:r>
-              <a:rPr lang="en-US" dirty="0" smtClean="0"/>
-              <a:t> Code </a:t>
-            </a:r>
-            <a:r>
-              <a:rPr lang="en-US" dirty="0"/>
-              <a:t>First API creates new database or map with existing database from application </a:t>
-            </a:r>
-            <a:r>
-              <a:rPr lang="en-US" dirty="0" smtClean="0"/>
-              <a:t>classes</a:t>
-            </a:r>
+              <a:rPr lang="en-US" dirty="0" err="1" smtClean="0"/>
+              <a:t>DataAnnotations</a:t>
+            </a:r>
+            <a:endParaRPr lang="en-US" dirty="0"/>
           </a:p>
           <a:p>
             <a:pPr lvl="1"/>
             <a:r>
-              <a:rPr lang="en-US" dirty="0" smtClean="0"/>
-              <a:t> Inserts </a:t>
-            </a:r>
-            <a:r>
-              <a:rPr lang="en-US" dirty="0"/>
-              <a:t>default/test data into the </a:t>
-            </a:r>
-            <a:r>
-              <a:rPr lang="en-US" dirty="0" smtClean="0"/>
-              <a:t>database</a:t>
+              <a:rPr lang="en-US" dirty="0"/>
+              <a:t>Fluent API</a:t>
+            </a:r>
+          </a:p>
+          <a:p>
+            <a:r>
+              <a:rPr lang="en-US" dirty="0"/>
+              <a:t>Prerequisites:</a:t>
             </a:r>
           </a:p>
           <a:p>
             <a:pPr lvl="1"/>
             <a:r>
-              <a:rPr lang="en-US" dirty="0" smtClean="0"/>
-              <a:t> Finally </a:t>
-            </a:r>
-            <a:r>
-              <a:rPr lang="en-US" dirty="0"/>
-              <a:t>launch the application</a:t>
-            </a:r>
-          </a:p>
-          <a:p>
-            <a:pPr marL="0" indent="0">
-              <a:buNone/>
-            </a:pPr>
-            <a:endParaRPr lang="en-US" dirty="0"/>
-          </a:p>
-          <a:p>
-            <a:pPr lvl="1"/>
-            <a:endParaRPr lang="en-US" dirty="0"/>
-          </a:p>
-        </p:txBody>
-      </p:sp>
-      <p:sp>
-        <p:nvSpPr>
-          <p:cNvPr id="4" name="Footer Placeholder 3"/>
-          <p:cNvSpPr>
-            <a:spLocks noGrp="1"/>
-          </p:cNvSpPr>
-          <p:nvPr>
-            <p:ph type="ftr" sz="quarter" idx="11"/>
-          </p:nvPr>
-        </p:nvSpPr>
-        <p:spPr/>
-        <p:txBody>
-          <a:bodyPr/>
-          <a:lstStyle/>
-          <a:p>
-            <a:r>
-              <a:rPr lang="en-US" smtClean="0"/>
-              <a:t>Syed Awn Ali</a:t>
-            </a:r>
-            <a:endParaRPr lang="en-US"/>
+              <a:rPr lang="en-US" dirty="0" err="1"/>
+              <a:t>.Net</a:t>
+            </a:r>
+            <a:r>
+              <a:rPr lang="en-US" dirty="0"/>
+              <a:t> </a:t>
+            </a:r>
+            <a:r>
+              <a:rPr lang="en-US" dirty="0" smtClean="0"/>
+              <a:t>Framework 3.5</a:t>
+            </a:r>
+            <a:r>
+              <a:rPr lang="en-US" dirty="0"/>
+              <a:t>, C#, Visual Studio 2010 and MS SQL Server</a:t>
+            </a:r>
+          </a:p>
+          <a:p>
+            <a:endParaRPr lang="en-US" dirty="0"/>
           </a:p>
         </p:txBody>
       </p:sp>
     </p:spTree>
     <p:extLst>
       <p:ext uri="{BB962C8B-B14F-4D97-AF65-F5344CB8AC3E}">
-        <p14:creationId xmlns:p14="http://schemas.microsoft.com/office/powerpoint/2010/main" val="4259122313"/>
-      </p:ext>
-    </p:extLst>
-  </p:cSld>
-  <p:clrMapOvr>
-    <a:masterClrMapping/>
-  </p:clrMapOvr>
-  <p:timing>
-    <p:tnLst>
-      <p:par>
-        <p:cTn id="1" dur="indefinite" restart="never" nodeType="tmRoot"/>
-      </p:par>
-    </p:tnLst>
-  </p:timing>
-</p:sld>
-</file>
-
-<file path=ppt/slides/slide30.xml><?xml version="1.0" encoding="utf-8"?>
-<p:sld xmlns:a="http://schemas.openxmlformats.org/drawingml/2006/main" xmlns:r="http://schemas.openxmlformats.org/officeDocument/2006/relationships" xmlns:p="http://schemas.openxmlformats.org/presentationml/2006/main">
-  <p:cSld>
-    <p:spTree>
-      <p:nvGrpSpPr>
-        <p:cNvPr id="1" name=""/>
-        <p:cNvGrpSpPr/>
-        <p:nvPr/>
-      </p:nvGrpSpPr>
-      <p:grpSpPr>
-        <a:xfrm>
-          <a:off x="0" y="0"/>
-          <a:ext cx="0" cy="0"/>
-          <a:chOff x="0" y="0"/>
-          <a:chExt cx="0" cy="0"/>
-        </a:xfrm>
-      </p:grpSpPr>
-      <p:sp>
-        <p:nvSpPr>
-          <p:cNvPr id="2" name="Title 1"/>
-          <p:cNvSpPr>
-            <a:spLocks noGrp="1"/>
-          </p:cNvSpPr>
-          <p:nvPr>
-            <p:ph type="title"/>
-          </p:nvPr>
-        </p:nvSpPr>
-        <p:spPr/>
-        <p:txBody>
-          <a:bodyPr/>
-          <a:lstStyle/>
-          <a:p>
-            <a:r>
-              <a:rPr lang="en-US" dirty="0" smtClean="0"/>
-              <a:t>Summary</a:t>
-            </a:r>
-            <a:endParaRPr lang="en-US" dirty="0"/>
-          </a:p>
-        </p:txBody>
-      </p:sp>
-      <p:sp>
-        <p:nvSpPr>
-          <p:cNvPr id="3" name="Content Placeholder 2"/>
-          <p:cNvSpPr>
-            <a:spLocks noGrp="1"/>
-          </p:cNvSpPr>
-          <p:nvPr>
-            <p:ph idx="1"/>
-          </p:nvPr>
-        </p:nvSpPr>
-        <p:spPr/>
-        <p:txBody>
-          <a:bodyPr/>
-          <a:lstStyle/>
-          <a:p>
-            <a:endParaRPr lang="en-US"/>
-          </a:p>
-        </p:txBody>
-      </p:sp>
-    </p:spTree>
-    <p:extLst>
-      <p:ext uri="{BB962C8B-B14F-4D97-AF65-F5344CB8AC3E}">
-        <p14:creationId xmlns:p14="http://schemas.microsoft.com/office/powerpoint/2010/main" val="4082111346"/>
-      </p:ext>
-    </p:extLst>
-  </p:cSld>
-  <p:clrMapOvr>
-    <a:masterClrMapping/>
-  </p:clrMapOvr>
-</p:sld>
-</file>
-
-<file path=ppt/slides/slide31.xml><?xml version="1.0" encoding="utf-8"?>
-<p:sld xmlns:a="http://schemas.openxmlformats.org/drawingml/2006/main" xmlns:r="http://schemas.openxmlformats.org/officeDocument/2006/relationships" xmlns:p="http://schemas.openxmlformats.org/presentationml/2006/main">
-  <p:cSld>
-    <p:spTree>
-      <p:nvGrpSpPr>
-        <p:cNvPr id="1" name=""/>
-        <p:cNvGrpSpPr/>
-        <p:nvPr/>
-      </p:nvGrpSpPr>
-      <p:grpSpPr>
-        <a:xfrm>
-          <a:off x="0" y="0"/>
-          <a:ext cx="0" cy="0"/>
-          <a:chOff x="0" y="0"/>
-          <a:chExt cx="0" cy="0"/>
-        </a:xfrm>
-      </p:grpSpPr>
-      <p:sp>
-        <p:nvSpPr>
-          <p:cNvPr id="2" name="Title 1"/>
-          <p:cNvSpPr>
-            <a:spLocks noGrp="1"/>
-          </p:cNvSpPr>
-          <p:nvPr>
-            <p:ph type="title"/>
-          </p:nvPr>
-        </p:nvSpPr>
-        <p:spPr/>
-        <p:txBody>
-          <a:bodyPr/>
-          <a:lstStyle/>
-          <a:p>
-            <a:r>
-              <a:rPr lang="en-US" dirty="0" smtClean="0"/>
-              <a:t>Demo</a:t>
-            </a:r>
-            <a:endParaRPr lang="en-US" dirty="0"/>
-          </a:p>
-        </p:txBody>
-      </p:sp>
-      <p:sp>
-        <p:nvSpPr>
-          <p:cNvPr id="3" name="Content Placeholder 2"/>
-          <p:cNvSpPr>
-            <a:spLocks noGrp="1"/>
-          </p:cNvSpPr>
-          <p:nvPr>
-            <p:ph idx="1"/>
-          </p:nvPr>
-        </p:nvSpPr>
-        <p:spPr/>
-        <p:txBody>
-          <a:bodyPr/>
-          <a:lstStyle/>
-          <a:p>
-            <a:endParaRPr lang="en-US"/>
-          </a:p>
-        </p:txBody>
-      </p:sp>
-    </p:spTree>
-    <p:extLst>
-      <p:ext uri="{BB962C8B-B14F-4D97-AF65-F5344CB8AC3E}">
-        <p14:creationId xmlns:p14="http://schemas.microsoft.com/office/powerpoint/2010/main" val="1874241560"/>
+        <p14:creationId xmlns:p14="http://schemas.microsoft.com/office/powerpoint/2010/main" val="4164969449"/>
       </p:ext>
     </p:extLst>
   </p:cSld>
@@ -7799,7 +7012,7 @@
           <a:p>
             <a:r>
               <a:rPr lang="en-US" dirty="0" smtClean="0"/>
-              <a:t>Demo: Simple Code First</a:t>
+              <a:t>Modeling issues</a:t>
             </a:r>
             <a:endParaRPr lang="en-US" dirty="0"/>
           </a:p>
@@ -7820,14 +7033,72 @@
           <a:bodyPr/>
           <a:lstStyle/>
           <a:p>
-            <a:endParaRPr lang="en-US"/>
+            <a:r>
+              <a:rPr lang="en-US" dirty="0" smtClean="0"/>
+              <a:t>Relationships</a:t>
+            </a:r>
+          </a:p>
+          <a:p>
+            <a:r>
+              <a:rPr lang="en-US" dirty="0" smtClean="0"/>
+              <a:t>Splitting</a:t>
+            </a:r>
+          </a:p>
+          <a:p>
+            <a:r>
+              <a:rPr lang="en-US" dirty="0" smtClean="0"/>
+              <a:t>Inheritance</a:t>
+            </a:r>
+          </a:p>
+          <a:p>
+            <a:pPr lvl="1"/>
+            <a:r>
+              <a:rPr lang="en-US" dirty="0"/>
+              <a:t>Sub-type </a:t>
+            </a:r>
+            <a:r>
+              <a:rPr lang="en-US" dirty="0" smtClean="0"/>
+              <a:t>per-table with filter</a:t>
+            </a:r>
+          </a:p>
+          <a:p>
+            <a:pPr lvl="1"/>
+            <a:r>
+              <a:rPr lang="en-US" dirty="0" smtClean="0"/>
+              <a:t>Table per type</a:t>
+            </a:r>
+          </a:p>
+          <a:p>
+            <a:pPr lvl="1"/>
+            <a:r>
+              <a:rPr lang="en-US" dirty="0" smtClean="0"/>
+              <a:t>Table per hierarchy</a:t>
+            </a:r>
+            <a:endParaRPr lang="en-US" dirty="0"/>
+          </a:p>
+          <a:p>
+            <a:pPr lvl="1"/>
+            <a:endParaRPr lang="en-US" dirty="0" smtClean="0"/>
+          </a:p>
+          <a:p>
+            <a:r>
+              <a:rPr lang="en-US" dirty="0" err="1" smtClean="0"/>
+              <a:t>Enums</a:t>
+            </a:r>
+            <a:endParaRPr lang="en-US" dirty="0" smtClean="0"/>
+          </a:p>
+          <a:p>
+            <a:r>
+              <a:rPr lang="en-US" dirty="0" smtClean="0"/>
+              <a:t>Keys / identity</a:t>
+            </a:r>
           </a:p>
         </p:txBody>
       </p:sp>
     </p:spTree>
     <p:extLst>
       <p:ext uri="{BB962C8B-B14F-4D97-AF65-F5344CB8AC3E}">
-        <p14:creationId xmlns:p14="http://schemas.microsoft.com/office/powerpoint/2010/main" val="3992931790"/>
+        <p14:creationId xmlns:p14="http://schemas.microsoft.com/office/powerpoint/2010/main" val="2204391058"/>
       </p:ext>
     </p:extLst>
   </p:cSld>
@@ -7870,6 +7141,192 @@
           <a:lstStyle/>
           <a:p>
             <a:r>
+              <a:rPr lang="en-US" dirty="0"/>
+              <a:t>B</a:t>
+            </a:r>
+            <a:r>
+              <a:rPr lang="en-US" dirty="0" smtClean="0"/>
+              <a:t>asic </a:t>
+            </a:r>
+            <a:r>
+              <a:rPr lang="en-US" dirty="0"/>
+              <a:t>W</a:t>
+            </a:r>
+            <a:r>
+              <a:rPr lang="en-US" dirty="0" smtClean="0"/>
+              <a:t>orkflow</a:t>
+            </a:r>
+            <a:endParaRPr lang="en-US" dirty="0"/>
+          </a:p>
+        </p:txBody>
+      </p:sp>
+      <p:sp>
+        <p:nvSpPr>
+          <p:cNvPr id="3" name="Content Placeholder 2"/>
+          <p:cNvSpPr>
+            <a:spLocks noGrp="1"/>
+          </p:cNvSpPr>
+          <p:nvPr>
+            <p:ph idx="1"/>
+          </p:nvPr>
+        </p:nvSpPr>
+        <p:spPr/>
+        <p:txBody>
+          <a:bodyPr>
+            <a:normAutofit/>
+          </a:bodyPr>
+          <a:lstStyle/>
+          <a:p>
+            <a:r>
+              <a:rPr lang="en-US" dirty="0" smtClean="0"/>
+              <a:t>Write </a:t>
+            </a:r>
+            <a:r>
+              <a:rPr lang="en-US" dirty="0"/>
+              <a:t>code-first application classes </a:t>
+            </a:r>
+            <a:endParaRPr lang="en-US" dirty="0" smtClean="0"/>
+          </a:p>
+          <a:p>
+            <a:r>
+              <a:rPr lang="en-US" dirty="0" smtClean="0"/>
+              <a:t>Hit </a:t>
+            </a:r>
+            <a:r>
+              <a:rPr lang="en-US" dirty="0"/>
+              <a:t>F5 to run the </a:t>
+            </a:r>
+            <a:r>
+              <a:rPr lang="en-US" dirty="0" smtClean="0"/>
+              <a:t>application</a:t>
+            </a:r>
+          </a:p>
+          <a:p>
+            <a:r>
+              <a:rPr lang="en-US" dirty="0" smtClean="0"/>
+              <a:t>Code </a:t>
+            </a:r>
+            <a:r>
+              <a:rPr lang="en-US" dirty="0"/>
+              <a:t>First API creates new database or map with existing database from application </a:t>
+            </a:r>
+            <a:r>
+              <a:rPr lang="en-US" dirty="0" smtClean="0"/>
+              <a:t>classes</a:t>
+            </a:r>
+          </a:p>
+          <a:p>
+            <a:r>
+              <a:rPr lang="en-US" dirty="0" smtClean="0"/>
+              <a:t>Inserts </a:t>
+            </a:r>
+            <a:r>
+              <a:rPr lang="en-US" dirty="0"/>
+              <a:t>default/test data into the </a:t>
+            </a:r>
+            <a:r>
+              <a:rPr lang="en-US" dirty="0" smtClean="0"/>
+              <a:t>database</a:t>
+            </a:r>
+          </a:p>
+          <a:p>
+            <a:r>
+              <a:rPr lang="en-US" dirty="0" smtClean="0"/>
+              <a:t>Finally </a:t>
+            </a:r>
+            <a:r>
+              <a:rPr lang="en-US" dirty="0"/>
+              <a:t>launch the application</a:t>
+            </a:r>
+          </a:p>
+          <a:p>
+            <a:pPr marL="0" indent="0">
+              <a:buNone/>
+            </a:pPr>
+            <a:endParaRPr lang="en-US" dirty="0"/>
+          </a:p>
+          <a:p>
+            <a:pPr lvl="1"/>
+            <a:endParaRPr lang="en-US" dirty="0"/>
+          </a:p>
+        </p:txBody>
+      </p:sp>
+      <p:sp>
+        <p:nvSpPr>
+          <p:cNvPr id="4" name="Footer Placeholder 3"/>
+          <p:cNvSpPr>
+            <a:spLocks noGrp="1"/>
+          </p:cNvSpPr>
+          <p:nvPr>
+            <p:ph type="ftr" sz="quarter" idx="11"/>
+          </p:nvPr>
+        </p:nvSpPr>
+        <p:spPr/>
+        <p:txBody>
+          <a:bodyPr/>
+          <a:lstStyle/>
+          <a:p>
+            <a:r>
+              <a:rPr lang="en-US" smtClean="0"/>
+              <a:t>Syed Awn Ali</a:t>
+            </a:r>
+            <a:endParaRPr lang="en-US"/>
+          </a:p>
+        </p:txBody>
+      </p:sp>
+    </p:spTree>
+    <p:extLst>
+      <p:ext uri="{BB962C8B-B14F-4D97-AF65-F5344CB8AC3E}">
+        <p14:creationId xmlns:p14="http://schemas.microsoft.com/office/powerpoint/2010/main" val="4259122313"/>
+      </p:ext>
+    </p:extLst>
+  </p:cSld>
+  <p:clrMapOvr>
+    <a:masterClrMapping/>
+  </p:clrMapOvr>
+  <p:timing>
+    <p:tnLst>
+      <p:par>
+        <p:cTn id="1" dur="indefinite" restart="never" nodeType="tmRoot"/>
+      </p:par>
+    </p:tnLst>
+  </p:timing>
+</p:sld>
+</file>
+
+<file path=ppt/slides/slide6.xml><?xml version="1.0" encoding="utf-8"?>
+<p:sld xmlns:a="http://schemas.openxmlformats.org/drawingml/2006/main" xmlns:r="http://schemas.openxmlformats.org/officeDocument/2006/relationships" xmlns:p="http://schemas.openxmlformats.org/presentationml/2006/main">
+  <p:cSld>
+    <p:spTree>
+      <p:nvGrpSpPr>
+        <p:cNvPr id="1" name=""/>
+        <p:cNvGrpSpPr/>
+        <p:nvPr/>
+      </p:nvGrpSpPr>
+      <p:grpSpPr>
+        <a:xfrm>
+          <a:off x="0" y="0"/>
+          <a:ext cx="0" cy="0"/>
+          <a:chOff x="0" y="0"/>
+          <a:chExt cx="0" cy="0"/>
+        </a:xfrm>
+      </p:grpSpPr>
+      <p:sp>
+        <p:nvSpPr>
+          <p:cNvPr id="2" name="Title 1"/>
+          <p:cNvSpPr>
+            <a:spLocks noGrp="1"/>
+          </p:cNvSpPr>
+          <p:nvPr>
+            <p:ph type="title"/>
+          </p:nvPr>
+        </p:nvSpPr>
+        <p:spPr/>
+        <p:txBody>
+          <a:bodyPr/>
+          <a:lstStyle/>
+          <a:p>
+            <a:r>
               <a:rPr lang="en-US" dirty="0" smtClean="0"/>
               <a:t>The process in code first</a:t>
             </a:r>
@@ -7900,7 +7357,7 @@
         </p:blipFill>
         <p:spPr bwMode="auto">
           <a:xfrm>
-            <a:off x="2424112" y="1934308"/>
+            <a:off x="2424112" y="1690689"/>
             <a:ext cx="4295775" cy="4419600"/>
           </a:xfrm>
           <a:prstGeom prst="rect">
@@ -7954,7 +7411,7 @@
 </p:sld>
 </file>
 
-<file path=ppt/slides/slide6.xml><?xml version="1.0" encoding="utf-8"?>
+<file path=ppt/slides/slide7.xml><?xml version="1.0" encoding="utf-8"?>
 <p:sld xmlns:a="http://schemas.openxmlformats.org/drawingml/2006/main" xmlns:r="http://schemas.openxmlformats.org/officeDocument/2006/relationships" xmlns:p="http://schemas.openxmlformats.org/presentationml/2006/main">
   <p:cSld>
     <p:spTree>
@@ -7989,11 +7446,11 @@
           <a:lstStyle/>
           <a:p>
             <a:r>
-              <a:rPr lang="en-US" b="1" dirty="0"/>
+              <a:rPr lang="en-US" dirty="0"/>
               <a:t>Database </a:t>
             </a:r>
             <a:r>
-              <a:rPr lang="en-US" b="1" dirty="0" smtClean="0"/>
+              <a:rPr lang="en-US" dirty="0" smtClean="0"/>
               <a:t>Initialization</a:t>
             </a:r>
             <a:endParaRPr lang="en-US" dirty="0"/>
@@ -8016,8 +7473,29 @@
           <a:lstStyle/>
           <a:p>
             <a:r>
-              <a:rPr lang="en-US" dirty="0"/>
-              <a:t>No Parameter</a:t>
+              <a:rPr lang="en-US" dirty="0" smtClean="0"/>
+              <a:t>Based on how you use the </a:t>
+            </a:r>
+            <a:r>
+              <a:rPr lang="en-US" dirty="0" err="1" smtClean="0"/>
+              <a:t>DbContext</a:t>
+            </a:r>
+            <a:r>
+              <a:rPr lang="en-US" dirty="0" smtClean="0"/>
+              <a:t> as well as other strategy objects</a:t>
+            </a:r>
+          </a:p>
+          <a:p>
+            <a:endParaRPr lang="en-US" dirty="0" smtClean="0"/>
+          </a:p>
+          <a:p>
+            <a:r>
+              <a:rPr lang="en-US" dirty="0" smtClean="0"/>
+              <a:t>No </a:t>
+            </a:r>
+            <a:r>
+              <a:rPr lang="en-US" dirty="0"/>
+              <a:t>Parameter</a:t>
             </a:r>
             <a:r>
               <a:rPr lang="en-US" dirty="0" smtClean="0"/>
@@ -8055,93 +7533,53 @@
           </a:p>
         </p:txBody>
       </p:sp>
+      <p:sp>
+        <p:nvSpPr>
+          <p:cNvPr id="4" name="Footer Placeholder 3"/>
+          <p:cNvSpPr>
+            <a:spLocks noGrp="1"/>
+          </p:cNvSpPr>
+          <p:nvPr>
+            <p:ph type="ftr" sz="quarter" idx="11"/>
+          </p:nvPr>
+        </p:nvSpPr>
+        <p:spPr/>
+        <p:txBody>
+          <a:bodyPr/>
+          <a:lstStyle/>
+          <a:p>
+            <a:r>
+              <a:rPr lang="en-US" smtClean="0"/>
+              <a:t>Syed Awn Ali</a:t>
+            </a:r>
+            <a:endParaRPr lang="en-US"/>
+          </a:p>
+        </p:txBody>
+      </p:sp>
       <p:pic>
         <p:nvPicPr>
-          <p:cNvPr id="1026" name="Picture 2"/>
+          <p:cNvPr id="6" name="Picture 5"/>
           <p:cNvPicPr>
-            <a:picLocks noChangeAspect="1" noChangeArrowheads="1"/>
+            <a:picLocks noChangeAspect="1"/>
           </p:cNvPicPr>
           <p:nvPr/>
         </p:nvPicPr>
         <p:blipFill>
-          <a:blip r:embed="rId2">
-            <a:extLst>
-              <a:ext uri="{28A0092B-C50C-407E-A947-70E740481C1C}">
-                <a14:useLocalDpi xmlns:a14="http://schemas.microsoft.com/office/drawing/2010/main" val="0"/>
-              </a:ext>
-            </a:extLst>
-          </a:blip>
-          <a:srcRect/>
+          <a:blip r:embed="rId2"/>
           <a:stretch>
             <a:fillRect/>
           </a:stretch>
         </p:blipFill>
-        <p:spPr bwMode="auto">
+        <p:spPr>
           <a:xfrm>
-            <a:off x="1100136" y="3910445"/>
-            <a:ext cx="6943725" cy="1447800"/>
+            <a:off x="824592" y="4623595"/>
+            <a:ext cx="2305050" cy="1095375"/>
           </a:xfrm>
           <a:prstGeom prst="rect">
             <a:avLst/>
           </a:prstGeom>
-          <a:noFill/>
-          <a:ln>
-            <a:noFill/>
-          </a:ln>
-          <a:effectLst/>
-          <a:extLst>
-            <a:ext uri="{909E8E84-426E-40DD-AFC4-6F175D3DCCD1}">
-              <a14:hiddenFill xmlns:a14="http://schemas.microsoft.com/office/drawing/2010/main">
-                <a:solidFill>
-                  <a:schemeClr val="accent1"/>
-                </a:solidFill>
-              </a14:hiddenFill>
-            </a:ext>
-            <a:ext uri="{91240B29-F687-4F45-9708-019B960494DF}">
-              <a14:hiddenLine xmlns:a14="http://schemas.microsoft.com/office/drawing/2010/main" w="9525">
-                <a:solidFill>
-                  <a:schemeClr val="tx1"/>
-                </a:solidFill>
-                <a:miter lim="800000"/>
-                <a:headEnd/>
-                <a:tailEnd/>
-              </a14:hiddenLine>
-            </a:ext>
-            <a:ext uri="{AF507438-7753-43E0-B8FC-AC1667EBCBE1}">
-              <a14:hiddenEffects xmlns:a14="http://schemas.microsoft.com/office/drawing/2010/main">
-                <a:effectLst>
-                  <a:outerShdw dist="35921" dir="2700000" algn="ctr" rotWithShape="0">
-                    <a:schemeClr val="bg2"/>
-                  </a:outerShdw>
-                </a:effectLst>
-              </a14:hiddenEffects>
-            </a:ext>
-          </a:extLst>
         </p:spPr>
       </p:pic>
-      <p:sp>
-        <p:nvSpPr>
-          <p:cNvPr id="4" name="Footer Placeholder 3"/>
-          <p:cNvSpPr>
-            <a:spLocks noGrp="1"/>
-          </p:cNvSpPr>
-          <p:nvPr>
-            <p:ph type="ftr" sz="quarter" idx="11"/>
-          </p:nvPr>
-        </p:nvSpPr>
-        <p:spPr/>
-        <p:txBody>
-          <a:bodyPr/>
-          <a:lstStyle/>
-          <a:p>
-            <a:r>
-              <a:rPr lang="en-US" smtClean="0"/>
-              <a:t>Syed Awn Ali</a:t>
-            </a:r>
-            <a:endParaRPr lang="en-US"/>
-          </a:p>
-        </p:txBody>
-      </p:sp>
     </p:spTree>
     <p:extLst>
       <p:ext uri="{BB962C8B-B14F-4D97-AF65-F5344CB8AC3E}">
@@ -8162,136 +7600,6 @@
 </p:sld>
 </file>
 
-<file path=ppt/slides/slide7.xml><?xml version="1.0" encoding="utf-8"?>
-<p:sld xmlns:a="http://schemas.openxmlformats.org/drawingml/2006/main" xmlns:r="http://schemas.openxmlformats.org/officeDocument/2006/relationships" xmlns:p="http://schemas.openxmlformats.org/presentationml/2006/main">
-  <p:cSld>
-    <p:spTree>
-      <p:nvGrpSpPr>
-        <p:cNvPr id="1" name=""/>
-        <p:cNvGrpSpPr/>
-        <p:nvPr/>
-      </p:nvGrpSpPr>
-      <p:grpSpPr>
-        <a:xfrm>
-          <a:off x="0" y="0"/>
-          <a:ext cx="0" cy="0"/>
-          <a:chOff x="0" y="0"/>
-          <a:chExt cx="0" cy="0"/>
-        </a:xfrm>
-      </p:grpSpPr>
-      <p:sp>
-        <p:nvSpPr>
-          <p:cNvPr id="2" name="Title 1"/>
-          <p:cNvSpPr>
-            <a:spLocks noGrp="1"/>
-          </p:cNvSpPr>
-          <p:nvPr>
-            <p:ph type="title"/>
-          </p:nvPr>
-        </p:nvSpPr>
-        <p:spPr/>
-        <p:txBody>
-          <a:bodyPr/>
-          <a:lstStyle/>
-          <a:p>
-            <a:r>
-              <a:rPr lang="en-US" dirty="0" smtClean="0"/>
-              <a:t>Modeling issues</a:t>
-            </a:r>
-            <a:endParaRPr lang="en-US" dirty="0"/>
-          </a:p>
-        </p:txBody>
-      </p:sp>
-      <p:sp>
-        <p:nvSpPr>
-          <p:cNvPr id="3" name="Content Placeholder 2"/>
-          <p:cNvSpPr>
-            <a:spLocks noGrp="1"/>
-          </p:cNvSpPr>
-          <p:nvPr>
-            <p:ph idx="1"/>
-          </p:nvPr>
-        </p:nvSpPr>
-        <p:spPr/>
-        <p:txBody>
-          <a:bodyPr/>
-          <a:lstStyle/>
-          <a:p>
-            <a:r>
-              <a:rPr lang="en-US" dirty="0" smtClean="0"/>
-              <a:t>Relationships</a:t>
-            </a:r>
-          </a:p>
-          <a:p>
-            <a:r>
-              <a:rPr lang="en-US" dirty="0" smtClean="0"/>
-              <a:t>Splitting</a:t>
-            </a:r>
-          </a:p>
-          <a:p>
-            <a:r>
-              <a:rPr lang="en-US" dirty="0" smtClean="0"/>
-              <a:t>Inheritance</a:t>
-            </a:r>
-          </a:p>
-          <a:p>
-            <a:pPr lvl="1"/>
-            <a:r>
-              <a:rPr lang="en-US" dirty="0"/>
-              <a:t>Sub-type </a:t>
-            </a:r>
-            <a:r>
-              <a:rPr lang="en-US" dirty="0" smtClean="0"/>
-              <a:t>per-table with filter</a:t>
-            </a:r>
-          </a:p>
-          <a:p>
-            <a:pPr lvl="1"/>
-            <a:r>
-              <a:rPr lang="en-US" dirty="0" smtClean="0"/>
-              <a:t>Table per type</a:t>
-            </a:r>
-          </a:p>
-          <a:p>
-            <a:pPr lvl="1"/>
-            <a:r>
-              <a:rPr lang="en-US" dirty="0" smtClean="0"/>
-              <a:t>Table per hierarchy</a:t>
-            </a:r>
-            <a:endParaRPr lang="en-US" dirty="0"/>
-          </a:p>
-          <a:p>
-            <a:pPr lvl="1"/>
-            <a:endParaRPr lang="en-US" dirty="0" smtClean="0"/>
-          </a:p>
-          <a:p>
-            <a:r>
-              <a:rPr lang="en-US" dirty="0" err="1" smtClean="0"/>
-              <a:t>Enums</a:t>
-            </a:r>
-            <a:endParaRPr lang="en-US" dirty="0" smtClean="0"/>
-          </a:p>
-          <a:p>
-            <a:r>
-              <a:rPr lang="en-US" dirty="0" smtClean="0"/>
-              <a:t>Keys / identity</a:t>
-            </a:r>
-          </a:p>
-        </p:txBody>
-      </p:sp>
-    </p:spTree>
-    <p:extLst>
-      <p:ext uri="{BB962C8B-B14F-4D97-AF65-F5344CB8AC3E}">
-        <p14:creationId xmlns:p14="http://schemas.microsoft.com/office/powerpoint/2010/main" val="2204391058"/>
-      </p:ext>
-    </p:extLst>
-  </p:cSld>
-  <p:clrMapOvr>
-    <a:masterClrMapping/>
-  </p:clrMapOvr>
-</p:sld>
-</file>
-
 <file path=ppt/slides/slide8.xml><?xml version="1.0" encoding="utf-8"?>
 <p:sld xmlns:a="http://schemas.openxmlformats.org/drawingml/2006/main" xmlns:r="http://schemas.openxmlformats.org/officeDocument/2006/relationships" xmlns:p="http://schemas.openxmlformats.org/presentationml/2006/main">
   <p:cSld>
@@ -8348,13 +7656,10 @@
           <a:lstStyle/>
           <a:p>
             <a:r>
-              <a:rPr lang="en-US" dirty="0"/>
-              <a:t>Name</a:t>
-            </a:r>
-            <a:r>
-              <a:rPr lang="en-US" dirty="0" smtClean="0"/>
-              <a:t>:</a:t>
-            </a:r>
+              <a:rPr lang="en-US" dirty="0" smtClean="0"/>
+              <a:t>Use a name in the base initializer:</a:t>
+            </a:r>
+            <a:endParaRPr lang="en-US" dirty="0" smtClean="0"/>
           </a:p>
           <a:p>
             <a:pPr lvl="1"/>
@@ -8382,93 +7687,53 @@
           </a:p>
         </p:txBody>
       </p:sp>
+      <p:sp>
+        <p:nvSpPr>
+          <p:cNvPr id="4" name="Footer Placeholder 3"/>
+          <p:cNvSpPr>
+            <a:spLocks noGrp="1"/>
+          </p:cNvSpPr>
+          <p:nvPr>
+            <p:ph type="ftr" sz="quarter" idx="11"/>
+          </p:nvPr>
+        </p:nvSpPr>
+        <p:spPr/>
+        <p:txBody>
+          <a:bodyPr/>
+          <a:lstStyle/>
+          <a:p>
+            <a:r>
+              <a:rPr lang="en-US" smtClean="0"/>
+              <a:t>Syed Awn Ali</a:t>
+            </a:r>
+            <a:endParaRPr lang="en-US"/>
+          </a:p>
+        </p:txBody>
+      </p:sp>
       <p:pic>
         <p:nvPicPr>
-          <p:cNvPr id="2052" name="Picture 4"/>
+          <p:cNvPr id="5" name="Picture 4"/>
           <p:cNvPicPr>
-            <a:picLocks noChangeAspect="1" noChangeArrowheads="1"/>
+            <a:picLocks noChangeAspect="1"/>
           </p:cNvPicPr>
           <p:nvPr/>
         </p:nvPicPr>
         <p:blipFill>
-          <a:blip r:embed="rId2">
-            <a:extLst>
-              <a:ext uri="{28A0092B-C50C-407E-A947-70E740481C1C}">
-                <a14:useLocalDpi xmlns:a14="http://schemas.microsoft.com/office/drawing/2010/main" val="0"/>
-              </a:ext>
-            </a:extLst>
-          </a:blip>
-          <a:srcRect/>
+          <a:blip r:embed="rId2"/>
           <a:stretch>
             <a:fillRect/>
           </a:stretch>
         </p:blipFill>
-        <p:spPr bwMode="auto">
+        <p:spPr>
           <a:xfrm>
-            <a:off x="1828800" y="3429000"/>
-            <a:ext cx="4362450" cy="1266825"/>
+            <a:off x="1323975" y="3324225"/>
+            <a:ext cx="3409950" cy="1123950"/>
           </a:xfrm>
           <a:prstGeom prst="rect">
             <a:avLst/>
           </a:prstGeom>
-          <a:noFill/>
-          <a:ln>
-            <a:noFill/>
-          </a:ln>
-          <a:effectLst/>
-          <a:extLst>
-            <a:ext uri="{909E8E84-426E-40DD-AFC4-6F175D3DCCD1}">
-              <a14:hiddenFill xmlns:a14="http://schemas.microsoft.com/office/drawing/2010/main">
-                <a:solidFill>
-                  <a:schemeClr val="accent1"/>
-                </a:solidFill>
-              </a14:hiddenFill>
-            </a:ext>
-            <a:ext uri="{91240B29-F687-4F45-9708-019B960494DF}">
-              <a14:hiddenLine xmlns:a14="http://schemas.microsoft.com/office/drawing/2010/main" w="9525">
-                <a:solidFill>
-                  <a:schemeClr val="tx1"/>
-                </a:solidFill>
-                <a:miter lim="800000"/>
-                <a:headEnd/>
-                <a:tailEnd/>
-              </a14:hiddenLine>
-            </a:ext>
-            <a:ext uri="{AF507438-7753-43E0-B8FC-AC1667EBCBE1}">
-              <a14:hiddenEffects xmlns:a14="http://schemas.microsoft.com/office/drawing/2010/main">
-                <a:effectLst>
-                  <a:outerShdw dist="35921" dir="2700000" algn="ctr" rotWithShape="0">
-                    <a:schemeClr val="bg2"/>
-                  </a:outerShdw>
-                </a:effectLst>
-              </a14:hiddenEffects>
-            </a:ext>
-          </a:extLst>
         </p:spPr>
       </p:pic>
-      <p:sp>
-        <p:nvSpPr>
-          <p:cNvPr id="4" name="Footer Placeholder 3"/>
-          <p:cNvSpPr>
-            <a:spLocks noGrp="1"/>
-          </p:cNvSpPr>
-          <p:nvPr>
-            <p:ph type="ftr" sz="quarter" idx="11"/>
-          </p:nvPr>
-        </p:nvSpPr>
-        <p:spPr/>
-        <p:txBody>
-          <a:bodyPr/>
-          <a:lstStyle/>
-          <a:p>
-            <a:r>
-              <a:rPr lang="en-US" smtClean="0"/>
-              <a:t>Syed Awn Ali</a:t>
-            </a:r>
-            <a:endParaRPr lang="en-US"/>
-          </a:p>
-        </p:txBody>
-      </p:sp>
     </p:spTree>
     <p:extLst>
       <p:ext uri="{BB962C8B-B14F-4D97-AF65-F5344CB8AC3E}">

--- a/Slides/EF/4 - Code First.pptx
+++ b/Slides/EF/4 - Code First.pptx
@@ -3270,29 +3270,6 @@
           </a:p>
         </p:txBody>
       </p:sp>
-      <p:sp>
-        <p:nvSpPr>
-          <p:cNvPr id="4" name="Footer Placeholder 3"/>
-          <p:cNvSpPr>
-            <a:spLocks noGrp="1"/>
-          </p:cNvSpPr>
-          <p:nvPr>
-            <p:ph type="ftr" sz="quarter" idx="11"/>
-          </p:nvPr>
-        </p:nvSpPr>
-        <p:spPr/>
-        <p:txBody>
-          <a:bodyPr/>
-          <a:lstStyle/>
-          <a:p>
-            <a:r>
-              <a:rPr lang="en-US" smtClean="0"/>
-              <a:t>Syed Awn Ali</a:t>
-            </a:r>
-            <a:endParaRPr lang="en-US"/>
-          </a:p>
-        </p:txBody>
-      </p:sp>
     </p:spTree>
     <p:extLst>
       <p:ext uri="{BB962C8B-B14F-4D97-AF65-F5344CB8AC3E}">
@@ -3526,29 +3503,6 @@
           </a:extLst>
         </p:spPr>
       </p:pic>
-      <p:sp>
-        <p:nvSpPr>
-          <p:cNvPr id="4" name="Footer Placeholder 3"/>
-          <p:cNvSpPr>
-            <a:spLocks noGrp="1"/>
-          </p:cNvSpPr>
-          <p:nvPr>
-            <p:ph type="ftr" sz="quarter" idx="11"/>
-          </p:nvPr>
-        </p:nvSpPr>
-        <p:spPr/>
-        <p:txBody>
-          <a:bodyPr/>
-          <a:lstStyle/>
-          <a:p>
-            <a:r>
-              <a:rPr lang="en-US" smtClean="0"/>
-              <a:t>Syed Awn Ali</a:t>
-            </a:r>
-            <a:endParaRPr lang="en-US"/>
-          </a:p>
-        </p:txBody>
-      </p:sp>
     </p:spTree>
     <p:extLst>
       <p:ext uri="{BB962C8B-B14F-4D97-AF65-F5344CB8AC3E}">
@@ -3712,29 +3666,6 @@
           </a:extLst>
         </p:spPr>
       </p:pic>
-      <p:sp>
-        <p:nvSpPr>
-          <p:cNvPr id="4" name="Footer Placeholder 3"/>
-          <p:cNvSpPr>
-            <a:spLocks noGrp="1"/>
-          </p:cNvSpPr>
-          <p:nvPr>
-            <p:ph type="ftr" sz="quarter" idx="11"/>
-          </p:nvPr>
-        </p:nvSpPr>
-        <p:spPr/>
-        <p:txBody>
-          <a:bodyPr/>
-          <a:lstStyle/>
-          <a:p>
-            <a:r>
-              <a:rPr lang="en-US" smtClean="0"/>
-              <a:t>Syed Awn Ali</a:t>
-            </a:r>
-            <a:endParaRPr lang="en-US"/>
-          </a:p>
-        </p:txBody>
-      </p:sp>
     </p:spTree>
     <p:extLst>
       <p:ext uri="{BB962C8B-B14F-4D97-AF65-F5344CB8AC3E}">
@@ -3846,29 +3777,6 @@
           </a:p>
         </p:txBody>
       </p:sp>
-      <p:sp>
-        <p:nvSpPr>
-          <p:cNvPr id="4" name="Footer Placeholder 3"/>
-          <p:cNvSpPr>
-            <a:spLocks noGrp="1"/>
-          </p:cNvSpPr>
-          <p:nvPr>
-            <p:ph type="ftr" sz="quarter" idx="11"/>
-          </p:nvPr>
-        </p:nvSpPr>
-        <p:spPr/>
-        <p:txBody>
-          <a:bodyPr/>
-          <a:lstStyle/>
-          <a:p>
-            <a:r>
-              <a:rPr lang="en-US" smtClean="0"/>
-              <a:t>Syed Awn Ali</a:t>
-            </a:r>
-            <a:endParaRPr lang="en-US"/>
-          </a:p>
-        </p:txBody>
-      </p:sp>
     </p:spTree>
     <p:extLst>
       <p:ext uri="{BB962C8B-B14F-4D97-AF65-F5344CB8AC3E}">
@@ -4011,29 +3919,6 @@
               <a:rPr lang="en-US" dirty="0"/>
               <a:t> then you have to use Fluent API</a:t>
             </a:r>
-          </a:p>
-        </p:txBody>
-      </p:sp>
-      <p:sp>
-        <p:nvSpPr>
-          <p:cNvPr id="4" name="Footer Placeholder 3"/>
-          <p:cNvSpPr>
-            <a:spLocks noGrp="1"/>
-          </p:cNvSpPr>
-          <p:nvPr>
-            <p:ph type="ftr" sz="quarter" idx="11"/>
-          </p:nvPr>
-        </p:nvSpPr>
-        <p:spPr/>
-        <p:txBody>
-          <a:bodyPr/>
-          <a:lstStyle/>
-          <a:p>
-            <a:r>
-              <a:rPr lang="en-US" smtClean="0"/>
-              <a:t>Syed Awn Ali</a:t>
-            </a:r>
-            <a:endParaRPr lang="en-US"/>
           </a:p>
         </p:txBody>
       </p:sp>
@@ -4393,29 +4278,6 @@
           </a:extLst>
         </p:spPr>
       </p:pic>
-      <p:sp>
-        <p:nvSpPr>
-          <p:cNvPr id="4" name="Footer Placeholder 3"/>
-          <p:cNvSpPr>
-            <a:spLocks noGrp="1"/>
-          </p:cNvSpPr>
-          <p:nvPr>
-            <p:ph type="ftr" sz="quarter" idx="11"/>
-          </p:nvPr>
-        </p:nvSpPr>
-        <p:spPr/>
-        <p:txBody>
-          <a:bodyPr/>
-          <a:lstStyle/>
-          <a:p>
-            <a:r>
-              <a:rPr lang="en-US" smtClean="0"/>
-              <a:t>Syed Awn Ali</a:t>
-            </a:r>
-            <a:endParaRPr lang="en-US"/>
-          </a:p>
-        </p:txBody>
-      </p:sp>
     </p:spTree>
     <p:extLst>
       <p:ext uri="{BB962C8B-B14F-4D97-AF65-F5344CB8AC3E}">
@@ -4569,29 +4431,6 @@
           </a:extLst>
         </p:spPr>
       </p:pic>
-      <p:sp>
-        <p:nvSpPr>
-          <p:cNvPr id="4" name="Footer Placeholder 3"/>
-          <p:cNvSpPr>
-            <a:spLocks noGrp="1"/>
-          </p:cNvSpPr>
-          <p:nvPr>
-            <p:ph type="ftr" sz="quarter" idx="11"/>
-          </p:nvPr>
-        </p:nvSpPr>
-        <p:spPr/>
-        <p:txBody>
-          <a:bodyPr/>
-          <a:lstStyle/>
-          <a:p>
-            <a:r>
-              <a:rPr lang="en-US" smtClean="0"/>
-              <a:t>Syed Awn Ali</a:t>
-            </a:r>
-            <a:endParaRPr lang="en-US"/>
-          </a:p>
-        </p:txBody>
-      </p:sp>
     </p:spTree>
     <p:extLst>
       <p:ext uri="{BB962C8B-B14F-4D97-AF65-F5344CB8AC3E}">
@@ -4728,7 +4567,6 @@
               <a:rPr lang="en-US" dirty="0" smtClean="0"/>
               <a:t>Called after model initialized but before it is locked down</a:t>
             </a:r>
-            <a:endParaRPr lang="en-US" dirty="0" smtClean="0"/>
           </a:p>
           <a:p>
             <a:endParaRPr lang="en-US" dirty="0"/>
@@ -5169,29 +5007,6 @@
           </a:extLst>
         </p:spPr>
       </p:pic>
-      <p:sp>
-        <p:nvSpPr>
-          <p:cNvPr id="4" name="Footer Placeholder 3"/>
-          <p:cNvSpPr>
-            <a:spLocks noGrp="1"/>
-          </p:cNvSpPr>
-          <p:nvPr>
-            <p:ph type="ftr" sz="quarter" idx="11"/>
-          </p:nvPr>
-        </p:nvSpPr>
-        <p:spPr/>
-        <p:txBody>
-          <a:bodyPr/>
-          <a:lstStyle/>
-          <a:p>
-            <a:r>
-              <a:rPr lang="en-US" smtClean="0"/>
-              <a:t>Syed Awn Ali</a:t>
-            </a:r>
-            <a:endParaRPr lang="en-US"/>
-          </a:p>
-        </p:txBody>
-      </p:sp>
     </p:spTree>
     <p:extLst>
       <p:ext uri="{BB962C8B-B14F-4D97-AF65-F5344CB8AC3E}">
@@ -5346,29 +5161,6 @@
           </a:extLst>
         </p:spPr>
       </p:pic>
-      <p:sp>
-        <p:nvSpPr>
-          <p:cNvPr id="4" name="Footer Placeholder 3"/>
-          <p:cNvSpPr>
-            <a:spLocks noGrp="1"/>
-          </p:cNvSpPr>
-          <p:nvPr>
-            <p:ph type="ftr" sz="quarter" idx="11"/>
-          </p:nvPr>
-        </p:nvSpPr>
-        <p:spPr/>
-        <p:txBody>
-          <a:bodyPr/>
-          <a:lstStyle/>
-          <a:p>
-            <a:r>
-              <a:rPr lang="en-US" smtClean="0"/>
-              <a:t>Syed Awn Ali</a:t>
-            </a:r>
-            <a:endParaRPr lang="en-US"/>
-          </a:p>
-        </p:txBody>
-      </p:sp>
     </p:spTree>
     <p:extLst>
       <p:ext uri="{BB962C8B-B14F-4D97-AF65-F5344CB8AC3E}">
@@ -5774,29 +5566,6 @@
           </a:p>
         </p:txBody>
       </p:sp>
-      <p:sp>
-        <p:nvSpPr>
-          <p:cNvPr id="4" name="Footer Placeholder 3"/>
-          <p:cNvSpPr>
-            <a:spLocks noGrp="1"/>
-          </p:cNvSpPr>
-          <p:nvPr>
-            <p:ph type="ftr" sz="quarter" idx="11"/>
-          </p:nvPr>
-        </p:nvSpPr>
-        <p:spPr/>
-        <p:txBody>
-          <a:bodyPr/>
-          <a:lstStyle/>
-          <a:p>
-            <a:r>
-              <a:rPr lang="en-US" smtClean="0"/>
-              <a:t>Syed Awn Ali</a:t>
-            </a:r>
-            <a:endParaRPr lang="en-US"/>
-          </a:p>
-        </p:txBody>
-      </p:sp>
     </p:spTree>
     <p:extLst>
       <p:ext uri="{BB962C8B-B14F-4D97-AF65-F5344CB8AC3E}">
@@ -5930,11 +5699,7 @@
             </a:pPr>
             <a:r>
               <a:rPr lang="en-US" dirty="0" smtClean="0"/>
-              <a:t>Command: </a:t>
-            </a:r>
-            <a:r>
-              <a:rPr lang="en-US" dirty="0" smtClean="0"/>
-              <a:t>enable-migrations </a:t>
+              <a:t>Command: enable-migrations </a:t>
             </a:r>
             <a:r>
               <a:rPr lang="en-US" dirty="0"/>
@@ -6186,29 +5951,6 @@
           </a:extLst>
         </p:spPr>
       </p:pic>
-      <p:sp>
-        <p:nvSpPr>
-          <p:cNvPr id="4" name="Footer Placeholder 3"/>
-          <p:cNvSpPr>
-            <a:spLocks noGrp="1"/>
-          </p:cNvSpPr>
-          <p:nvPr>
-            <p:ph type="ftr" sz="quarter" idx="11"/>
-          </p:nvPr>
-        </p:nvSpPr>
-        <p:spPr/>
-        <p:txBody>
-          <a:bodyPr/>
-          <a:lstStyle/>
-          <a:p>
-            <a:r>
-              <a:rPr lang="en-US" smtClean="0"/>
-              <a:t>Syed Awn Ali</a:t>
-            </a:r>
-            <a:endParaRPr lang="en-US"/>
-          </a:p>
-        </p:txBody>
-      </p:sp>
     </p:spTree>
     <p:extLst>
       <p:ext uri="{BB962C8B-B14F-4D97-AF65-F5344CB8AC3E}">
@@ -6623,29 +6365,6 @@
           </a:p>
         </p:txBody>
       </p:sp>
-      <p:sp>
-        <p:nvSpPr>
-          <p:cNvPr id="4" name="Footer Placeholder 3"/>
-          <p:cNvSpPr>
-            <a:spLocks noGrp="1"/>
-          </p:cNvSpPr>
-          <p:nvPr>
-            <p:ph type="ftr" sz="quarter" idx="11"/>
-          </p:nvPr>
-        </p:nvSpPr>
-        <p:spPr/>
-        <p:txBody>
-          <a:bodyPr/>
-          <a:lstStyle/>
-          <a:p>
-            <a:r>
-              <a:rPr lang="en-US" smtClean="0"/>
-              <a:t>Syed Awn Ali</a:t>
-            </a:r>
-            <a:endParaRPr lang="en-US"/>
-          </a:p>
-        </p:txBody>
-      </p:sp>
     </p:spTree>
     <p:extLst>
       <p:ext uri="{BB962C8B-B14F-4D97-AF65-F5344CB8AC3E}">
@@ -7248,29 +6967,6 @@
           <a:p>
             <a:pPr lvl="1"/>
             <a:endParaRPr lang="en-US" dirty="0"/>
-          </a:p>
-        </p:txBody>
-      </p:sp>
-      <p:sp>
-        <p:nvSpPr>
-          <p:cNvPr id="4" name="Footer Placeholder 3"/>
-          <p:cNvSpPr>
-            <a:spLocks noGrp="1"/>
-          </p:cNvSpPr>
-          <p:nvPr>
-            <p:ph type="ftr" sz="quarter" idx="11"/>
-          </p:nvPr>
-        </p:nvSpPr>
-        <p:spPr/>
-        <p:txBody>
-          <a:bodyPr/>
-          <a:lstStyle/>
-          <a:p>
-            <a:r>
-              <a:rPr lang="en-US" smtClean="0"/>
-              <a:t>Syed Awn Ali</a:t>
-            </a:r>
-            <a:endParaRPr lang="en-US"/>
           </a:p>
         </p:txBody>
       </p:sp>
@@ -7533,29 +7229,6 @@
           </a:p>
         </p:txBody>
       </p:sp>
-      <p:sp>
-        <p:nvSpPr>
-          <p:cNvPr id="4" name="Footer Placeholder 3"/>
-          <p:cNvSpPr>
-            <a:spLocks noGrp="1"/>
-          </p:cNvSpPr>
-          <p:nvPr>
-            <p:ph type="ftr" sz="quarter" idx="11"/>
-          </p:nvPr>
-        </p:nvSpPr>
-        <p:spPr/>
-        <p:txBody>
-          <a:bodyPr/>
-          <a:lstStyle/>
-          <a:p>
-            <a:r>
-              <a:rPr lang="en-US" smtClean="0"/>
-              <a:t>Syed Awn Ali</a:t>
-            </a:r>
-            <a:endParaRPr lang="en-US"/>
-          </a:p>
-        </p:txBody>
-      </p:sp>
       <p:pic>
         <p:nvPicPr>
           <p:cNvPr id="6" name="Picture 5"/>
@@ -7659,7 +7332,6 @@
               <a:rPr lang="en-US" dirty="0" smtClean="0"/>
               <a:t>Use a name in the base initializer:</a:t>
             </a:r>
-            <a:endParaRPr lang="en-US" dirty="0" smtClean="0"/>
           </a:p>
           <a:p>
             <a:pPr lvl="1"/>
@@ -7684,29 +7356,6 @@
               <a:t>name</a:t>
             </a:r>
             <a:endParaRPr lang="en-US" dirty="0"/>
-          </a:p>
-        </p:txBody>
-      </p:sp>
-      <p:sp>
-        <p:nvSpPr>
-          <p:cNvPr id="4" name="Footer Placeholder 3"/>
-          <p:cNvSpPr>
-            <a:spLocks noGrp="1"/>
-          </p:cNvSpPr>
-          <p:nvPr>
-            <p:ph type="ftr" sz="quarter" idx="11"/>
-          </p:nvPr>
-        </p:nvSpPr>
-        <p:spPr/>
-        <p:txBody>
-          <a:bodyPr/>
-          <a:lstStyle/>
-          <a:p>
-            <a:r>
-              <a:rPr lang="en-US" smtClean="0"/>
-              <a:t>Syed Awn Ali</a:t>
-            </a:r>
-            <a:endParaRPr lang="en-US"/>
           </a:p>
         </p:txBody>
       </p:sp>
@@ -7899,29 +7548,6 @@
           </a:extLst>
         </p:spPr>
       </p:pic>
-      <p:sp>
-        <p:nvSpPr>
-          <p:cNvPr id="4" name="Footer Placeholder 3"/>
-          <p:cNvSpPr>
-            <a:spLocks noGrp="1"/>
-          </p:cNvSpPr>
-          <p:nvPr>
-            <p:ph type="ftr" sz="quarter" idx="11"/>
-          </p:nvPr>
-        </p:nvSpPr>
-        <p:spPr/>
-        <p:txBody>
-          <a:bodyPr/>
-          <a:lstStyle/>
-          <a:p>
-            <a:r>
-              <a:rPr lang="en-US" smtClean="0"/>
-              <a:t>Syed Awn Ali</a:t>
-            </a:r>
-            <a:endParaRPr lang="en-US"/>
-          </a:p>
-        </p:txBody>
-      </p:sp>
     </p:spTree>
     <p:extLst>
       <p:ext uri="{BB962C8B-B14F-4D97-AF65-F5344CB8AC3E}">
